--- a/Apresentação Grupo 4 -Projeto Inicial Patri.pptx
+++ b/Apresentação Grupo 4 -Projeto Inicial Patri.pptx
@@ -2,24 +2,24 @@
 <file path=ppt/presentation.xml><?xml version="1.0" encoding="utf-8"?>
 <p:presentation xmlns:a="http://schemas.openxmlformats.org/drawingml/2006/main" xmlns:r="http://schemas.openxmlformats.org/officeDocument/2006/relationships" xmlns:p="http://schemas.openxmlformats.org/presentationml/2006/main" saveSubsetFonts="1">
   <p:sldMasterIdLst>
-    <p:sldMasterId id="2147483648" r:id="rId1"/>
+    <p:sldMasterId id="2147483708" r:id="rId1"/>
   </p:sldMasterIdLst>
   <p:sldIdLst>
     <p:sldId id="256" r:id="rId2"/>
-    <p:sldId id="259" r:id="rId3"/>
-    <p:sldId id="261" r:id="rId4"/>
+    <p:sldId id="261" r:id="rId3"/>
+    <p:sldId id="259" r:id="rId4"/>
     <p:sldId id="257" r:id="rId5"/>
     <p:sldId id="258" r:id="rId6"/>
-    <p:sldId id="260" r:id="rId7"/>
+    <p:sldId id="263" r:id="rId7"/>
     <p:sldId id="262" r:id="rId8"/>
   </p:sldIdLst>
   <p:sldSz cx="12192000" cy="6858000"/>
   <p:notesSz cx="6858000" cy="9144000"/>
   <p:defaultTextStyle>
     <a:defPPr>
-      <a:defRPr lang="pt-BR"/>
+      <a:defRPr lang="en-US"/>
     </a:defPPr>
-    <a:lvl1pPr marL="0" algn="l" defTabSz="914400" rtl="0" eaLnBrk="1" latinLnBrk="0" hangingPunct="1">
+    <a:lvl1pPr marL="0" algn="l" defTabSz="457200" rtl="0" eaLnBrk="1" latinLnBrk="0" hangingPunct="1">
       <a:defRPr sz="1800" kern="1200">
         <a:solidFill>
           <a:schemeClr val="tx1"/>
@@ -29,7 +29,7 @@
         <a:cs typeface="+mn-cs"/>
       </a:defRPr>
     </a:lvl1pPr>
-    <a:lvl2pPr marL="457200" algn="l" defTabSz="914400" rtl="0" eaLnBrk="1" latinLnBrk="0" hangingPunct="1">
+    <a:lvl2pPr marL="457200" algn="l" defTabSz="457200" rtl="0" eaLnBrk="1" latinLnBrk="0" hangingPunct="1">
       <a:defRPr sz="1800" kern="1200">
         <a:solidFill>
           <a:schemeClr val="tx1"/>
@@ -39,7 +39,7 @@
         <a:cs typeface="+mn-cs"/>
       </a:defRPr>
     </a:lvl2pPr>
-    <a:lvl3pPr marL="914400" algn="l" defTabSz="914400" rtl="0" eaLnBrk="1" latinLnBrk="0" hangingPunct="1">
+    <a:lvl3pPr marL="914400" algn="l" defTabSz="457200" rtl="0" eaLnBrk="1" latinLnBrk="0" hangingPunct="1">
       <a:defRPr sz="1800" kern="1200">
         <a:solidFill>
           <a:schemeClr val="tx1"/>
@@ -49,7 +49,7 @@
         <a:cs typeface="+mn-cs"/>
       </a:defRPr>
     </a:lvl3pPr>
-    <a:lvl4pPr marL="1371600" algn="l" defTabSz="914400" rtl="0" eaLnBrk="1" latinLnBrk="0" hangingPunct="1">
+    <a:lvl4pPr marL="1371600" algn="l" defTabSz="457200" rtl="0" eaLnBrk="1" latinLnBrk="0" hangingPunct="1">
       <a:defRPr sz="1800" kern="1200">
         <a:solidFill>
           <a:schemeClr val="tx1"/>
@@ -59,7 +59,7 @@
         <a:cs typeface="+mn-cs"/>
       </a:defRPr>
     </a:lvl4pPr>
-    <a:lvl5pPr marL="1828800" algn="l" defTabSz="914400" rtl="0" eaLnBrk="1" latinLnBrk="0" hangingPunct="1">
+    <a:lvl5pPr marL="1828800" algn="l" defTabSz="457200" rtl="0" eaLnBrk="1" latinLnBrk="0" hangingPunct="1">
       <a:defRPr sz="1800" kern="1200">
         <a:solidFill>
           <a:schemeClr val="tx1"/>
@@ -69,7 +69,7 @@
         <a:cs typeface="+mn-cs"/>
       </a:defRPr>
     </a:lvl5pPr>
-    <a:lvl6pPr marL="2286000" algn="l" defTabSz="914400" rtl="0" eaLnBrk="1" latinLnBrk="0" hangingPunct="1">
+    <a:lvl6pPr marL="2286000" algn="l" defTabSz="457200" rtl="0" eaLnBrk="1" latinLnBrk="0" hangingPunct="1">
       <a:defRPr sz="1800" kern="1200">
         <a:solidFill>
           <a:schemeClr val="tx1"/>
@@ -79,7 +79,7 @@
         <a:cs typeface="+mn-cs"/>
       </a:defRPr>
     </a:lvl6pPr>
-    <a:lvl7pPr marL="2743200" algn="l" defTabSz="914400" rtl="0" eaLnBrk="1" latinLnBrk="0" hangingPunct="1">
+    <a:lvl7pPr marL="2743200" algn="l" defTabSz="457200" rtl="0" eaLnBrk="1" latinLnBrk="0" hangingPunct="1">
       <a:defRPr sz="1800" kern="1200">
         <a:solidFill>
           <a:schemeClr val="tx1"/>
@@ -89,7 +89,7 @@
         <a:cs typeface="+mn-cs"/>
       </a:defRPr>
     </a:lvl7pPr>
-    <a:lvl8pPr marL="3200400" algn="l" defTabSz="914400" rtl="0" eaLnBrk="1" latinLnBrk="0" hangingPunct="1">
+    <a:lvl8pPr marL="3200400" algn="l" defTabSz="457200" rtl="0" eaLnBrk="1" latinLnBrk="0" hangingPunct="1">
       <a:defRPr sz="1800" kern="1200">
         <a:solidFill>
           <a:schemeClr val="tx1"/>
@@ -99,7 +99,7 @@
         <a:cs typeface="+mn-cs"/>
       </a:defRPr>
     </a:lvl8pPr>
-    <a:lvl9pPr marL="3657600" algn="l" defTabSz="914400" rtl="0" eaLnBrk="1" latinLnBrk="0" hangingPunct="1">
+    <a:lvl9pPr marL="3657600" algn="l" defTabSz="457200" rtl="0" eaLnBrk="1" latinLnBrk="0" hangingPunct="1">
       <a:defRPr sz="1800" kern="1200">
         <a:solidFill>
           <a:schemeClr val="tx1"/>
@@ -110,11 +110,16 @@
       </a:defRPr>
     </a:lvl9pPr>
   </p:defaultTextStyle>
+  <p:extLst>
+    <p:ext uri="{EFAFB233-063F-42B5-8137-9DF3F51BA10A}">
+      <p15:sldGuideLst xmlns:p15="http://schemas.microsoft.com/office/powerpoint/2012/main"/>
+    </p:ext>
+  </p:extLst>
 </p:presentation>
 </file>
 
 <file path=ppt/slideLayouts/slideLayout1.xml><?xml version="1.0" encoding="utf-8"?>
-<p:sldLayout xmlns:a="http://schemas.openxmlformats.org/drawingml/2006/main" xmlns:r="http://schemas.openxmlformats.org/officeDocument/2006/relationships" xmlns:p="http://schemas.openxmlformats.org/presentationml/2006/main" type="title" preserve="1">
+<p:sldLayout xmlns:a="http://schemas.openxmlformats.org/drawingml/2006/main" xmlns:r="http://schemas.openxmlformats.org/officeDocument/2006/relationships" xmlns:p="http://schemas.openxmlformats.org/presentationml/2006/main" showMasterSp="0" type="title" preserve="1">
   <p:cSld name="Slide de Título">
     <p:spTree>
       <p:nvGrpSpPr>
@@ -132,13 +137,7 @@
       </p:grpSpPr>
       <p:sp>
         <p:nvSpPr>
-          <p:cNvPr id="2" name="Título 1">
-            <a:extLst>
-              <a:ext uri="{FF2B5EF4-FFF2-40B4-BE49-F238E27FC236}">
-                <a16:creationId xmlns:a16="http://schemas.microsoft.com/office/drawing/2014/main" id="{D8830875-DA62-45C1-B770-09D10F20F56D}"/>
-              </a:ext>
-            </a:extLst>
-          </p:cNvPr>
+          <p:cNvPr id="2" name="Title 1"/>
           <p:cNvSpPr>
             <a:spLocks noGrp="1"/>
           </p:cNvSpPr>
@@ -148,15 +147,19 @@
         </p:nvSpPr>
         <p:spPr>
           <a:xfrm>
-            <a:off x="1524000" y="1122363"/>
-            <a:ext cx="9144000" cy="2387600"/>
-          </a:xfrm>
-        </p:spPr>
-        <p:txBody>
-          <a:bodyPr anchor="b"/>
+            <a:off x="684212" y="685799"/>
+            <a:ext cx="8001000" cy="2971801"/>
+          </a:xfrm>
+        </p:spPr>
+        <p:txBody>
+          <a:bodyPr anchor="b">
+            <a:normAutofit/>
+          </a:bodyPr>
           <a:lstStyle>
-            <a:lvl1pPr algn="ctr">
-              <a:defRPr sz="6000"/>
+            <a:lvl1pPr algn="l">
+              <a:defRPr sz="4800">
+                <a:effectLst/>
+              </a:defRPr>
             </a:lvl1pPr>
           </a:lstStyle>
           <a:p>
@@ -164,18 +167,13 @@
               <a:rPr lang="pt-BR"/>
               <a:t>Clique para editar o título Mestre</a:t>
             </a:r>
-          </a:p>
-        </p:txBody>
-      </p:sp>
-      <p:sp>
-        <p:nvSpPr>
-          <p:cNvPr id="3" name="Subtítulo 2">
-            <a:extLst>
-              <a:ext uri="{FF2B5EF4-FFF2-40B4-BE49-F238E27FC236}">
-                <a16:creationId xmlns:a16="http://schemas.microsoft.com/office/drawing/2014/main" id="{BE5D20BB-E9E0-4D8C-8102-EE8FD28FD339}"/>
-              </a:ext>
-            </a:extLst>
-          </p:cNvPr>
+            <a:endParaRPr lang="en-US" dirty="0"/>
+          </a:p>
+        </p:txBody>
+      </p:sp>
+      <p:sp>
+        <p:nvSpPr>
+          <p:cNvPr id="3" name="Subtitle 2"/>
           <p:cNvSpPr>
             <a:spLocks noGrp="1"/>
           </p:cNvSpPr>
@@ -185,48 +183,104 @@
         </p:nvSpPr>
         <p:spPr>
           <a:xfrm>
-            <a:off x="1524000" y="3602038"/>
-            <a:ext cx="9144000" cy="1655762"/>
-          </a:xfrm>
-        </p:spPr>
-        <p:txBody>
-          <a:bodyPr/>
+            <a:off x="684212" y="3843867"/>
+            <a:ext cx="6400800" cy="1947333"/>
+          </a:xfrm>
+        </p:spPr>
+        <p:txBody>
+          <a:bodyPr anchor="t">
+            <a:normAutofit/>
+          </a:bodyPr>
           <a:lstStyle>
-            <a:lvl1pPr marL="0" indent="0" algn="ctr">
-              <a:buNone/>
-              <a:defRPr sz="2400"/>
+            <a:lvl1pPr marL="0" indent="0" algn="l">
+              <a:buNone/>
+              <a:defRPr sz="2100">
+                <a:solidFill>
+                  <a:schemeClr val="bg2">
+                    <a:lumMod val="75000"/>
+                  </a:schemeClr>
+                </a:solidFill>
+              </a:defRPr>
             </a:lvl1pPr>
             <a:lvl2pPr marL="457200" indent="0" algn="ctr">
               <a:buNone/>
-              <a:defRPr sz="2000"/>
+              <a:defRPr>
+                <a:solidFill>
+                  <a:schemeClr val="tx1">
+                    <a:tint val="75000"/>
+                  </a:schemeClr>
+                </a:solidFill>
+              </a:defRPr>
             </a:lvl2pPr>
             <a:lvl3pPr marL="914400" indent="0" algn="ctr">
               <a:buNone/>
-              <a:defRPr sz="1800"/>
+              <a:defRPr>
+                <a:solidFill>
+                  <a:schemeClr val="tx1">
+                    <a:tint val="75000"/>
+                  </a:schemeClr>
+                </a:solidFill>
+              </a:defRPr>
             </a:lvl3pPr>
             <a:lvl4pPr marL="1371600" indent="0" algn="ctr">
               <a:buNone/>
-              <a:defRPr sz="1600"/>
+              <a:defRPr>
+                <a:solidFill>
+                  <a:schemeClr val="tx1">
+                    <a:tint val="75000"/>
+                  </a:schemeClr>
+                </a:solidFill>
+              </a:defRPr>
             </a:lvl4pPr>
             <a:lvl5pPr marL="1828800" indent="0" algn="ctr">
               <a:buNone/>
-              <a:defRPr sz="1600"/>
+              <a:defRPr>
+                <a:solidFill>
+                  <a:schemeClr val="tx1">
+                    <a:tint val="75000"/>
+                  </a:schemeClr>
+                </a:solidFill>
+              </a:defRPr>
             </a:lvl5pPr>
             <a:lvl6pPr marL="2286000" indent="0" algn="ctr">
               <a:buNone/>
-              <a:defRPr sz="1600"/>
+              <a:defRPr>
+                <a:solidFill>
+                  <a:schemeClr val="tx1">
+                    <a:tint val="75000"/>
+                  </a:schemeClr>
+                </a:solidFill>
+              </a:defRPr>
             </a:lvl6pPr>
             <a:lvl7pPr marL="2743200" indent="0" algn="ctr">
               <a:buNone/>
-              <a:defRPr sz="1600"/>
+              <a:defRPr>
+                <a:solidFill>
+                  <a:schemeClr val="tx1">
+                    <a:tint val="75000"/>
+                  </a:schemeClr>
+                </a:solidFill>
+              </a:defRPr>
             </a:lvl7pPr>
             <a:lvl8pPr marL="3200400" indent="0" algn="ctr">
               <a:buNone/>
-              <a:defRPr sz="1600"/>
+              <a:defRPr>
+                <a:solidFill>
+                  <a:schemeClr val="tx1">
+                    <a:tint val="75000"/>
+                  </a:schemeClr>
+                </a:solidFill>
+              </a:defRPr>
             </a:lvl8pPr>
             <a:lvl9pPr marL="3657600" indent="0" algn="ctr">
               <a:buNone/>
-              <a:defRPr sz="1600"/>
+              <a:defRPr>
+                <a:solidFill>
+                  <a:schemeClr val="tx1">
+                    <a:tint val="75000"/>
+                  </a:schemeClr>
+                </a:solidFill>
+              </a:defRPr>
             </a:lvl9pPr>
           </a:lstStyle>
           <a:p>
@@ -234,18 +288,13 @@
               <a:rPr lang="pt-BR"/>
               <a:t>Clique para editar o estilo do subtítulo Mestre</a:t>
             </a:r>
-          </a:p>
-        </p:txBody>
-      </p:sp>
-      <p:sp>
-        <p:nvSpPr>
-          <p:cNvPr id="4" name="Espaço Reservado para Data 3">
-            <a:extLst>
-              <a:ext uri="{FF2B5EF4-FFF2-40B4-BE49-F238E27FC236}">
-                <a16:creationId xmlns:a16="http://schemas.microsoft.com/office/drawing/2014/main" id="{094886FC-FDA3-40FA-A287-65CE45057813}"/>
-              </a:ext>
-            </a:extLst>
-          </p:cNvPr>
+            <a:endParaRPr lang="en-US" dirty="0"/>
+          </a:p>
+        </p:txBody>
+      </p:sp>
+      <p:sp>
+        <p:nvSpPr>
+          <p:cNvPr id="4" name="Date Placeholder 3"/>
           <p:cNvSpPr>
             <a:spLocks noGrp="1"/>
           </p:cNvSpPr>
@@ -260,7 +309,7 @@
           <a:p>
             <a:fld id="{E5F489EA-7554-4283-AE26-836974D705D5}" type="datetimeFigureOut">
               <a:rPr lang="pt-BR" smtClean="0"/>
-              <a:t>06/08/2021</a:t>
+              <a:t>09/08/2021</a:t>
             </a:fld>
             <a:endParaRPr lang="pt-BR"/>
           </a:p>
@@ -268,13 +317,7 @@
       </p:sp>
       <p:sp>
         <p:nvSpPr>
-          <p:cNvPr id="5" name="Espaço Reservado para Rodapé 4">
-            <a:extLst>
-              <a:ext uri="{FF2B5EF4-FFF2-40B4-BE49-F238E27FC236}">
-                <a16:creationId xmlns:a16="http://schemas.microsoft.com/office/drawing/2014/main" id="{16E748EB-6FCD-4A1F-9978-A7E91106A89C}"/>
-              </a:ext>
-            </a:extLst>
-          </p:cNvPr>
+          <p:cNvPr id="5" name="Footer Placeholder 4"/>
           <p:cNvSpPr>
             <a:spLocks noGrp="1"/>
           </p:cNvSpPr>
@@ -293,13 +336,7 @@
       </p:sp>
       <p:sp>
         <p:nvSpPr>
-          <p:cNvPr id="6" name="Espaço Reservado para Número de Slide 5">
-            <a:extLst>
-              <a:ext uri="{FF2B5EF4-FFF2-40B4-BE49-F238E27FC236}">
-                <a16:creationId xmlns:a16="http://schemas.microsoft.com/office/drawing/2014/main" id="{77A7A669-B078-4186-9A73-7BA66A928520}"/>
-              </a:ext>
-            </a:extLst>
-          </p:cNvPr>
+          <p:cNvPr id="6" name="Slide Number Placeholder 5"/>
           <p:cNvSpPr>
             <a:spLocks noGrp="1"/>
           </p:cNvSpPr>
@@ -320,10 +357,185 @@
           </a:p>
         </p:txBody>
       </p:sp>
+      <p:cxnSp>
+        <p:nvCxnSpPr>
+          <p:cNvPr id="16" name="Straight Connector 15"/>
+          <p:cNvCxnSpPr/>
+          <p:nvPr/>
+        </p:nvCxnSpPr>
+        <p:spPr>
+          <a:xfrm flipH="1">
+            <a:off x="8228012" y="8467"/>
+            <a:ext cx="3810000" cy="3810000"/>
+          </a:xfrm>
+          <a:prstGeom prst="line">
+            <a:avLst/>
+          </a:prstGeom>
+          <a:ln w="12700">
+            <a:solidFill>
+              <a:schemeClr val="tx1"/>
+            </a:solidFill>
+          </a:ln>
+        </p:spPr>
+        <p:style>
+          <a:lnRef idx="2">
+            <a:schemeClr val="accent1"/>
+          </a:lnRef>
+          <a:fillRef idx="0">
+            <a:schemeClr val="accent1"/>
+          </a:fillRef>
+          <a:effectRef idx="1">
+            <a:schemeClr val="accent1"/>
+          </a:effectRef>
+          <a:fontRef idx="minor">
+            <a:schemeClr val="tx1"/>
+          </a:fontRef>
+        </p:style>
+      </p:cxnSp>
+      <p:cxnSp>
+        <p:nvCxnSpPr>
+          <p:cNvPr id="17" name="Straight Connector 16"/>
+          <p:cNvCxnSpPr/>
+          <p:nvPr/>
+        </p:nvCxnSpPr>
+        <p:spPr>
+          <a:xfrm flipH="1">
+            <a:off x="6108170" y="91545"/>
+            <a:ext cx="6080655" cy="6080655"/>
+          </a:xfrm>
+          <a:prstGeom prst="line">
+            <a:avLst/>
+          </a:prstGeom>
+          <a:ln w="12700">
+            <a:solidFill>
+              <a:schemeClr val="tx1"/>
+            </a:solidFill>
+          </a:ln>
+        </p:spPr>
+        <p:style>
+          <a:lnRef idx="2">
+            <a:schemeClr val="accent1"/>
+          </a:lnRef>
+          <a:fillRef idx="0">
+            <a:schemeClr val="accent1"/>
+          </a:fillRef>
+          <a:effectRef idx="1">
+            <a:schemeClr val="accent1"/>
+          </a:effectRef>
+          <a:fontRef idx="minor">
+            <a:schemeClr val="tx1"/>
+          </a:fontRef>
+        </p:style>
+      </p:cxnSp>
+      <p:cxnSp>
+        <p:nvCxnSpPr>
+          <p:cNvPr id="19" name="Straight Connector 18"/>
+          <p:cNvCxnSpPr/>
+          <p:nvPr/>
+        </p:nvCxnSpPr>
+        <p:spPr>
+          <a:xfrm flipH="1">
+            <a:off x="7235825" y="228600"/>
+            <a:ext cx="4953000" cy="4953000"/>
+          </a:xfrm>
+          <a:prstGeom prst="line">
+            <a:avLst/>
+          </a:prstGeom>
+          <a:ln w="12700">
+            <a:solidFill>
+              <a:schemeClr val="tx1"/>
+            </a:solidFill>
+          </a:ln>
+        </p:spPr>
+        <p:style>
+          <a:lnRef idx="2">
+            <a:schemeClr val="accent1"/>
+          </a:lnRef>
+          <a:fillRef idx="0">
+            <a:schemeClr val="accent1"/>
+          </a:fillRef>
+          <a:effectRef idx="1">
+            <a:schemeClr val="accent1"/>
+          </a:effectRef>
+          <a:fontRef idx="minor">
+            <a:schemeClr val="tx1"/>
+          </a:fontRef>
+        </p:style>
+      </p:cxnSp>
+      <p:cxnSp>
+        <p:nvCxnSpPr>
+          <p:cNvPr id="21" name="Straight Connector 20"/>
+          <p:cNvCxnSpPr/>
+          <p:nvPr/>
+        </p:nvCxnSpPr>
+        <p:spPr>
+          <a:xfrm flipH="1">
+            <a:off x="7335837" y="32278"/>
+            <a:ext cx="4852989" cy="4852989"/>
+          </a:xfrm>
+          <a:prstGeom prst="line">
+            <a:avLst/>
+          </a:prstGeom>
+          <a:ln w="31750">
+            <a:solidFill>
+              <a:schemeClr val="tx1"/>
+            </a:solidFill>
+          </a:ln>
+        </p:spPr>
+        <p:style>
+          <a:lnRef idx="2">
+            <a:schemeClr val="accent1"/>
+          </a:lnRef>
+          <a:fillRef idx="0">
+            <a:schemeClr val="accent1"/>
+          </a:fillRef>
+          <a:effectRef idx="1">
+            <a:schemeClr val="accent1"/>
+          </a:effectRef>
+          <a:fontRef idx="minor">
+            <a:schemeClr val="tx1"/>
+          </a:fontRef>
+        </p:style>
+      </p:cxnSp>
+      <p:cxnSp>
+        <p:nvCxnSpPr>
+          <p:cNvPr id="23" name="Straight Connector 22"/>
+          <p:cNvCxnSpPr/>
+          <p:nvPr/>
+        </p:nvCxnSpPr>
+        <p:spPr>
+          <a:xfrm flipH="1">
+            <a:off x="7845426" y="609601"/>
+            <a:ext cx="4343399" cy="4343399"/>
+          </a:xfrm>
+          <a:prstGeom prst="line">
+            <a:avLst/>
+          </a:prstGeom>
+          <a:ln w="31750">
+            <a:solidFill>
+              <a:schemeClr val="tx1"/>
+            </a:solidFill>
+          </a:ln>
+        </p:spPr>
+        <p:style>
+          <a:lnRef idx="2">
+            <a:schemeClr val="accent1"/>
+          </a:lnRef>
+          <a:fillRef idx="0">
+            <a:schemeClr val="accent1"/>
+          </a:fillRef>
+          <a:effectRef idx="1">
+            <a:schemeClr val="accent1"/>
+          </a:effectRef>
+          <a:fontRef idx="minor">
+            <a:schemeClr val="tx1"/>
+          </a:fontRef>
+        </p:style>
+      </p:cxnSp>
     </p:spTree>
     <p:extLst>
       <p:ext uri="{BB962C8B-B14F-4D97-AF65-F5344CB8AC3E}">
-        <p14:creationId xmlns:p14="http://schemas.microsoft.com/office/powerpoint/2010/main" val="1686024860"/>
+        <p14:creationId xmlns:p14="http://schemas.microsoft.com/office/powerpoint/2010/main" val="573668660"/>
       </p:ext>
     </p:extLst>
   </p:cSld>
@@ -334,6 +546,1812 @@
 </file>
 
 <file path=ppt/slideLayouts/slideLayout10.xml><?xml version="1.0" encoding="utf-8"?>
+<p:sldLayout xmlns:a="http://schemas.openxmlformats.org/drawingml/2006/main" xmlns:r="http://schemas.openxmlformats.org/officeDocument/2006/relationships" xmlns:p="http://schemas.openxmlformats.org/presentationml/2006/main" preserve="1">
+  <p:cSld name="Foto Panorâmica com Legenda">
+    <p:spTree>
+      <p:nvGrpSpPr>
+        <p:cNvPr id="1" name=""/>
+        <p:cNvGrpSpPr/>
+        <p:nvPr/>
+      </p:nvGrpSpPr>
+      <p:grpSpPr>
+        <a:xfrm>
+          <a:off x="0" y="0"/>
+          <a:ext cx="0" cy="0"/>
+          <a:chOff x="0" y="0"/>
+          <a:chExt cx="0" cy="0"/>
+        </a:xfrm>
+      </p:grpSpPr>
+      <p:sp>
+        <p:nvSpPr>
+          <p:cNvPr id="2" name="Title 1"/>
+          <p:cNvSpPr>
+            <a:spLocks noGrp="1"/>
+          </p:cNvSpPr>
+          <p:nvPr>
+            <p:ph type="title"/>
+          </p:nvPr>
+        </p:nvSpPr>
+        <p:spPr/>
+        <p:txBody>
+          <a:bodyPr/>
+          <a:lstStyle/>
+          <a:p>
+            <a:r>
+              <a:rPr lang="pt-BR"/>
+              <a:t>Clique para editar o título Mestre</a:t>
+            </a:r>
+            <a:endParaRPr lang="en-US" dirty="0"/>
+          </a:p>
+        </p:txBody>
+      </p:sp>
+      <p:sp>
+        <p:nvSpPr>
+          <p:cNvPr id="17" name="Picture Placeholder 2"/>
+          <p:cNvSpPr>
+            <a:spLocks noGrp="1" noChangeAspect="1"/>
+          </p:cNvSpPr>
+          <p:nvPr>
+            <p:ph type="pic" idx="13"/>
+          </p:nvPr>
+        </p:nvSpPr>
+        <p:spPr>
+          <a:xfrm>
+            <a:off x="685800" y="533400"/>
+            <a:ext cx="10818812" cy="3124200"/>
+          </a:xfrm>
+          <a:prstGeom prst="snip2DiagRect">
+            <a:avLst>
+              <a:gd name="adj1" fmla="val 10815"/>
+              <a:gd name="adj2" fmla="val 0"/>
+            </a:avLst>
+          </a:prstGeom>
+          <a:ln w="15875">
+            <a:solidFill>
+              <a:schemeClr val="tx1">
+                <a:alpha val="40000"/>
+              </a:schemeClr>
+            </a:solidFill>
+          </a:ln>
+          <a:effectLst>
+            <a:innerShdw blurRad="57150" dist="38100" dir="14460000">
+              <a:srgbClr val="000000">
+                <a:alpha val="70000"/>
+              </a:srgbClr>
+            </a:innerShdw>
+          </a:effectLst>
+        </p:spPr>
+        <p:txBody>
+          <a:bodyPr anchor="t">
+            <a:normAutofit/>
+          </a:bodyPr>
+          <a:lstStyle>
+            <a:lvl1pPr marL="0" indent="0" algn="ctr">
+              <a:buNone/>
+              <a:defRPr sz="1600"/>
+            </a:lvl1pPr>
+            <a:lvl2pPr marL="457200" indent="0">
+              <a:buNone/>
+              <a:defRPr sz="1600"/>
+            </a:lvl2pPr>
+            <a:lvl3pPr marL="914400" indent="0">
+              <a:buNone/>
+              <a:defRPr sz="1600"/>
+            </a:lvl3pPr>
+            <a:lvl4pPr marL="1371600" indent="0">
+              <a:buNone/>
+              <a:defRPr sz="1600"/>
+            </a:lvl4pPr>
+            <a:lvl5pPr marL="1828800" indent="0">
+              <a:buNone/>
+              <a:defRPr sz="1600"/>
+            </a:lvl5pPr>
+            <a:lvl6pPr marL="2286000" indent="0">
+              <a:buNone/>
+              <a:defRPr sz="1600"/>
+            </a:lvl6pPr>
+            <a:lvl7pPr marL="2743200" indent="0">
+              <a:buNone/>
+              <a:defRPr sz="1600"/>
+            </a:lvl7pPr>
+            <a:lvl8pPr marL="3200400" indent="0">
+              <a:buNone/>
+              <a:defRPr sz="1600"/>
+            </a:lvl8pPr>
+            <a:lvl9pPr marL="3657600" indent="0">
+              <a:buNone/>
+              <a:defRPr sz="1600"/>
+            </a:lvl9pPr>
+          </a:lstStyle>
+          <a:p>
+            <a:r>
+              <a:rPr lang="pt-BR"/>
+              <a:t>Clique no ícone para adicionar uma imagem</a:t>
+            </a:r>
+            <a:endParaRPr lang="en-US" dirty="0"/>
+          </a:p>
+        </p:txBody>
+      </p:sp>
+      <p:sp>
+        <p:nvSpPr>
+          <p:cNvPr id="16" name="Text Placeholder 9"/>
+          <p:cNvSpPr>
+            <a:spLocks noGrp="1"/>
+          </p:cNvSpPr>
+          <p:nvPr>
+            <p:ph type="body" sz="quarter" idx="14"/>
+          </p:nvPr>
+        </p:nvSpPr>
+        <p:spPr>
+          <a:xfrm>
+            <a:off x="914402" y="3843867"/>
+            <a:ext cx="8304210" cy="457200"/>
+          </a:xfrm>
+        </p:spPr>
+        <p:txBody>
+          <a:bodyPr anchor="t">
+            <a:normAutofit/>
+          </a:bodyPr>
+          <a:lstStyle>
+            <a:lvl1pPr marL="0" indent="0">
+              <a:buFontTx/>
+              <a:buNone/>
+              <a:defRPr sz="1600"/>
+            </a:lvl1pPr>
+            <a:lvl2pPr marL="457200" indent="0">
+              <a:buFontTx/>
+              <a:buNone/>
+              <a:defRPr/>
+            </a:lvl2pPr>
+            <a:lvl3pPr marL="914400" indent="0">
+              <a:buFontTx/>
+              <a:buNone/>
+              <a:defRPr/>
+            </a:lvl3pPr>
+            <a:lvl4pPr marL="1371600" indent="0">
+              <a:buFontTx/>
+              <a:buNone/>
+              <a:defRPr/>
+            </a:lvl4pPr>
+            <a:lvl5pPr marL="1828800" indent="0">
+              <a:buFontTx/>
+              <a:buNone/>
+              <a:defRPr/>
+            </a:lvl5pPr>
+          </a:lstStyle>
+          <a:p>
+            <a:pPr lvl="0"/>
+            <a:r>
+              <a:rPr lang="pt-BR"/>
+              <a:t>Clique para editar os estilos de texto Mestres</a:t>
+            </a:r>
+          </a:p>
+        </p:txBody>
+      </p:sp>
+      <p:sp>
+        <p:nvSpPr>
+          <p:cNvPr id="3" name="Date Placeholder 2"/>
+          <p:cNvSpPr>
+            <a:spLocks noGrp="1"/>
+          </p:cNvSpPr>
+          <p:nvPr>
+            <p:ph type="dt" sz="half" idx="10"/>
+          </p:nvPr>
+        </p:nvSpPr>
+        <p:spPr/>
+        <p:txBody>
+          <a:bodyPr/>
+          <a:lstStyle/>
+          <a:p>
+            <a:fld id="{E5F489EA-7554-4283-AE26-836974D705D5}" type="datetimeFigureOut">
+              <a:rPr lang="pt-BR" smtClean="0"/>
+              <a:t>09/08/2021</a:t>
+            </a:fld>
+            <a:endParaRPr lang="pt-BR"/>
+          </a:p>
+        </p:txBody>
+      </p:sp>
+      <p:sp>
+        <p:nvSpPr>
+          <p:cNvPr id="4" name="Footer Placeholder 3"/>
+          <p:cNvSpPr>
+            <a:spLocks noGrp="1"/>
+          </p:cNvSpPr>
+          <p:nvPr>
+            <p:ph type="ftr" sz="quarter" idx="11"/>
+          </p:nvPr>
+        </p:nvSpPr>
+        <p:spPr/>
+        <p:txBody>
+          <a:bodyPr/>
+          <a:lstStyle/>
+          <a:p>
+            <a:endParaRPr lang="pt-BR"/>
+          </a:p>
+        </p:txBody>
+      </p:sp>
+      <p:sp>
+        <p:nvSpPr>
+          <p:cNvPr id="5" name="Slide Number Placeholder 4"/>
+          <p:cNvSpPr>
+            <a:spLocks noGrp="1"/>
+          </p:cNvSpPr>
+          <p:nvPr>
+            <p:ph type="sldNum" sz="quarter" idx="12"/>
+          </p:nvPr>
+        </p:nvSpPr>
+        <p:spPr/>
+        <p:txBody>
+          <a:bodyPr/>
+          <a:lstStyle/>
+          <a:p>
+            <a:fld id="{6CAC46CC-D660-4E8C-9377-30BB3263B35F}" type="slidenum">
+              <a:rPr lang="pt-BR" smtClean="0"/>
+              <a:t>‹nº›</a:t>
+            </a:fld>
+            <a:endParaRPr lang="pt-BR"/>
+          </a:p>
+        </p:txBody>
+      </p:sp>
+    </p:spTree>
+    <p:extLst>
+      <p:ext uri="{BB962C8B-B14F-4D97-AF65-F5344CB8AC3E}">
+        <p14:creationId xmlns:p14="http://schemas.microsoft.com/office/powerpoint/2010/main" val="1513814179"/>
+      </p:ext>
+    </p:extLst>
+  </p:cSld>
+  <p:clrMapOvr>
+    <a:masterClrMapping/>
+  </p:clrMapOvr>
+</p:sldLayout>
+</file>
+
+<file path=ppt/slideLayouts/slideLayout11.xml><?xml version="1.0" encoding="utf-8"?>
+<p:sldLayout xmlns:a="http://schemas.openxmlformats.org/drawingml/2006/main" xmlns:r="http://schemas.openxmlformats.org/officeDocument/2006/relationships" xmlns:p="http://schemas.openxmlformats.org/presentationml/2006/main" preserve="1">
+  <p:cSld name="Título e Legenda">
+    <p:spTree>
+      <p:nvGrpSpPr>
+        <p:cNvPr id="1" name=""/>
+        <p:cNvGrpSpPr/>
+        <p:nvPr/>
+      </p:nvGrpSpPr>
+      <p:grpSpPr>
+        <a:xfrm>
+          <a:off x="0" y="0"/>
+          <a:ext cx="0" cy="0"/>
+          <a:chOff x="0" y="0"/>
+          <a:chExt cx="0" cy="0"/>
+        </a:xfrm>
+      </p:grpSpPr>
+      <p:sp>
+        <p:nvSpPr>
+          <p:cNvPr id="2" name="Title 1"/>
+          <p:cNvSpPr>
+            <a:spLocks noGrp="1"/>
+          </p:cNvSpPr>
+          <p:nvPr>
+            <p:ph type="title"/>
+          </p:nvPr>
+        </p:nvSpPr>
+        <p:spPr>
+          <a:xfrm>
+            <a:off x="684213" y="685800"/>
+            <a:ext cx="10058400" cy="2743200"/>
+          </a:xfrm>
+        </p:spPr>
+        <p:txBody>
+          <a:bodyPr anchor="ctr">
+            <a:normAutofit/>
+          </a:bodyPr>
+          <a:lstStyle>
+            <a:lvl1pPr algn="l">
+              <a:defRPr sz="3200" b="0" cap="all"/>
+            </a:lvl1pPr>
+          </a:lstStyle>
+          <a:p>
+            <a:r>
+              <a:rPr lang="pt-BR"/>
+              <a:t>Clique para editar o título Mestre</a:t>
+            </a:r>
+            <a:endParaRPr lang="en-US" dirty="0"/>
+          </a:p>
+        </p:txBody>
+      </p:sp>
+      <p:sp>
+        <p:nvSpPr>
+          <p:cNvPr id="3" name="Text Placeholder 2"/>
+          <p:cNvSpPr>
+            <a:spLocks noGrp="1"/>
+          </p:cNvSpPr>
+          <p:nvPr>
+            <p:ph type="body" idx="1"/>
+          </p:nvPr>
+        </p:nvSpPr>
+        <p:spPr>
+          <a:xfrm>
+            <a:off x="684212" y="4114800"/>
+            <a:ext cx="8535988" cy="1879600"/>
+          </a:xfrm>
+        </p:spPr>
+        <p:txBody>
+          <a:bodyPr anchor="ctr">
+            <a:normAutofit/>
+          </a:bodyPr>
+          <a:lstStyle>
+            <a:lvl1pPr marL="0" indent="0" algn="l">
+              <a:buNone/>
+              <a:defRPr sz="2000">
+                <a:solidFill>
+                  <a:schemeClr val="bg2">
+                    <a:lumMod val="75000"/>
+                  </a:schemeClr>
+                </a:solidFill>
+              </a:defRPr>
+            </a:lvl1pPr>
+            <a:lvl2pPr marL="457200" indent="0">
+              <a:buNone/>
+              <a:defRPr sz="1800">
+                <a:solidFill>
+                  <a:schemeClr val="tx1">
+                    <a:tint val="75000"/>
+                  </a:schemeClr>
+                </a:solidFill>
+              </a:defRPr>
+            </a:lvl2pPr>
+            <a:lvl3pPr marL="914400" indent="0">
+              <a:buNone/>
+              <a:defRPr sz="1600">
+                <a:solidFill>
+                  <a:schemeClr val="tx1">
+                    <a:tint val="75000"/>
+                  </a:schemeClr>
+                </a:solidFill>
+              </a:defRPr>
+            </a:lvl3pPr>
+            <a:lvl4pPr marL="1371600" indent="0">
+              <a:buNone/>
+              <a:defRPr sz="1400">
+                <a:solidFill>
+                  <a:schemeClr val="tx1">
+                    <a:tint val="75000"/>
+                  </a:schemeClr>
+                </a:solidFill>
+              </a:defRPr>
+            </a:lvl4pPr>
+            <a:lvl5pPr marL="1828800" indent="0">
+              <a:buNone/>
+              <a:defRPr sz="1400">
+                <a:solidFill>
+                  <a:schemeClr val="tx1">
+                    <a:tint val="75000"/>
+                  </a:schemeClr>
+                </a:solidFill>
+              </a:defRPr>
+            </a:lvl5pPr>
+            <a:lvl6pPr marL="2286000" indent="0">
+              <a:buNone/>
+              <a:defRPr sz="1400">
+                <a:solidFill>
+                  <a:schemeClr val="tx1">
+                    <a:tint val="75000"/>
+                  </a:schemeClr>
+                </a:solidFill>
+              </a:defRPr>
+            </a:lvl6pPr>
+            <a:lvl7pPr marL="2743200" indent="0">
+              <a:buNone/>
+              <a:defRPr sz="1400">
+                <a:solidFill>
+                  <a:schemeClr val="tx1">
+                    <a:tint val="75000"/>
+                  </a:schemeClr>
+                </a:solidFill>
+              </a:defRPr>
+            </a:lvl7pPr>
+            <a:lvl8pPr marL="3200400" indent="0">
+              <a:buNone/>
+              <a:defRPr sz="1400">
+                <a:solidFill>
+                  <a:schemeClr val="tx1">
+                    <a:tint val="75000"/>
+                  </a:schemeClr>
+                </a:solidFill>
+              </a:defRPr>
+            </a:lvl8pPr>
+            <a:lvl9pPr marL="3657600" indent="0">
+              <a:buNone/>
+              <a:defRPr sz="1400">
+                <a:solidFill>
+                  <a:schemeClr val="tx1">
+                    <a:tint val="75000"/>
+                  </a:schemeClr>
+                </a:solidFill>
+              </a:defRPr>
+            </a:lvl9pPr>
+          </a:lstStyle>
+          <a:p>
+            <a:pPr lvl="0"/>
+            <a:r>
+              <a:rPr lang="pt-BR"/>
+              <a:t>Clique para editar os estilos de texto Mestres</a:t>
+            </a:r>
+          </a:p>
+        </p:txBody>
+      </p:sp>
+      <p:sp>
+        <p:nvSpPr>
+          <p:cNvPr id="4" name="Date Placeholder 3"/>
+          <p:cNvSpPr>
+            <a:spLocks noGrp="1"/>
+          </p:cNvSpPr>
+          <p:nvPr>
+            <p:ph type="dt" sz="half" idx="10"/>
+          </p:nvPr>
+        </p:nvSpPr>
+        <p:spPr/>
+        <p:txBody>
+          <a:bodyPr/>
+          <a:lstStyle/>
+          <a:p>
+            <a:fld id="{E5F489EA-7554-4283-AE26-836974D705D5}" type="datetimeFigureOut">
+              <a:rPr lang="pt-BR" smtClean="0"/>
+              <a:t>09/08/2021</a:t>
+            </a:fld>
+            <a:endParaRPr lang="pt-BR"/>
+          </a:p>
+        </p:txBody>
+      </p:sp>
+      <p:sp>
+        <p:nvSpPr>
+          <p:cNvPr id="5" name="Footer Placeholder 4"/>
+          <p:cNvSpPr>
+            <a:spLocks noGrp="1"/>
+          </p:cNvSpPr>
+          <p:nvPr>
+            <p:ph type="ftr" sz="quarter" idx="11"/>
+          </p:nvPr>
+        </p:nvSpPr>
+        <p:spPr/>
+        <p:txBody>
+          <a:bodyPr/>
+          <a:lstStyle/>
+          <a:p>
+            <a:endParaRPr lang="pt-BR"/>
+          </a:p>
+        </p:txBody>
+      </p:sp>
+      <p:sp>
+        <p:nvSpPr>
+          <p:cNvPr id="6" name="Slide Number Placeholder 5"/>
+          <p:cNvSpPr>
+            <a:spLocks noGrp="1"/>
+          </p:cNvSpPr>
+          <p:nvPr>
+            <p:ph type="sldNum" sz="quarter" idx="12"/>
+          </p:nvPr>
+        </p:nvSpPr>
+        <p:spPr/>
+        <p:txBody>
+          <a:bodyPr/>
+          <a:lstStyle/>
+          <a:p>
+            <a:fld id="{6CAC46CC-D660-4E8C-9377-30BB3263B35F}" type="slidenum">
+              <a:rPr lang="pt-BR" smtClean="0"/>
+              <a:t>‹nº›</a:t>
+            </a:fld>
+            <a:endParaRPr lang="pt-BR"/>
+          </a:p>
+        </p:txBody>
+      </p:sp>
+    </p:spTree>
+    <p:extLst>
+      <p:ext uri="{BB962C8B-B14F-4D97-AF65-F5344CB8AC3E}">
+        <p14:creationId xmlns:p14="http://schemas.microsoft.com/office/powerpoint/2010/main" val="3284987731"/>
+      </p:ext>
+    </p:extLst>
+  </p:cSld>
+  <p:clrMapOvr>
+    <a:masterClrMapping/>
+  </p:clrMapOvr>
+</p:sldLayout>
+</file>
+
+<file path=ppt/slideLayouts/slideLayout12.xml><?xml version="1.0" encoding="utf-8"?>
+<p:sldLayout xmlns:a="http://schemas.openxmlformats.org/drawingml/2006/main" xmlns:r="http://schemas.openxmlformats.org/officeDocument/2006/relationships" xmlns:p="http://schemas.openxmlformats.org/presentationml/2006/main" preserve="1">
+  <p:cSld name="Citação com Legenda">
+    <p:spTree>
+      <p:nvGrpSpPr>
+        <p:cNvPr id="1" name=""/>
+        <p:cNvGrpSpPr/>
+        <p:nvPr/>
+      </p:nvGrpSpPr>
+      <p:grpSpPr>
+        <a:xfrm>
+          <a:off x="0" y="0"/>
+          <a:ext cx="0" cy="0"/>
+          <a:chOff x="0" y="0"/>
+          <a:chExt cx="0" cy="0"/>
+        </a:xfrm>
+      </p:grpSpPr>
+      <p:sp>
+        <p:nvSpPr>
+          <p:cNvPr id="2" name="Title 1"/>
+          <p:cNvSpPr>
+            <a:spLocks noGrp="1"/>
+          </p:cNvSpPr>
+          <p:nvPr>
+            <p:ph type="title"/>
+          </p:nvPr>
+        </p:nvSpPr>
+        <p:spPr>
+          <a:xfrm>
+            <a:off x="1141411" y="685800"/>
+            <a:ext cx="9144001" cy="2743200"/>
+          </a:xfrm>
+        </p:spPr>
+        <p:txBody>
+          <a:bodyPr anchor="ctr">
+            <a:normAutofit/>
+          </a:bodyPr>
+          <a:lstStyle>
+            <a:lvl1pPr algn="l">
+              <a:defRPr sz="3200" b="0" cap="all">
+                <a:solidFill>
+                  <a:schemeClr val="tx1"/>
+                </a:solidFill>
+              </a:defRPr>
+            </a:lvl1pPr>
+          </a:lstStyle>
+          <a:p>
+            <a:r>
+              <a:rPr lang="pt-BR"/>
+              <a:t>Clique para editar o título Mestre</a:t>
+            </a:r>
+            <a:endParaRPr lang="en-US" dirty="0"/>
+          </a:p>
+        </p:txBody>
+      </p:sp>
+      <p:sp>
+        <p:nvSpPr>
+          <p:cNvPr id="10" name="Text Placeholder 9"/>
+          <p:cNvSpPr>
+            <a:spLocks noGrp="1"/>
+          </p:cNvSpPr>
+          <p:nvPr>
+            <p:ph type="body" sz="quarter" idx="13"/>
+          </p:nvPr>
+        </p:nvSpPr>
+        <p:spPr>
+          <a:xfrm>
+            <a:off x="1446212" y="3429000"/>
+            <a:ext cx="8534400" cy="381000"/>
+          </a:xfrm>
+        </p:spPr>
+        <p:txBody>
+          <a:bodyPr anchor="ctr"/>
+          <a:lstStyle>
+            <a:lvl1pPr marL="0" indent="0">
+              <a:buFontTx/>
+              <a:buNone/>
+              <a:defRPr/>
+            </a:lvl1pPr>
+            <a:lvl2pPr marL="457200" indent="0">
+              <a:buFontTx/>
+              <a:buNone/>
+              <a:defRPr/>
+            </a:lvl2pPr>
+            <a:lvl3pPr marL="914400" indent="0">
+              <a:buFontTx/>
+              <a:buNone/>
+              <a:defRPr/>
+            </a:lvl3pPr>
+            <a:lvl4pPr marL="1371600" indent="0">
+              <a:buFontTx/>
+              <a:buNone/>
+              <a:defRPr/>
+            </a:lvl4pPr>
+            <a:lvl5pPr marL="1828800" indent="0">
+              <a:buFontTx/>
+              <a:buNone/>
+              <a:defRPr/>
+            </a:lvl5pPr>
+          </a:lstStyle>
+          <a:p>
+            <a:pPr lvl="0"/>
+            <a:r>
+              <a:rPr lang="pt-BR"/>
+              <a:t>Clique para editar os estilos de texto Mestres</a:t>
+            </a:r>
+          </a:p>
+        </p:txBody>
+      </p:sp>
+      <p:sp>
+        <p:nvSpPr>
+          <p:cNvPr id="3" name="Text Placeholder 2"/>
+          <p:cNvSpPr>
+            <a:spLocks noGrp="1"/>
+          </p:cNvSpPr>
+          <p:nvPr>
+            <p:ph type="body" idx="1"/>
+          </p:nvPr>
+        </p:nvSpPr>
+        <p:spPr>
+          <a:xfrm>
+            <a:off x="684213" y="4301067"/>
+            <a:ext cx="8534400" cy="1684865"/>
+          </a:xfrm>
+        </p:spPr>
+        <p:txBody>
+          <a:bodyPr anchor="ctr">
+            <a:normAutofit/>
+          </a:bodyPr>
+          <a:lstStyle>
+            <a:lvl1pPr marL="0" indent="0" algn="l">
+              <a:buNone/>
+              <a:defRPr sz="2000">
+                <a:solidFill>
+                  <a:schemeClr val="bg2">
+                    <a:lumMod val="75000"/>
+                  </a:schemeClr>
+                </a:solidFill>
+              </a:defRPr>
+            </a:lvl1pPr>
+            <a:lvl2pPr marL="457200" indent="0">
+              <a:buNone/>
+              <a:defRPr sz="1800">
+                <a:solidFill>
+                  <a:schemeClr val="tx1">
+                    <a:tint val="75000"/>
+                  </a:schemeClr>
+                </a:solidFill>
+              </a:defRPr>
+            </a:lvl2pPr>
+            <a:lvl3pPr marL="914400" indent="0">
+              <a:buNone/>
+              <a:defRPr sz="1600">
+                <a:solidFill>
+                  <a:schemeClr val="tx1">
+                    <a:tint val="75000"/>
+                  </a:schemeClr>
+                </a:solidFill>
+              </a:defRPr>
+            </a:lvl3pPr>
+            <a:lvl4pPr marL="1371600" indent="0">
+              <a:buNone/>
+              <a:defRPr sz="1400">
+                <a:solidFill>
+                  <a:schemeClr val="tx1">
+                    <a:tint val="75000"/>
+                  </a:schemeClr>
+                </a:solidFill>
+              </a:defRPr>
+            </a:lvl4pPr>
+            <a:lvl5pPr marL="1828800" indent="0">
+              <a:buNone/>
+              <a:defRPr sz="1400">
+                <a:solidFill>
+                  <a:schemeClr val="tx1">
+                    <a:tint val="75000"/>
+                  </a:schemeClr>
+                </a:solidFill>
+              </a:defRPr>
+            </a:lvl5pPr>
+            <a:lvl6pPr marL="2286000" indent="0">
+              <a:buNone/>
+              <a:defRPr sz="1400">
+                <a:solidFill>
+                  <a:schemeClr val="tx1">
+                    <a:tint val="75000"/>
+                  </a:schemeClr>
+                </a:solidFill>
+              </a:defRPr>
+            </a:lvl6pPr>
+            <a:lvl7pPr marL="2743200" indent="0">
+              <a:buNone/>
+              <a:defRPr sz="1400">
+                <a:solidFill>
+                  <a:schemeClr val="tx1">
+                    <a:tint val="75000"/>
+                  </a:schemeClr>
+                </a:solidFill>
+              </a:defRPr>
+            </a:lvl7pPr>
+            <a:lvl8pPr marL="3200400" indent="0">
+              <a:buNone/>
+              <a:defRPr sz="1400">
+                <a:solidFill>
+                  <a:schemeClr val="tx1">
+                    <a:tint val="75000"/>
+                  </a:schemeClr>
+                </a:solidFill>
+              </a:defRPr>
+            </a:lvl8pPr>
+            <a:lvl9pPr marL="3657600" indent="0">
+              <a:buNone/>
+              <a:defRPr sz="1400">
+                <a:solidFill>
+                  <a:schemeClr val="tx1">
+                    <a:tint val="75000"/>
+                  </a:schemeClr>
+                </a:solidFill>
+              </a:defRPr>
+            </a:lvl9pPr>
+          </a:lstStyle>
+          <a:p>
+            <a:pPr lvl="0"/>
+            <a:r>
+              <a:rPr lang="pt-BR"/>
+              <a:t>Clique para editar os estilos de texto Mestres</a:t>
+            </a:r>
+          </a:p>
+        </p:txBody>
+      </p:sp>
+      <p:sp>
+        <p:nvSpPr>
+          <p:cNvPr id="4" name="Date Placeholder 3"/>
+          <p:cNvSpPr>
+            <a:spLocks noGrp="1"/>
+          </p:cNvSpPr>
+          <p:nvPr>
+            <p:ph type="dt" sz="half" idx="10"/>
+          </p:nvPr>
+        </p:nvSpPr>
+        <p:spPr/>
+        <p:txBody>
+          <a:bodyPr/>
+          <a:lstStyle/>
+          <a:p>
+            <a:fld id="{E5F489EA-7554-4283-AE26-836974D705D5}" type="datetimeFigureOut">
+              <a:rPr lang="pt-BR" smtClean="0"/>
+              <a:t>09/08/2021</a:t>
+            </a:fld>
+            <a:endParaRPr lang="pt-BR"/>
+          </a:p>
+        </p:txBody>
+      </p:sp>
+      <p:sp>
+        <p:nvSpPr>
+          <p:cNvPr id="5" name="Footer Placeholder 4"/>
+          <p:cNvSpPr>
+            <a:spLocks noGrp="1"/>
+          </p:cNvSpPr>
+          <p:nvPr>
+            <p:ph type="ftr" sz="quarter" idx="11"/>
+          </p:nvPr>
+        </p:nvSpPr>
+        <p:spPr/>
+        <p:txBody>
+          <a:bodyPr/>
+          <a:lstStyle/>
+          <a:p>
+            <a:endParaRPr lang="pt-BR"/>
+          </a:p>
+        </p:txBody>
+      </p:sp>
+      <p:sp>
+        <p:nvSpPr>
+          <p:cNvPr id="6" name="Slide Number Placeholder 5"/>
+          <p:cNvSpPr>
+            <a:spLocks noGrp="1"/>
+          </p:cNvSpPr>
+          <p:nvPr>
+            <p:ph type="sldNum" sz="quarter" idx="12"/>
+          </p:nvPr>
+        </p:nvSpPr>
+        <p:spPr/>
+        <p:txBody>
+          <a:bodyPr/>
+          <a:lstStyle/>
+          <a:p>
+            <a:fld id="{6CAC46CC-D660-4E8C-9377-30BB3263B35F}" type="slidenum">
+              <a:rPr lang="pt-BR" smtClean="0"/>
+              <a:t>‹nº›</a:t>
+            </a:fld>
+            <a:endParaRPr lang="pt-BR"/>
+          </a:p>
+        </p:txBody>
+      </p:sp>
+      <p:sp>
+        <p:nvSpPr>
+          <p:cNvPr id="14" name="TextBox 13"/>
+          <p:cNvSpPr txBox="1"/>
+          <p:nvPr/>
+        </p:nvSpPr>
+        <p:spPr>
+          <a:xfrm>
+            <a:off x="531812" y="812222"/>
+            <a:ext cx="609600" cy="584776"/>
+          </a:xfrm>
+          <a:prstGeom prst="rect">
+            <a:avLst/>
+          </a:prstGeom>
+        </p:spPr>
+        <p:txBody>
+          <a:bodyPr vert="horz" lIns="91440" tIns="45720" rIns="91440" bIns="45720" rtlCol="0" anchor="ctr">
+            <a:noAutofit/>
+          </a:bodyPr>
+          <a:lstStyle/>
+          <a:p>
+            <a:pPr lvl="0"/>
+            <a:r>
+              <a:rPr lang="en-US" sz="8000" dirty="0">
+                <a:solidFill>
+                  <a:schemeClr val="tx1"/>
+                </a:solidFill>
+                <a:effectLst/>
+              </a:rPr>
+              <a:t>“</a:t>
+            </a:r>
+          </a:p>
+        </p:txBody>
+      </p:sp>
+      <p:sp>
+        <p:nvSpPr>
+          <p:cNvPr id="15" name="TextBox 14"/>
+          <p:cNvSpPr txBox="1"/>
+          <p:nvPr/>
+        </p:nvSpPr>
+        <p:spPr>
+          <a:xfrm>
+            <a:off x="10285412" y="2768601"/>
+            <a:ext cx="609600" cy="584776"/>
+          </a:xfrm>
+          <a:prstGeom prst="rect">
+            <a:avLst/>
+          </a:prstGeom>
+        </p:spPr>
+        <p:txBody>
+          <a:bodyPr vert="horz" lIns="91440" tIns="45720" rIns="91440" bIns="45720" rtlCol="0" anchor="ctr">
+            <a:noAutofit/>
+          </a:bodyPr>
+          <a:lstStyle/>
+          <a:p>
+            <a:pPr lvl="0" algn="r"/>
+            <a:r>
+              <a:rPr lang="en-US" sz="8000" dirty="0">
+                <a:solidFill>
+                  <a:schemeClr val="tx1"/>
+                </a:solidFill>
+                <a:effectLst/>
+              </a:rPr>
+              <a:t>”</a:t>
+            </a:r>
+          </a:p>
+        </p:txBody>
+      </p:sp>
+    </p:spTree>
+    <p:extLst>
+      <p:ext uri="{BB962C8B-B14F-4D97-AF65-F5344CB8AC3E}">
+        <p14:creationId xmlns:p14="http://schemas.microsoft.com/office/powerpoint/2010/main" val="3518805534"/>
+      </p:ext>
+    </p:extLst>
+  </p:cSld>
+  <p:clrMapOvr>
+    <a:masterClrMapping/>
+  </p:clrMapOvr>
+</p:sldLayout>
+</file>
+
+<file path=ppt/slideLayouts/slideLayout13.xml><?xml version="1.0" encoding="utf-8"?>
+<p:sldLayout xmlns:a="http://schemas.openxmlformats.org/drawingml/2006/main" xmlns:r="http://schemas.openxmlformats.org/officeDocument/2006/relationships" xmlns:p="http://schemas.openxmlformats.org/presentationml/2006/main" preserve="1">
+  <p:cSld name="Cartão de Nome">
+    <p:spTree>
+      <p:nvGrpSpPr>
+        <p:cNvPr id="1" name=""/>
+        <p:cNvGrpSpPr/>
+        <p:nvPr/>
+      </p:nvGrpSpPr>
+      <p:grpSpPr>
+        <a:xfrm>
+          <a:off x="0" y="0"/>
+          <a:ext cx="0" cy="0"/>
+          <a:chOff x="0" y="0"/>
+          <a:chExt cx="0" cy="0"/>
+        </a:xfrm>
+      </p:grpSpPr>
+      <p:sp>
+        <p:nvSpPr>
+          <p:cNvPr id="2" name="Title 1"/>
+          <p:cNvSpPr>
+            <a:spLocks noGrp="1"/>
+          </p:cNvSpPr>
+          <p:nvPr>
+            <p:ph type="title"/>
+          </p:nvPr>
+        </p:nvSpPr>
+        <p:spPr>
+          <a:xfrm>
+            <a:off x="684212" y="3429000"/>
+            <a:ext cx="8534400" cy="1697400"/>
+          </a:xfrm>
+        </p:spPr>
+        <p:txBody>
+          <a:bodyPr anchor="b">
+            <a:normAutofit/>
+          </a:bodyPr>
+          <a:lstStyle>
+            <a:lvl1pPr algn="l">
+              <a:defRPr sz="3200" b="0" cap="all"/>
+            </a:lvl1pPr>
+          </a:lstStyle>
+          <a:p>
+            <a:r>
+              <a:rPr lang="pt-BR"/>
+              <a:t>Clique para editar o título Mestre</a:t>
+            </a:r>
+            <a:endParaRPr lang="en-US" dirty="0"/>
+          </a:p>
+        </p:txBody>
+      </p:sp>
+      <p:sp>
+        <p:nvSpPr>
+          <p:cNvPr id="3" name="Text Placeholder 2"/>
+          <p:cNvSpPr>
+            <a:spLocks noGrp="1"/>
+          </p:cNvSpPr>
+          <p:nvPr>
+            <p:ph type="body" idx="1"/>
+          </p:nvPr>
+        </p:nvSpPr>
+        <p:spPr>
+          <a:xfrm>
+            <a:off x="684211" y="5132981"/>
+            <a:ext cx="8535990" cy="860400"/>
+          </a:xfrm>
+        </p:spPr>
+        <p:txBody>
+          <a:bodyPr anchor="t">
+            <a:normAutofit/>
+          </a:bodyPr>
+          <a:lstStyle>
+            <a:lvl1pPr marL="0" indent="0" algn="l">
+              <a:buNone/>
+              <a:defRPr sz="2000">
+                <a:solidFill>
+                  <a:schemeClr val="bg2">
+                    <a:lumMod val="75000"/>
+                  </a:schemeClr>
+                </a:solidFill>
+              </a:defRPr>
+            </a:lvl1pPr>
+            <a:lvl2pPr marL="457200" indent="0">
+              <a:buNone/>
+              <a:defRPr sz="1800">
+                <a:solidFill>
+                  <a:schemeClr val="tx1">
+                    <a:tint val="75000"/>
+                  </a:schemeClr>
+                </a:solidFill>
+              </a:defRPr>
+            </a:lvl2pPr>
+            <a:lvl3pPr marL="914400" indent="0">
+              <a:buNone/>
+              <a:defRPr sz="1600">
+                <a:solidFill>
+                  <a:schemeClr val="tx1">
+                    <a:tint val="75000"/>
+                  </a:schemeClr>
+                </a:solidFill>
+              </a:defRPr>
+            </a:lvl3pPr>
+            <a:lvl4pPr marL="1371600" indent="0">
+              <a:buNone/>
+              <a:defRPr sz="1400">
+                <a:solidFill>
+                  <a:schemeClr val="tx1">
+                    <a:tint val="75000"/>
+                  </a:schemeClr>
+                </a:solidFill>
+              </a:defRPr>
+            </a:lvl4pPr>
+            <a:lvl5pPr marL="1828800" indent="0">
+              <a:buNone/>
+              <a:defRPr sz="1400">
+                <a:solidFill>
+                  <a:schemeClr val="tx1">
+                    <a:tint val="75000"/>
+                  </a:schemeClr>
+                </a:solidFill>
+              </a:defRPr>
+            </a:lvl5pPr>
+            <a:lvl6pPr marL="2286000" indent="0">
+              <a:buNone/>
+              <a:defRPr sz="1400">
+                <a:solidFill>
+                  <a:schemeClr val="tx1">
+                    <a:tint val="75000"/>
+                  </a:schemeClr>
+                </a:solidFill>
+              </a:defRPr>
+            </a:lvl6pPr>
+            <a:lvl7pPr marL="2743200" indent="0">
+              <a:buNone/>
+              <a:defRPr sz="1400">
+                <a:solidFill>
+                  <a:schemeClr val="tx1">
+                    <a:tint val="75000"/>
+                  </a:schemeClr>
+                </a:solidFill>
+              </a:defRPr>
+            </a:lvl7pPr>
+            <a:lvl8pPr marL="3200400" indent="0">
+              <a:buNone/>
+              <a:defRPr sz="1400">
+                <a:solidFill>
+                  <a:schemeClr val="tx1">
+                    <a:tint val="75000"/>
+                  </a:schemeClr>
+                </a:solidFill>
+              </a:defRPr>
+            </a:lvl8pPr>
+            <a:lvl9pPr marL="3657600" indent="0">
+              <a:buNone/>
+              <a:defRPr sz="1400">
+                <a:solidFill>
+                  <a:schemeClr val="tx1">
+                    <a:tint val="75000"/>
+                  </a:schemeClr>
+                </a:solidFill>
+              </a:defRPr>
+            </a:lvl9pPr>
+          </a:lstStyle>
+          <a:p>
+            <a:pPr lvl="0"/>
+            <a:r>
+              <a:rPr lang="pt-BR"/>
+              <a:t>Clique para editar os estilos de texto Mestres</a:t>
+            </a:r>
+          </a:p>
+        </p:txBody>
+      </p:sp>
+      <p:sp>
+        <p:nvSpPr>
+          <p:cNvPr id="4" name="Date Placeholder 3"/>
+          <p:cNvSpPr>
+            <a:spLocks noGrp="1"/>
+          </p:cNvSpPr>
+          <p:nvPr>
+            <p:ph type="dt" sz="half" idx="10"/>
+          </p:nvPr>
+        </p:nvSpPr>
+        <p:spPr/>
+        <p:txBody>
+          <a:bodyPr/>
+          <a:lstStyle/>
+          <a:p>
+            <a:fld id="{E5F489EA-7554-4283-AE26-836974D705D5}" type="datetimeFigureOut">
+              <a:rPr lang="pt-BR" smtClean="0"/>
+              <a:t>09/08/2021</a:t>
+            </a:fld>
+            <a:endParaRPr lang="pt-BR"/>
+          </a:p>
+        </p:txBody>
+      </p:sp>
+      <p:sp>
+        <p:nvSpPr>
+          <p:cNvPr id="5" name="Footer Placeholder 4"/>
+          <p:cNvSpPr>
+            <a:spLocks noGrp="1"/>
+          </p:cNvSpPr>
+          <p:nvPr>
+            <p:ph type="ftr" sz="quarter" idx="11"/>
+          </p:nvPr>
+        </p:nvSpPr>
+        <p:spPr/>
+        <p:txBody>
+          <a:bodyPr/>
+          <a:lstStyle/>
+          <a:p>
+            <a:endParaRPr lang="pt-BR"/>
+          </a:p>
+        </p:txBody>
+      </p:sp>
+      <p:sp>
+        <p:nvSpPr>
+          <p:cNvPr id="6" name="Slide Number Placeholder 5"/>
+          <p:cNvSpPr>
+            <a:spLocks noGrp="1"/>
+          </p:cNvSpPr>
+          <p:nvPr>
+            <p:ph type="sldNum" sz="quarter" idx="12"/>
+          </p:nvPr>
+        </p:nvSpPr>
+        <p:spPr/>
+        <p:txBody>
+          <a:bodyPr/>
+          <a:lstStyle/>
+          <a:p>
+            <a:fld id="{6CAC46CC-D660-4E8C-9377-30BB3263B35F}" type="slidenum">
+              <a:rPr lang="pt-BR" smtClean="0"/>
+              <a:t>‹nº›</a:t>
+            </a:fld>
+            <a:endParaRPr lang="pt-BR"/>
+          </a:p>
+        </p:txBody>
+      </p:sp>
+    </p:spTree>
+    <p:extLst>
+      <p:ext uri="{BB962C8B-B14F-4D97-AF65-F5344CB8AC3E}">
+        <p14:creationId xmlns:p14="http://schemas.microsoft.com/office/powerpoint/2010/main" val="3390004429"/>
+      </p:ext>
+    </p:extLst>
+  </p:cSld>
+  <p:clrMapOvr>
+    <a:masterClrMapping/>
+  </p:clrMapOvr>
+</p:sldLayout>
+</file>
+
+<file path=ppt/slideLayouts/slideLayout14.xml><?xml version="1.0" encoding="utf-8"?>
+<p:sldLayout xmlns:a="http://schemas.openxmlformats.org/drawingml/2006/main" xmlns:r="http://schemas.openxmlformats.org/officeDocument/2006/relationships" xmlns:p="http://schemas.openxmlformats.org/presentationml/2006/main" preserve="1">
+  <p:cSld name="Citar o Cartão de Nome">
+    <p:spTree>
+      <p:nvGrpSpPr>
+        <p:cNvPr id="1" name=""/>
+        <p:cNvGrpSpPr/>
+        <p:nvPr/>
+      </p:nvGrpSpPr>
+      <p:grpSpPr>
+        <a:xfrm>
+          <a:off x="0" y="0"/>
+          <a:ext cx="0" cy="0"/>
+          <a:chOff x="0" y="0"/>
+          <a:chExt cx="0" cy="0"/>
+        </a:xfrm>
+      </p:grpSpPr>
+      <p:sp>
+        <p:nvSpPr>
+          <p:cNvPr id="2" name="Title 1"/>
+          <p:cNvSpPr>
+            <a:spLocks noGrp="1"/>
+          </p:cNvSpPr>
+          <p:nvPr>
+            <p:ph type="title"/>
+          </p:nvPr>
+        </p:nvSpPr>
+        <p:spPr>
+          <a:xfrm>
+            <a:off x="1141413" y="685800"/>
+            <a:ext cx="9144000" cy="2743200"/>
+          </a:xfrm>
+        </p:spPr>
+        <p:txBody>
+          <a:bodyPr anchor="ctr">
+            <a:normAutofit/>
+          </a:bodyPr>
+          <a:lstStyle>
+            <a:lvl1pPr algn="l">
+              <a:defRPr sz="3200" b="0" cap="all">
+                <a:solidFill>
+                  <a:schemeClr val="tx1"/>
+                </a:solidFill>
+              </a:defRPr>
+            </a:lvl1pPr>
+          </a:lstStyle>
+          <a:p>
+            <a:r>
+              <a:rPr lang="pt-BR"/>
+              <a:t>Clique para editar o título Mestre</a:t>
+            </a:r>
+            <a:endParaRPr lang="en-US" dirty="0"/>
+          </a:p>
+        </p:txBody>
+      </p:sp>
+      <p:sp>
+        <p:nvSpPr>
+          <p:cNvPr id="10" name="Text Placeholder 9"/>
+          <p:cNvSpPr>
+            <a:spLocks noGrp="1"/>
+          </p:cNvSpPr>
+          <p:nvPr>
+            <p:ph type="body" sz="quarter" idx="13"/>
+          </p:nvPr>
+        </p:nvSpPr>
+        <p:spPr>
+          <a:xfrm>
+            <a:off x="684212" y="3928534"/>
+            <a:ext cx="8534401" cy="1049866"/>
+          </a:xfrm>
+        </p:spPr>
+        <p:txBody>
+          <a:bodyPr vert="horz" lIns="91440" tIns="45720" rIns="91440" bIns="45720" rtlCol="0" anchor="b">
+            <a:normAutofit/>
+          </a:bodyPr>
+          <a:lstStyle>
+            <a:lvl1pPr>
+              <a:buNone/>
+              <a:defRPr lang="en-US" sz="2400" b="0" cap="all" dirty="0">
+                <a:ln w="3175" cmpd="sng">
+                  <a:noFill/>
+                </a:ln>
+                <a:solidFill>
+                  <a:schemeClr val="tx1"/>
+                </a:solidFill>
+                <a:effectLst/>
+              </a:defRPr>
+            </a:lvl1pPr>
+          </a:lstStyle>
+          <a:p>
+            <a:pPr marL="0" lvl="0">
+              <a:spcBef>
+                <a:spcPct val="0"/>
+              </a:spcBef>
+              <a:buNone/>
+            </a:pPr>
+            <a:r>
+              <a:rPr lang="pt-BR"/>
+              <a:t>Clique para editar os estilos de texto Mestres</a:t>
+            </a:r>
+          </a:p>
+        </p:txBody>
+      </p:sp>
+      <p:sp>
+        <p:nvSpPr>
+          <p:cNvPr id="3" name="Text Placeholder 2"/>
+          <p:cNvSpPr>
+            <a:spLocks noGrp="1"/>
+          </p:cNvSpPr>
+          <p:nvPr>
+            <p:ph type="body" idx="1"/>
+          </p:nvPr>
+        </p:nvSpPr>
+        <p:spPr>
+          <a:xfrm>
+            <a:off x="684211" y="4978400"/>
+            <a:ext cx="8534401" cy="1016000"/>
+          </a:xfrm>
+        </p:spPr>
+        <p:txBody>
+          <a:bodyPr anchor="t">
+            <a:normAutofit/>
+          </a:bodyPr>
+          <a:lstStyle>
+            <a:lvl1pPr marL="0" indent="0" algn="l">
+              <a:buNone/>
+              <a:defRPr sz="1800">
+                <a:solidFill>
+                  <a:schemeClr val="bg2">
+                    <a:lumMod val="75000"/>
+                  </a:schemeClr>
+                </a:solidFill>
+              </a:defRPr>
+            </a:lvl1pPr>
+            <a:lvl2pPr marL="457200" indent="0">
+              <a:buNone/>
+              <a:defRPr sz="1800">
+                <a:solidFill>
+                  <a:schemeClr val="tx1">
+                    <a:tint val="75000"/>
+                  </a:schemeClr>
+                </a:solidFill>
+              </a:defRPr>
+            </a:lvl2pPr>
+            <a:lvl3pPr marL="914400" indent="0">
+              <a:buNone/>
+              <a:defRPr sz="1600">
+                <a:solidFill>
+                  <a:schemeClr val="tx1">
+                    <a:tint val="75000"/>
+                  </a:schemeClr>
+                </a:solidFill>
+              </a:defRPr>
+            </a:lvl3pPr>
+            <a:lvl4pPr marL="1371600" indent="0">
+              <a:buNone/>
+              <a:defRPr sz="1400">
+                <a:solidFill>
+                  <a:schemeClr val="tx1">
+                    <a:tint val="75000"/>
+                  </a:schemeClr>
+                </a:solidFill>
+              </a:defRPr>
+            </a:lvl4pPr>
+            <a:lvl5pPr marL="1828800" indent="0">
+              <a:buNone/>
+              <a:defRPr sz="1400">
+                <a:solidFill>
+                  <a:schemeClr val="tx1">
+                    <a:tint val="75000"/>
+                  </a:schemeClr>
+                </a:solidFill>
+              </a:defRPr>
+            </a:lvl5pPr>
+            <a:lvl6pPr marL="2286000" indent="0">
+              <a:buNone/>
+              <a:defRPr sz="1400">
+                <a:solidFill>
+                  <a:schemeClr val="tx1">
+                    <a:tint val="75000"/>
+                  </a:schemeClr>
+                </a:solidFill>
+              </a:defRPr>
+            </a:lvl6pPr>
+            <a:lvl7pPr marL="2743200" indent="0">
+              <a:buNone/>
+              <a:defRPr sz="1400">
+                <a:solidFill>
+                  <a:schemeClr val="tx1">
+                    <a:tint val="75000"/>
+                  </a:schemeClr>
+                </a:solidFill>
+              </a:defRPr>
+            </a:lvl7pPr>
+            <a:lvl8pPr marL="3200400" indent="0">
+              <a:buNone/>
+              <a:defRPr sz="1400">
+                <a:solidFill>
+                  <a:schemeClr val="tx1">
+                    <a:tint val="75000"/>
+                  </a:schemeClr>
+                </a:solidFill>
+              </a:defRPr>
+            </a:lvl8pPr>
+            <a:lvl9pPr marL="3657600" indent="0">
+              <a:buNone/>
+              <a:defRPr sz="1400">
+                <a:solidFill>
+                  <a:schemeClr val="tx1">
+                    <a:tint val="75000"/>
+                  </a:schemeClr>
+                </a:solidFill>
+              </a:defRPr>
+            </a:lvl9pPr>
+          </a:lstStyle>
+          <a:p>
+            <a:pPr lvl="0"/>
+            <a:r>
+              <a:rPr lang="pt-BR"/>
+              <a:t>Clique para editar os estilos de texto Mestres</a:t>
+            </a:r>
+          </a:p>
+        </p:txBody>
+      </p:sp>
+      <p:sp>
+        <p:nvSpPr>
+          <p:cNvPr id="4" name="Date Placeholder 3"/>
+          <p:cNvSpPr>
+            <a:spLocks noGrp="1"/>
+          </p:cNvSpPr>
+          <p:nvPr>
+            <p:ph type="dt" sz="half" idx="10"/>
+          </p:nvPr>
+        </p:nvSpPr>
+        <p:spPr/>
+        <p:txBody>
+          <a:bodyPr/>
+          <a:lstStyle/>
+          <a:p>
+            <a:fld id="{E5F489EA-7554-4283-AE26-836974D705D5}" type="datetimeFigureOut">
+              <a:rPr lang="pt-BR" smtClean="0"/>
+              <a:t>09/08/2021</a:t>
+            </a:fld>
+            <a:endParaRPr lang="pt-BR"/>
+          </a:p>
+        </p:txBody>
+      </p:sp>
+      <p:sp>
+        <p:nvSpPr>
+          <p:cNvPr id="5" name="Footer Placeholder 4"/>
+          <p:cNvSpPr>
+            <a:spLocks noGrp="1"/>
+          </p:cNvSpPr>
+          <p:nvPr>
+            <p:ph type="ftr" sz="quarter" idx="11"/>
+          </p:nvPr>
+        </p:nvSpPr>
+        <p:spPr/>
+        <p:txBody>
+          <a:bodyPr/>
+          <a:lstStyle/>
+          <a:p>
+            <a:endParaRPr lang="pt-BR"/>
+          </a:p>
+        </p:txBody>
+      </p:sp>
+      <p:sp>
+        <p:nvSpPr>
+          <p:cNvPr id="6" name="Slide Number Placeholder 5"/>
+          <p:cNvSpPr>
+            <a:spLocks noGrp="1"/>
+          </p:cNvSpPr>
+          <p:nvPr>
+            <p:ph type="sldNum" sz="quarter" idx="12"/>
+          </p:nvPr>
+        </p:nvSpPr>
+        <p:spPr/>
+        <p:txBody>
+          <a:bodyPr/>
+          <a:lstStyle/>
+          <a:p>
+            <a:fld id="{6CAC46CC-D660-4E8C-9377-30BB3263B35F}" type="slidenum">
+              <a:rPr lang="pt-BR" smtClean="0"/>
+              <a:t>‹nº›</a:t>
+            </a:fld>
+            <a:endParaRPr lang="pt-BR"/>
+          </a:p>
+        </p:txBody>
+      </p:sp>
+      <p:sp>
+        <p:nvSpPr>
+          <p:cNvPr id="11" name="TextBox 10"/>
+          <p:cNvSpPr txBox="1"/>
+          <p:nvPr/>
+        </p:nvSpPr>
+        <p:spPr>
+          <a:xfrm>
+            <a:off x="531812" y="812222"/>
+            <a:ext cx="609600" cy="584776"/>
+          </a:xfrm>
+          <a:prstGeom prst="rect">
+            <a:avLst/>
+          </a:prstGeom>
+        </p:spPr>
+        <p:txBody>
+          <a:bodyPr vert="horz" lIns="91440" tIns="45720" rIns="91440" bIns="45720" rtlCol="0" anchor="ctr">
+            <a:noAutofit/>
+          </a:bodyPr>
+          <a:lstStyle/>
+          <a:p>
+            <a:pPr lvl="0"/>
+            <a:r>
+              <a:rPr lang="en-US" sz="8000" dirty="0">
+                <a:solidFill>
+                  <a:schemeClr val="tx1"/>
+                </a:solidFill>
+                <a:effectLst/>
+              </a:rPr>
+              <a:t>“</a:t>
+            </a:r>
+          </a:p>
+        </p:txBody>
+      </p:sp>
+      <p:sp>
+        <p:nvSpPr>
+          <p:cNvPr id="12" name="TextBox 11"/>
+          <p:cNvSpPr txBox="1"/>
+          <p:nvPr/>
+        </p:nvSpPr>
+        <p:spPr>
+          <a:xfrm>
+            <a:off x="10285412" y="2768601"/>
+            <a:ext cx="609600" cy="584776"/>
+          </a:xfrm>
+          <a:prstGeom prst="rect">
+            <a:avLst/>
+          </a:prstGeom>
+        </p:spPr>
+        <p:txBody>
+          <a:bodyPr vert="horz" lIns="91440" tIns="45720" rIns="91440" bIns="45720" rtlCol="0" anchor="ctr">
+            <a:noAutofit/>
+          </a:bodyPr>
+          <a:lstStyle/>
+          <a:p>
+            <a:pPr lvl="0" algn="r"/>
+            <a:r>
+              <a:rPr lang="en-US" sz="8000" dirty="0">
+                <a:solidFill>
+                  <a:schemeClr val="tx1"/>
+                </a:solidFill>
+                <a:effectLst/>
+              </a:rPr>
+              <a:t>”</a:t>
+            </a:r>
+          </a:p>
+        </p:txBody>
+      </p:sp>
+    </p:spTree>
+    <p:extLst>
+      <p:ext uri="{BB962C8B-B14F-4D97-AF65-F5344CB8AC3E}">
+        <p14:creationId xmlns:p14="http://schemas.microsoft.com/office/powerpoint/2010/main" val="3084098033"/>
+      </p:ext>
+    </p:extLst>
+  </p:cSld>
+  <p:clrMapOvr>
+    <a:masterClrMapping/>
+  </p:clrMapOvr>
+</p:sldLayout>
+</file>
+
+<file path=ppt/slideLayouts/slideLayout15.xml><?xml version="1.0" encoding="utf-8"?>
+<p:sldLayout xmlns:a="http://schemas.openxmlformats.org/drawingml/2006/main" xmlns:r="http://schemas.openxmlformats.org/officeDocument/2006/relationships" xmlns:p="http://schemas.openxmlformats.org/presentationml/2006/main" preserve="1">
+  <p:cSld name="Verdadeiro ou Falso">
+    <p:spTree>
+      <p:nvGrpSpPr>
+        <p:cNvPr id="1" name=""/>
+        <p:cNvGrpSpPr/>
+        <p:nvPr/>
+      </p:nvGrpSpPr>
+      <p:grpSpPr>
+        <a:xfrm>
+          <a:off x="0" y="0"/>
+          <a:ext cx="0" cy="0"/>
+          <a:chOff x="0" y="0"/>
+          <a:chExt cx="0" cy="0"/>
+        </a:xfrm>
+      </p:grpSpPr>
+      <p:sp>
+        <p:nvSpPr>
+          <p:cNvPr id="2" name="Title 1"/>
+          <p:cNvSpPr>
+            <a:spLocks noGrp="1"/>
+          </p:cNvSpPr>
+          <p:nvPr>
+            <p:ph type="title"/>
+          </p:nvPr>
+        </p:nvSpPr>
+        <p:spPr>
+          <a:xfrm>
+            <a:off x="684213" y="685800"/>
+            <a:ext cx="10058400" cy="2743200"/>
+          </a:xfrm>
+        </p:spPr>
+        <p:txBody>
+          <a:bodyPr vert="horz" lIns="91440" tIns="45720" rIns="91440" bIns="45720" rtlCol="0" anchor="ctr">
+            <a:normAutofit/>
+          </a:bodyPr>
+          <a:lstStyle>
+            <a:lvl1pPr>
+              <a:defRPr lang="en-US" b="0" dirty="0"/>
+            </a:lvl1pPr>
+          </a:lstStyle>
+          <a:p>
+            <a:pPr marL="0" lvl="0"/>
+            <a:r>
+              <a:rPr lang="pt-BR"/>
+              <a:t>Clique para editar o título Mestre</a:t>
+            </a:r>
+            <a:endParaRPr lang="en-US" dirty="0"/>
+          </a:p>
+        </p:txBody>
+      </p:sp>
+      <p:sp>
+        <p:nvSpPr>
+          <p:cNvPr id="10" name="Text Placeholder 9"/>
+          <p:cNvSpPr>
+            <a:spLocks noGrp="1"/>
+          </p:cNvSpPr>
+          <p:nvPr>
+            <p:ph type="body" sz="quarter" idx="13"/>
+          </p:nvPr>
+        </p:nvSpPr>
+        <p:spPr>
+          <a:xfrm>
+            <a:off x="684212" y="3928534"/>
+            <a:ext cx="8534400" cy="838200"/>
+          </a:xfrm>
+        </p:spPr>
+        <p:txBody>
+          <a:bodyPr vert="horz" lIns="91440" tIns="45720" rIns="91440" bIns="45720" rtlCol="0" anchor="b">
+            <a:normAutofit/>
+          </a:bodyPr>
+          <a:lstStyle>
+            <a:lvl1pPr>
+              <a:buNone/>
+              <a:defRPr lang="en-US" sz="2400" b="0" cap="all" dirty="0">
+                <a:ln w="3175" cmpd="sng">
+                  <a:noFill/>
+                </a:ln>
+                <a:solidFill>
+                  <a:schemeClr val="tx1"/>
+                </a:solidFill>
+                <a:effectLst/>
+              </a:defRPr>
+            </a:lvl1pPr>
+          </a:lstStyle>
+          <a:p>
+            <a:pPr marL="0" lvl="0">
+              <a:spcBef>
+                <a:spcPct val="0"/>
+              </a:spcBef>
+              <a:buNone/>
+            </a:pPr>
+            <a:r>
+              <a:rPr lang="pt-BR"/>
+              <a:t>Clique para editar os estilos de texto Mestres</a:t>
+            </a:r>
+          </a:p>
+        </p:txBody>
+      </p:sp>
+      <p:sp>
+        <p:nvSpPr>
+          <p:cNvPr id="3" name="Text Placeholder 2"/>
+          <p:cNvSpPr>
+            <a:spLocks noGrp="1"/>
+          </p:cNvSpPr>
+          <p:nvPr>
+            <p:ph type="body" idx="1"/>
+          </p:nvPr>
+        </p:nvSpPr>
+        <p:spPr>
+          <a:xfrm>
+            <a:off x="684211" y="4766732"/>
+            <a:ext cx="8534401" cy="1227667"/>
+          </a:xfrm>
+        </p:spPr>
+        <p:txBody>
+          <a:bodyPr anchor="t">
+            <a:normAutofit/>
+          </a:bodyPr>
+          <a:lstStyle>
+            <a:lvl1pPr marL="0" indent="0" algn="l">
+              <a:buNone/>
+              <a:defRPr sz="1800">
+                <a:solidFill>
+                  <a:schemeClr val="bg2">
+                    <a:lumMod val="75000"/>
+                  </a:schemeClr>
+                </a:solidFill>
+              </a:defRPr>
+            </a:lvl1pPr>
+            <a:lvl2pPr marL="457200" indent="0">
+              <a:buNone/>
+              <a:defRPr sz="1800">
+                <a:solidFill>
+                  <a:schemeClr val="tx1">
+                    <a:tint val="75000"/>
+                  </a:schemeClr>
+                </a:solidFill>
+              </a:defRPr>
+            </a:lvl2pPr>
+            <a:lvl3pPr marL="914400" indent="0">
+              <a:buNone/>
+              <a:defRPr sz="1600">
+                <a:solidFill>
+                  <a:schemeClr val="tx1">
+                    <a:tint val="75000"/>
+                  </a:schemeClr>
+                </a:solidFill>
+              </a:defRPr>
+            </a:lvl3pPr>
+            <a:lvl4pPr marL="1371600" indent="0">
+              <a:buNone/>
+              <a:defRPr sz="1400">
+                <a:solidFill>
+                  <a:schemeClr val="tx1">
+                    <a:tint val="75000"/>
+                  </a:schemeClr>
+                </a:solidFill>
+              </a:defRPr>
+            </a:lvl4pPr>
+            <a:lvl5pPr marL="1828800" indent="0">
+              <a:buNone/>
+              <a:defRPr sz="1400">
+                <a:solidFill>
+                  <a:schemeClr val="tx1">
+                    <a:tint val="75000"/>
+                  </a:schemeClr>
+                </a:solidFill>
+              </a:defRPr>
+            </a:lvl5pPr>
+            <a:lvl6pPr marL="2286000" indent="0">
+              <a:buNone/>
+              <a:defRPr sz="1400">
+                <a:solidFill>
+                  <a:schemeClr val="tx1">
+                    <a:tint val="75000"/>
+                  </a:schemeClr>
+                </a:solidFill>
+              </a:defRPr>
+            </a:lvl6pPr>
+            <a:lvl7pPr marL="2743200" indent="0">
+              <a:buNone/>
+              <a:defRPr sz="1400">
+                <a:solidFill>
+                  <a:schemeClr val="tx1">
+                    <a:tint val="75000"/>
+                  </a:schemeClr>
+                </a:solidFill>
+              </a:defRPr>
+            </a:lvl7pPr>
+            <a:lvl8pPr marL="3200400" indent="0">
+              <a:buNone/>
+              <a:defRPr sz="1400">
+                <a:solidFill>
+                  <a:schemeClr val="tx1">
+                    <a:tint val="75000"/>
+                  </a:schemeClr>
+                </a:solidFill>
+              </a:defRPr>
+            </a:lvl8pPr>
+            <a:lvl9pPr marL="3657600" indent="0">
+              <a:buNone/>
+              <a:defRPr sz="1400">
+                <a:solidFill>
+                  <a:schemeClr val="tx1">
+                    <a:tint val="75000"/>
+                  </a:schemeClr>
+                </a:solidFill>
+              </a:defRPr>
+            </a:lvl9pPr>
+          </a:lstStyle>
+          <a:p>
+            <a:pPr lvl="0"/>
+            <a:r>
+              <a:rPr lang="pt-BR"/>
+              <a:t>Clique para editar os estilos de texto Mestres</a:t>
+            </a:r>
+          </a:p>
+        </p:txBody>
+      </p:sp>
+      <p:sp>
+        <p:nvSpPr>
+          <p:cNvPr id="4" name="Date Placeholder 3"/>
+          <p:cNvSpPr>
+            <a:spLocks noGrp="1"/>
+          </p:cNvSpPr>
+          <p:nvPr>
+            <p:ph type="dt" sz="half" idx="10"/>
+          </p:nvPr>
+        </p:nvSpPr>
+        <p:spPr/>
+        <p:txBody>
+          <a:bodyPr/>
+          <a:lstStyle/>
+          <a:p>
+            <a:fld id="{E5F489EA-7554-4283-AE26-836974D705D5}" type="datetimeFigureOut">
+              <a:rPr lang="pt-BR" smtClean="0"/>
+              <a:t>09/08/2021</a:t>
+            </a:fld>
+            <a:endParaRPr lang="pt-BR"/>
+          </a:p>
+        </p:txBody>
+      </p:sp>
+      <p:sp>
+        <p:nvSpPr>
+          <p:cNvPr id="5" name="Footer Placeholder 4"/>
+          <p:cNvSpPr>
+            <a:spLocks noGrp="1"/>
+          </p:cNvSpPr>
+          <p:nvPr>
+            <p:ph type="ftr" sz="quarter" idx="11"/>
+          </p:nvPr>
+        </p:nvSpPr>
+        <p:spPr/>
+        <p:txBody>
+          <a:bodyPr/>
+          <a:lstStyle/>
+          <a:p>
+            <a:endParaRPr lang="pt-BR"/>
+          </a:p>
+        </p:txBody>
+      </p:sp>
+      <p:sp>
+        <p:nvSpPr>
+          <p:cNvPr id="6" name="Slide Number Placeholder 5"/>
+          <p:cNvSpPr>
+            <a:spLocks noGrp="1"/>
+          </p:cNvSpPr>
+          <p:nvPr>
+            <p:ph type="sldNum" sz="quarter" idx="12"/>
+          </p:nvPr>
+        </p:nvSpPr>
+        <p:spPr/>
+        <p:txBody>
+          <a:bodyPr/>
+          <a:lstStyle/>
+          <a:p>
+            <a:fld id="{6CAC46CC-D660-4E8C-9377-30BB3263B35F}" type="slidenum">
+              <a:rPr lang="pt-BR" smtClean="0"/>
+              <a:t>‹nº›</a:t>
+            </a:fld>
+            <a:endParaRPr lang="pt-BR"/>
+          </a:p>
+        </p:txBody>
+      </p:sp>
+    </p:spTree>
+    <p:extLst>
+      <p:ext uri="{BB962C8B-B14F-4D97-AF65-F5344CB8AC3E}">
+        <p14:creationId xmlns:p14="http://schemas.microsoft.com/office/powerpoint/2010/main" val="792054296"/>
+      </p:ext>
+    </p:extLst>
+  </p:cSld>
+  <p:clrMapOvr>
+    <a:masterClrMapping/>
+  </p:clrMapOvr>
+</p:sldLayout>
+</file>
+
+<file path=ppt/slideLayouts/slideLayout16.xml><?xml version="1.0" encoding="utf-8"?>
 <p:sldLayout xmlns:a="http://schemas.openxmlformats.org/drawingml/2006/main" xmlns:r="http://schemas.openxmlformats.org/officeDocument/2006/relationships" xmlns:p="http://schemas.openxmlformats.org/presentationml/2006/main" type="vertTx" preserve="1">
   <p:cSld name="Título e Texto Vertical">
     <p:spTree>
@@ -352,13 +2370,7 @@
       </p:grpSpPr>
       <p:sp>
         <p:nvSpPr>
-          <p:cNvPr id="2" name="Título 1">
-            <a:extLst>
-              <a:ext uri="{FF2B5EF4-FFF2-40B4-BE49-F238E27FC236}">
-                <a16:creationId xmlns:a16="http://schemas.microsoft.com/office/drawing/2014/main" id="{C8590F59-4401-491E-9366-7EB8A1A68FBC}"/>
-              </a:ext>
-            </a:extLst>
-          </p:cNvPr>
+          <p:cNvPr id="2" name="Title 1"/>
           <p:cNvSpPr>
             <a:spLocks noGrp="1"/>
           </p:cNvSpPr>
@@ -369,24 +2381,23 @@
         <p:spPr/>
         <p:txBody>
           <a:bodyPr/>
-          <a:lstStyle/>
+          <a:lstStyle>
+            <a:lvl1pPr algn="l">
+              <a:defRPr/>
+            </a:lvl1pPr>
+          </a:lstStyle>
           <a:p>
             <a:r>
               <a:rPr lang="pt-BR"/>
               <a:t>Clique para editar o título Mestre</a:t>
             </a:r>
-          </a:p>
-        </p:txBody>
-      </p:sp>
-      <p:sp>
-        <p:nvSpPr>
-          <p:cNvPr id="3" name="Espaço Reservado para Texto Vertical 2">
-            <a:extLst>
-              <a:ext uri="{FF2B5EF4-FFF2-40B4-BE49-F238E27FC236}">
-                <a16:creationId xmlns:a16="http://schemas.microsoft.com/office/drawing/2014/main" id="{AA3A8491-2C85-4437-9F8F-5D6EDEAB10ED}"/>
-              </a:ext>
-            </a:extLst>
-          </p:cNvPr>
+            <a:endParaRPr lang="en-US" dirty="0"/>
+          </a:p>
+        </p:txBody>
+      </p:sp>
+      <p:sp>
+        <p:nvSpPr>
+          <p:cNvPr id="3" name="Vertical Text Placeholder 2"/>
           <p:cNvSpPr>
             <a:spLocks noGrp="1"/>
           </p:cNvSpPr>
@@ -396,7 +2407,7 @@
         </p:nvSpPr>
         <p:spPr/>
         <p:txBody>
-          <a:bodyPr vert="eaVert"/>
+          <a:bodyPr vert="eaVert" anchor="t"/>
           <a:lstStyle/>
           <a:p>
             <a:pPr lvl="0"/>
@@ -432,18 +2443,13 @@
               <a:rPr lang="pt-BR"/>
               <a:t>Quinto nível</a:t>
             </a:r>
-          </a:p>
-        </p:txBody>
-      </p:sp>
-      <p:sp>
-        <p:nvSpPr>
-          <p:cNvPr id="4" name="Espaço Reservado para Data 3">
-            <a:extLst>
-              <a:ext uri="{FF2B5EF4-FFF2-40B4-BE49-F238E27FC236}">
-                <a16:creationId xmlns:a16="http://schemas.microsoft.com/office/drawing/2014/main" id="{74B45866-DA65-4419-AB5A-32C54799B853}"/>
-              </a:ext>
-            </a:extLst>
-          </p:cNvPr>
+            <a:endParaRPr lang="en-US" dirty="0"/>
+          </a:p>
+        </p:txBody>
+      </p:sp>
+      <p:sp>
+        <p:nvSpPr>
+          <p:cNvPr id="4" name="Date Placeholder 3"/>
           <p:cNvSpPr>
             <a:spLocks noGrp="1"/>
           </p:cNvSpPr>
@@ -458,7 +2464,7 @@
           <a:p>
             <a:fld id="{E5F489EA-7554-4283-AE26-836974D705D5}" type="datetimeFigureOut">
               <a:rPr lang="pt-BR" smtClean="0"/>
-              <a:t>06/08/2021</a:t>
+              <a:t>09/08/2021</a:t>
             </a:fld>
             <a:endParaRPr lang="pt-BR"/>
           </a:p>
@@ -466,13 +2472,7 @@
       </p:sp>
       <p:sp>
         <p:nvSpPr>
-          <p:cNvPr id="5" name="Espaço Reservado para Rodapé 4">
-            <a:extLst>
-              <a:ext uri="{FF2B5EF4-FFF2-40B4-BE49-F238E27FC236}">
-                <a16:creationId xmlns:a16="http://schemas.microsoft.com/office/drawing/2014/main" id="{E24AD64A-3B52-43DA-A360-AE4EBCD8EC77}"/>
-              </a:ext>
-            </a:extLst>
-          </p:cNvPr>
+          <p:cNvPr id="5" name="Footer Placeholder 4"/>
           <p:cNvSpPr>
             <a:spLocks noGrp="1"/>
           </p:cNvSpPr>
@@ -491,13 +2491,7 @@
       </p:sp>
       <p:sp>
         <p:nvSpPr>
-          <p:cNvPr id="6" name="Espaço Reservado para Número de Slide 5">
-            <a:extLst>
-              <a:ext uri="{FF2B5EF4-FFF2-40B4-BE49-F238E27FC236}">
-                <a16:creationId xmlns:a16="http://schemas.microsoft.com/office/drawing/2014/main" id="{27B43BA0-AFF0-4F7F-B8D7-14140E83ACA2}"/>
-              </a:ext>
-            </a:extLst>
-          </p:cNvPr>
+          <p:cNvPr id="6" name="Slide Number Placeholder 5"/>
           <p:cNvSpPr>
             <a:spLocks noGrp="1"/>
           </p:cNvSpPr>
@@ -521,7 +2515,7 @@
     </p:spTree>
     <p:extLst>
       <p:ext uri="{BB962C8B-B14F-4D97-AF65-F5344CB8AC3E}">
-        <p14:creationId xmlns:p14="http://schemas.microsoft.com/office/powerpoint/2010/main" val="1145849943"/>
+        <p14:creationId xmlns:p14="http://schemas.microsoft.com/office/powerpoint/2010/main" val="2157394701"/>
       </p:ext>
     </p:extLst>
   </p:cSld>
@@ -531,7 +2525,7 @@
 </p:sldLayout>
 </file>
 
-<file path=ppt/slideLayouts/slideLayout11.xml><?xml version="1.0" encoding="utf-8"?>
+<file path=ppt/slideLayouts/slideLayout17.xml><?xml version="1.0" encoding="utf-8"?>
 <p:sldLayout xmlns:a="http://schemas.openxmlformats.org/drawingml/2006/main" xmlns:r="http://schemas.openxmlformats.org/officeDocument/2006/relationships" xmlns:p="http://schemas.openxmlformats.org/presentationml/2006/main" type="vertTitleAndTx" preserve="1">
   <p:cSld name="Texto e Título Vertical">
     <p:spTree>
@@ -550,13 +2544,7 @@
       </p:grpSpPr>
       <p:sp>
         <p:nvSpPr>
-          <p:cNvPr id="2" name="Título Vertical 1">
-            <a:extLst>
-              <a:ext uri="{FF2B5EF4-FFF2-40B4-BE49-F238E27FC236}">
-                <a16:creationId xmlns:a16="http://schemas.microsoft.com/office/drawing/2014/main" id="{F762027F-D8BF-4EB1-A3E5-8F980B11F56F}"/>
-              </a:ext>
-            </a:extLst>
-          </p:cNvPr>
+          <p:cNvPr id="2" name="Vertical Title 1"/>
           <p:cNvSpPr>
             <a:spLocks noGrp="1"/>
           </p:cNvSpPr>
@@ -566,8 +2554,8 @@
         </p:nvSpPr>
         <p:spPr>
           <a:xfrm>
-            <a:off x="8724900" y="365125"/>
-            <a:ext cx="2628900" cy="5811838"/>
+            <a:off x="8685212" y="685800"/>
+            <a:ext cx="2057400" cy="4572000"/>
           </a:xfrm>
         </p:spPr>
         <p:txBody>
@@ -578,18 +2566,13 @@
               <a:rPr lang="pt-BR"/>
               <a:t>Clique para editar o título Mestre</a:t>
             </a:r>
-          </a:p>
-        </p:txBody>
-      </p:sp>
-      <p:sp>
-        <p:nvSpPr>
-          <p:cNvPr id="3" name="Espaço Reservado para Texto Vertical 2">
-            <a:extLst>
-              <a:ext uri="{FF2B5EF4-FFF2-40B4-BE49-F238E27FC236}">
-                <a16:creationId xmlns:a16="http://schemas.microsoft.com/office/drawing/2014/main" id="{7AED4475-72AF-417D-B6D1-272A31604D8D}"/>
-              </a:ext>
-            </a:extLst>
-          </p:cNvPr>
+            <a:endParaRPr lang="en-US" dirty="0"/>
+          </a:p>
+        </p:txBody>
+      </p:sp>
+      <p:sp>
+        <p:nvSpPr>
+          <p:cNvPr id="3" name="Vertical Text Placeholder 2"/>
           <p:cNvSpPr>
             <a:spLocks noGrp="1"/>
           </p:cNvSpPr>
@@ -599,12 +2582,12 @@
         </p:nvSpPr>
         <p:spPr>
           <a:xfrm>
-            <a:off x="838200" y="365125"/>
-            <a:ext cx="7734300" cy="5811838"/>
-          </a:xfrm>
-        </p:spPr>
-        <p:txBody>
-          <a:bodyPr vert="eaVert"/>
+            <a:off x="685800" y="685800"/>
+            <a:ext cx="7823200" cy="5308600"/>
+          </a:xfrm>
+        </p:spPr>
+        <p:txBody>
+          <a:bodyPr vert="eaVert" anchor="t"/>
           <a:lstStyle/>
           <a:p>
             <a:pPr lvl="0"/>
@@ -640,18 +2623,13 @@
               <a:rPr lang="pt-BR"/>
               <a:t>Quinto nível</a:t>
             </a:r>
-          </a:p>
-        </p:txBody>
-      </p:sp>
-      <p:sp>
-        <p:nvSpPr>
-          <p:cNvPr id="4" name="Espaço Reservado para Data 3">
-            <a:extLst>
-              <a:ext uri="{FF2B5EF4-FFF2-40B4-BE49-F238E27FC236}">
-                <a16:creationId xmlns:a16="http://schemas.microsoft.com/office/drawing/2014/main" id="{405B6E2C-3CC0-4338-BB56-32A711128DD4}"/>
-              </a:ext>
-            </a:extLst>
-          </p:cNvPr>
+            <a:endParaRPr lang="en-US" dirty="0"/>
+          </a:p>
+        </p:txBody>
+      </p:sp>
+      <p:sp>
+        <p:nvSpPr>
+          <p:cNvPr id="4" name="Date Placeholder 3"/>
           <p:cNvSpPr>
             <a:spLocks noGrp="1"/>
           </p:cNvSpPr>
@@ -666,7 +2644,7 @@
           <a:p>
             <a:fld id="{E5F489EA-7554-4283-AE26-836974D705D5}" type="datetimeFigureOut">
               <a:rPr lang="pt-BR" smtClean="0"/>
-              <a:t>06/08/2021</a:t>
+              <a:t>09/08/2021</a:t>
             </a:fld>
             <a:endParaRPr lang="pt-BR"/>
           </a:p>
@@ -674,13 +2652,7 @@
       </p:sp>
       <p:sp>
         <p:nvSpPr>
-          <p:cNvPr id="5" name="Espaço Reservado para Rodapé 4">
-            <a:extLst>
-              <a:ext uri="{FF2B5EF4-FFF2-40B4-BE49-F238E27FC236}">
-                <a16:creationId xmlns:a16="http://schemas.microsoft.com/office/drawing/2014/main" id="{8CAB9226-AB1C-49B0-AD59-119C4796B9C6}"/>
-              </a:ext>
-            </a:extLst>
-          </p:cNvPr>
+          <p:cNvPr id="5" name="Footer Placeholder 4"/>
           <p:cNvSpPr>
             <a:spLocks noGrp="1"/>
           </p:cNvSpPr>
@@ -699,13 +2671,7 @@
       </p:sp>
       <p:sp>
         <p:nvSpPr>
-          <p:cNvPr id="6" name="Espaço Reservado para Número de Slide 5">
-            <a:extLst>
-              <a:ext uri="{FF2B5EF4-FFF2-40B4-BE49-F238E27FC236}">
-                <a16:creationId xmlns:a16="http://schemas.microsoft.com/office/drawing/2014/main" id="{C34F1641-C26F-48D2-9689-060C1CDAB94D}"/>
-              </a:ext>
-            </a:extLst>
-          </p:cNvPr>
+          <p:cNvPr id="6" name="Slide Number Placeholder 5"/>
           <p:cNvSpPr>
             <a:spLocks noGrp="1"/>
           </p:cNvSpPr>
@@ -729,7 +2695,7 @@
     </p:spTree>
     <p:extLst>
       <p:ext uri="{BB962C8B-B14F-4D97-AF65-F5344CB8AC3E}">
-        <p14:creationId xmlns:p14="http://schemas.microsoft.com/office/powerpoint/2010/main" val="2179623842"/>
+        <p14:creationId xmlns:p14="http://schemas.microsoft.com/office/powerpoint/2010/main" val="1516807111"/>
       </p:ext>
     </p:extLst>
   </p:cSld>
@@ -758,13 +2724,7 @@
       </p:grpSpPr>
       <p:sp>
         <p:nvSpPr>
-          <p:cNvPr id="2" name="Título 1">
-            <a:extLst>
-              <a:ext uri="{FF2B5EF4-FFF2-40B4-BE49-F238E27FC236}">
-                <a16:creationId xmlns:a16="http://schemas.microsoft.com/office/drawing/2014/main" id="{26484E3C-CBEA-4484-B77A-2E2FAAF26BE0}"/>
-              </a:ext>
-            </a:extLst>
-          </p:cNvPr>
+          <p:cNvPr id="2" name="Title 1"/>
           <p:cNvSpPr>
             <a:spLocks noGrp="1"/>
           </p:cNvSpPr>
@@ -781,18 +2741,13 @@
               <a:rPr lang="pt-BR"/>
               <a:t>Clique para editar o título Mestre</a:t>
             </a:r>
-          </a:p>
-        </p:txBody>
-      </p:sp>
-      <p:sp>
-        <p:nvSpPr>
-          <p:cNvPr id="3" name="Espaço Reservado para Conteúdo 2">
-            <a:extLst>
-              <a:ext uri="{FF2B5EF4-FFF2-40B4-BE49-F238E27FC236}">
-                <a16:creationId xmlns:a16="http://schemas.microsoft.com/office/drawing/2014/main" id="{332C45FC-3713-41E9-A1FF-707BC319E4D5}"/>
-              </a:ext>
-            </a:extLst>
-          </p:cNvPr>
+            <a:endParaRPr lang="en-US" dirty="0"/>
+          </a:p>
+        </p:txBody>
+      </p:sp>
+      <p:sp>
+        <p:nvSpPr>
+          <p:cNvPr id="3" name="Content Placeholder 2"/>
           <p:cNvSpPr>
             <a:spLocks noGrp="1"/>
           </p:cNvSpPr>
@@ -802,7 +2757,7 @@
         </p:nvSpPr>
         <p:spPr/>
         <p:txBody>
-          <a:bodyPr/>
+          <a:bodyPr anchor="ctr"/>
           <a:lstStyle/>
           <a:p>
             <a:pPr lvl="0"/>
@@ -838,18 +2793,13 @@
               <a:rPr lang="pt-BR"/>
               <a:t>Quinto nível</a:t>
             </a:r>
-          </a:p>
-        </p:txBody>
-      </p:sp>
-      <p:sp>
-        <p:nvSpPr>
-          <p:cNvPr id="4" name="Espaço Reservado para Data 3">
-            <a:extLst>
-              <a:ext uri="{FF2B5EF4-FFF2-40B4-BE49-F238E27FC236}">
-                <a16:creationId xmlns:a16="http://schemas.microsoft.com/office/drawing/2014/main" id="{36C99A17-149D-47D8-9AA5-2020A694374C}"/>
-              </a:ext>
-            </a:extLst>
-          </p:cNvPr>
+            <a:endParaRPr lang="en-US" dirty="0"/>
+          </a:p>
+        </p:txBody>
+      </p:sp>
+      <p:sp>
+        <p:nvSpPr>
+          <p:cNvPr id="4" name="Date Placeholder 3"/>
           <p:cNvSpPr>
             <a:spLocks noGrp="1"/>
           </p:cNvSpPr>
@@ -864,7 +2814,7 @@
           <a:p>
             <a:fld id="{E5F489EA-7554-4283-AE26-836974D705D5}" type="datetimeFigureOut">
               <a:rPr lang="pt-BR" smtClean="0"/>
-              <a:t>06/08/2021</a:t>
+              <a:t>09/08/2021</a:t>
             </a:fld>
             <a:endParaRPr lang="pt-BR"/>
           </a:p>
@@ -872,13 +2822,7 @@
       </p:sp>
       <p:sp>
         <p:nvSpPr>
-          <p:cNvPr id="5" name="Espaço Reservado para Rodapé 4">
-            <a:extLst>
-              <a:ext uri="{FF2B5EF4-FFF2-40B4-BE49-F238E27FC236}">
-                <a16:creationId xmlns:a16="http://schemas.microsoft.com/office/drawing/2014/main" id="{45717C0C-5751-41F6-B0D6-8B6B4823EFB2}"/>
-              </a:ext>
-            </a:extLst>
-          </p:cNvPr>
+          <p:cNvPr id="5" name="Footer Placeholder 4"/>
           <p:cNvSpPr>
             <a:spLocks noGrp="1"/>
           </p:cNvSpPr>
@@ -897,13 +2841,7 @@
       </p:sp>
       <p:sp>
         <p:nvSpPr>
-          <p:cNvPr id="6" name="Espaço Reservado para Número de Slide 5">
-            <a:extLst>
-              <a:ext uri="{FF2B5EF4-FFF2-40B4-BE49-F238E27FC236}">
-                <a16:creationId xmlns:a16="http://schemas.microsoft.com/office/drawing/2014/main" id="{31636F14-CE43-426A-8AC9-64CF1FF593EA}"/>
-              </a:ext>
-            </a:extLst>
-          </p:cNvPr>
+          <p:cNvPr id="6" name="Slide Number Placeholder 5"/>
           <p:cNvSpPr>
             <a:spLocks noGrp="1"/>
           </p:cNvSpPr>
@@ -927,7 +2865,7 @@
     </p:spTree>
     <p:extLst>
       <p:ext uri="{BB962C8B-B14F-4D97-AF65-F5344CB8AC3E}">
-        <p14:creationId xmlns:p14="http://schemas.microsoft.com/office/powerpoint/2010/main" val="2456119334"/>
+        <p14:creationId xmlns:p14="http://schemas.microsoft.com/office/powerpoint/2010/main" val="2187193415"/>
       </p:ext>
     </p:extLst>
   </p:cSld>
@@ -956,13 +2894,7 @@
       </p:grpSpPr>
       <p:sp>
         <p:nvSpPr>
-          <p:cNvPr id="2" name="Título 1">
-            <a:extLst>
-              <a:ext uri="{FF2B5EF4-FFF2-40B4-BE49-F238E27FC236}">
-                <a16:creationId xmlns:a16="http://schemas.microsoft.com/office/drawing/2014/main" id="{6675B61F-BB9D-41FF-B345-107A1ECA51E9}"/>
-              </a:ext>
-            </a:extLst>
-          </p:cNvPr>
+          <p:cNvPr id="2" name="Title 1"/>
           <p:cNvSpPr>
             <a:spLocks noGrp="1"/>
           </p:cNvSpPr>
@@ -972,15 +2904,17 @@
         </p:nvSpPr>
         <p:spPr>
           <a:xfrm>
-            <a:off x="831850" y="1709738"/>
-            <a:ext cx="10515600" cy="2852737"/>
-          </a:xfrm>
-        </p:spPr>
-        <p:txBody>
-          <a:bodyPr anchor="b"/>
+            <a:off x="684211" y="2006600"/>
+            <a:ext cx="8534401" cy="2281600"/>
+          </a:xfrm>
+        </p:spPr>
+        <p:txBody>
+          <a:bodyPr anchor="b">
+            <a:normAutofit/>
+          </a:bodyPr>
           <a:lstStyle>
-            <a:lvl1pPr>
-              <a:defRPr sz="6000"/>
+            <a:lvl1pPr algn="l">
+              <a:defRPr sz="3600" b="0" cap="all"/>
             </a:lvl1pPr>
           </a:lstStyle>
           <a:p>
@@ -988,18 +2922,13 @@
               <a:rPr lang="pt-BR"/>
               <a:t>Clique para editar o título Mestre</a:t>
             </a:r>
-          </a:p>
-        </p:txBody>
-      </p:sp>
-      <p:sp>
-        <p:nvSpPr>
-          <p:cNvPr id="3" name="Espaço Reservado para Texto 2">
-            <a:extLst>
-              <a:ext uri="{FF2B5EF4-FFF2-40B4-BE49-F238E27FC236}">
-                <a16:creationId xmlns:a16="http://schemas.microsoft.com/office/drawing/2014/main" id="{F976122A-0825-4FB1-9211-1E3895F8C8CB}"/>
-              </a:ext>
-            </a:extLst>
-          </p:cNvPr>
+            <a:endParaRPr lang="en-US" dirty="0"/>
+          </a:p>
+        </p:txBody>
+      </p:sp>
+      <p:sp>
+        <p:nvSpPr>
+          <p:cNvPr id="3" name="Text Placeholder 2"/>
           <p:cNvSpPr>
             <a:spLocks noGrp="1"/>
           </p:cNvSpPr>
@@ -1009,102 +2938,104 @@
         </p:nvSpPr>
         <p:spPr>
           <a:xfrm>
-            <a:off x="831850" y="4589463"/>
-            <a:ext cx="10515600" cy="1500187"/>
-          </a:xfrm>
-        </p:spPr>
-        <p:txBody>
-          <a:bodyPr/>
+            <a:off x="684213" y="4495800"/>
+            <a:ext cx="8534400" cy="1498600"/>
+          </a:xfrm>
+        </p:spPr>
+        <p:txBody>
+          <a:bodyPr anchor="t">
+            <a:normAutofit/>
+          </a:bodyPr>
           <a:lstStyle>
-            <a:lvl1pPr marL="0" indent="0">
-              <a:buNone/>
-              <a:defRPr sz="2400">
+            <a:lvl1pPr marL="0" indent="0" algn="l">
+              <a:buNone/>
+              <a:defRPr sz="1800">
+                <a:solidFill>
+                  <a:schemeClr val="bg2">
+                    <a:lumMod val="75000"/>
+                  </a:schemeClr>
+                </a:solidFill>
+              </a:defRPr>
+            </a:lvl1pPr>
+            <a:lvl2pPr marL="457200" indent="0">
+              <a:buNone/>
+              <a:defRPr sz="1800">
                 <a:solidFill>
                   <a:schemeClr val="tx1">
                     <a:tint val="75000"/>
                   </a:schemeClr>
                 </a:solidFill>
               </a:defRPr>
-            </a:lvl1pPr>
-            <a:lvl2pPr marL="457200" indent="0">
-              <a:buNone/>
-              <a:defRPr sz="2000">
+            </a:lvl2pPr>
+            <a:lvl3pPr marL="914400" indent="0">
+              <a:buNone/>
+              <a:defRPr sz="1600">
                 <a:solidFill>
                   <a:schemeClr val="tx1">
                     <a:tint val="75000"/>
                   </a:schemeClr>
                 </a:solidFill>
               </a:defRPr>
-            </a:lvl2pPr>
-            <a:lvl3pPr marL="914400" indent="0">
-              <a:buNone/>
-              <a:defRPr sz="1800">
+            </a:lvl3pPr>
+            <a:lvl4pPr marL="1371600" indent="0">
+              <a:buNone/>
+              <a:defRPr sz="1400">
                 <a:solidFill>
                   <a:schemeClr val="tx1">
                     <a:tint val="75000"/>
                   </a:schemeClr>
                 </a:solidFill>
               </a:defRPr>
-            </a:lvl3pPr>
-            <a:lvl4pPr marL="1371600" indent="0">
-              <a:buNone/>
-              <a:defRPr sz="1600">
+            </a:lvl4pPr>
+            <a:lvl5pPr marL="1828800" indent="0">
+              <a:buNone/>
+              <a:defRPr sz="1400">
                 <a:solidFill>
                   <a:schemeClr val="tx1">
                     <a:tint val="75000"/>
                   </a:schemeClr>
                 </a:solidFill>
               </a:defRPr>
-            </a:lvl4pPr>
-            <a:lvl5pPr marL="1828800" indent="0">
-              <a:buNone/>
-              <a:defRPr sz="1600">
+            </a:lvl5pPr>
+            <a:lvl6pPr marL="2286000" indent="0">
+              <a:buNone/>
+              <a:defRPr sz="1400">
                 <a:solidFill>
                   <a:schemeClr val="tx1">
                     <a:tint val="75000"/>
                   </a:schemeClr>
                 </a:solidFill>
               </a:defRPr>
-            </a:lvl5pPr>
-            <a:lvl6pPr marL="2286000" indent="0">
-              <a:buNone/>
-              <a:defRPr sz="1600">
+            </a:lvl6pPr>
+            <a:lvl7pPr marL="2743200" indent="0">
+              <a:buNone/>
+              <a:defRPr sz="1400">
                 <a:solidFill>
                   <a:schemeClr val="tx1">
                     <a:tint val="75000"/>
                   </a:schemeClr>
                 </a:solidFill>
               </a:defRPr>
-            </a:lvl6pPr>
-            <a:lvl7pPr marL="2743200" indent="0">
-              <a:buNone/>
-              <a:defRPr sz="1600">
+            </a:lvl7pPr>
+            <a:lvl8pPr marL="3200400" indent="0">
+              <a:buNone/>
+              <a:defRPr sz="1400">
                 <a:solidFill>
                   <a:schemeClr val="tx1">
                     <a:tint val="75000"/>
                   </a:schemeClr>
                 </a:solidFill>
               </a:defRPr>
-            </a:lvl7pPr>
-            <a:lvl8pPr marL="3200400" indent="0">
-              <a:buNone/>
-              <a:defRPr sz="1600">
+            </a:lvl8pPr>
+            <a:lvl9pPr marL="3657600" indent="0">
+              <a:buNone/>
+              <a:defRPr sz="1400">
                 <a:solidFill>
                   <a:schemeClr val="tx1">
                     <a:tint val="75000"/>
                   </a:schemeClr>
                 </a:solidFill>
               </a:defRPr>
-            </a:lvl8pPr>
-            <a:lvl9pPr marL="3657600" indent="0">
-              <a:buNone/>
-              <a:defRPr sz="1600">
-                <a:solidFill>
-                  <a:schemeClr val="tx1">
-                    <a:tint val="75000"/>
-                  </a:schemeClr>
-                </a:solidFill>
-              </a:defRPr>
             </a:lvl9pPr>
           </a:lstStyle>
           <a:p>
@@ -1118,13 +3049,7 @@
       </p:sp>
       <p:sp>
         <p:nvSpPr>
-          <p:cNvPr id="4" name="Espaço Reservado para Data 3">
-            <a:extLst>
-              <a:ext uri="{FF2B5EF4-FFF2-40B4-BE49-F238E27FC236}">
-                <a16:creationId xmlns:a16="http://schemas.microsoft.com/office/drawing/2014/main" id="{B2C805EF-64E1-4759-9065-CB3C5770F2AF}"/>
-              </a:ext>
-            </a:extLst>
-          </p:cNvPr>
+          <p:cNvPr id="4" name="Date Placeholder 3"/>
           <p:cNvSpPr>
             <a:spLocks noGrp="1"/>
           </p:cNvSpPr>
@@ -1139,7 +3064,7 @@
           <a:p>
             <a:fld id="{E5F489EA-7554-4283-AE26-836974D705D5}" type="datetimeFigureOut">
               <a:rPr lang="pt-BR" smtClean="0"/>
-              <a:t>06/08/2021</a:t>
+              <a:t>09/08/2021</a:t>
             </a:fld>
             <a:endParaRPr lang="pt-BR"/>
           </a:p>
@@ -1147,13 +3072,7 @@
       </p:sp>
       <p:sp>
         <p:nvSpPr>
-          <p:cNvPr id="5" name="Espaço Reservado para Rodapé 4">
-            <a:extLst>
-              <a:ext uri="{FF2B5EF4-FFF2-40B4-BE49-F238E27FC236}">
-                <a16:creationId xmlns:a16="http://schemas.microsoft.com/office/drawing/2014/main" id="{A7675CFF-9DB4-4C7C-A12A-261A3A6770FD}"/>
-              </a:ext>
-            </a:extLst>
-          </p:cNvPr>
+          <p:cNvPr id="5" name="Footer Placeholder 4"/>
           <p:cNvSpPr>
             <a:spLocks noGrp="1"/>
           </p:cNvSpPr>
@@ -1172,13 +3091,7 @@
       </p:sp>
       <p:sp>
         <p:nvSpPr>
-          <p:cNvPr id="6" name="Espaço Reservado para Número de Slide 5">
-            <a:extLst>
-              <a:ext uri="{FF2B5EF4-FFF2-40B4-BE49-F238E27FC236}">
-                <a16:creationId xmlns:a16="http://schemas.microsoft.com/office/drawing/2014/main" id="{693877A8-DE23-42D2-B920-B01848CDDFCA}"/>
-              </a:ext>
-            </a:extLst>
-          </p:cNvPr>
+          <p:cNvPr id="6" name="Slide Number Placeholder 5"/>
           <p:cNvSpPr>
             <a:spLocks noGrp="1"/>
           </p:cNvSpPr>
@@ -1202,7 +3115,7 @@
     </p:spTree>
     <p:extLst>
       <p:ext uri="{BB962C8B-B14F-4D97-AF65-F5344CB8AC3E}">
-        <p14:creationId xmlns:p14="http://schemas.microsoft.com/office/powerpoint/2010/main" val="1562894438"/>
+        <p14:creationId xmlns:p14="http://schemas.microsoft.com/office/powerpoint/2010/main" val="94712999"/>
       </p:ext>
     </p:extLst>
   </p:cSld>
@@ -1231,13 +3144,7 @@
       </p:grpSpPr>
       <p:sp>
         <p:nvSpPr>
-          <p:cNvPr id="2" name="Título 1">
-            <a:extLst>
-              <a:ext uri="{FF2B5EF4-FFF2-40B4-BE49-F238E27FC236}">
-                <a16:creationId xmlns:a16="http://schemas.microsoft.com/office/drawing/2014/main" id="{B2ECDC7F-5148-4311-94C6-9B5BCB1BFABB}"/>
-              </a:ext>
-            </a:extLst>
-          </p:cNvPr>
+          <p:cNvPr id="2" name="Title 1"/>
           <p:cNvSpPr>
             <a:spLocks noGrp="1"/>
           </p:cNvSpPr>
@@ -1254,18 +3161,13 @@
               <a:rPr lang="pt-BR"/>
               <a:t>Clique para editar o título Mestre</a:t>
             </a:r>
-          </a:p>
-        </p:txBody>
-      </p:sp>
-      <p:sp>
-        <p:nvSpPr>
-          <p:cNvPr id="3" name="Espaço Reservado para Conteúdo 2">
-            <a:extLst>
-              <a:ext uri="{FF2B5EF4-FFF2-40B4-BE49-F238E27FC236}">
-                <a16:creationId xmlns:a16="http://schemas.microsoft.com/office/drawing/2014/main" id="{0A9B091B-B1E4-4DAC-BE4C-9E0D2AB78713}"/>
-              </a:ext>
-            </a:extLst>
-          </p:cNvPr>
+            <a:endParaRPr lang="en-US" dirty="0"/>
+          </a:p>
+        </p:txBody>
+      </p:sp>
+      <p:sp>
+        <p:nvSpPr>
+          <p:cNvPr id="3" name="Content Placeholder 2"/>
           <p:cNvSpPr>
             <a:spLocks noGrp="1"/>
           </p:cNvSpPr>
@@ -1275,12 +3177,14 @@
         </p:nvSpPr>
         <p:spPr>
           <a:xfrm>
-            <a:off x="838200" y="1825625"/>
-            <a:ext cx="5181600" cy="4351338"/>
-          </a:xfrm>
-        </p:spPr>
-        <p:txBody>
-          <a:bodyPr/>
+            <a:off x="684211" y="685800"/>
+            <a:ext cx="4937655" cy="3615267"/>
+          </a:xfrm>
+        </p:spPr>
+        <p:txBody>
+          <a:bodyPr>
+            <a:normAutofit/>
+          </a:bodyPr>
           <a:lstStyle/>
           <a:p>
             <a:pPr lvl="0"/>
@@ -1316,18 +3220,13 @@
               <a:rPr lang="pt-BR"/>
               <a:t>Quinto nível</a:t>
             </a:r>
-          </a:p>
-        </p:txBody>
-      </p:sp>
-      <p:sp>
-        <p:nvSpPr>
-          <p:cNvPr id="4" name="Espaço Reservado para Conteúdo 3">
-            <a:extLst>
-              <a:ext uri="{FF2B5EF4-FFF2-40B4-BE49-F238E27FC236}">
-                <a16:creationId xmlns:a16="http://schemas.microsoft.com/office/drawing/2014/main" id="{48617D6A-E36D-41EF-B4EC-F4F6DB8D8C75}"/>
-              </a:ext>
-            </a:extLst>
-          </p:cNvPr>
+            <a:endParaRPr lang="en-US" dirty="0"/>
+          </a:p>
+        </p:txBody>
+      </p:sp>
+      <p:sp>
+        <p:nvSpPr>
+          <p:cNvPr id="4" name="Content Placeholder 3"/>
           <p:cNvSpPr>
             <a:spLocks noGrp="1"/>
           </p:cNvSpPr>
@@ -1337,12 +3236,14 @@
         </p:nvSpPr>
         <p:spPr>
           <a:xfrm>
-            <a:off x="6172200" y="1825625"/>
-            <a:ext cx="5181600" cy="4351338"/>
-          </a:xfrm>
-        </p:spPr>
-        <p:txBody>
-          <a:bodyPr/>
+            <a:off x="5808133" y="685801"/>
+            <a:ext cx="4934479" cy="3615266"/>
+          </a:xfrm>
+        </p:spPr>
+        <p:txBody>
+          <a:bodyPr>
+            <a:normAutofit/>
+          </a:bodyPr>
           <a:lstStyle/>
           <a:p>
             <a:pPr lvl="0"/>
@@ -1378,18 +3279,13 @@
               <a:rPr lang="pt-BR"/>
               <a:t>Quinto nível</a:t>
             </a:r>
-          </a:p>
-        </p:txBody>
-      </p:sp>
-      <p:sp>
-        <p:nvSpPr>
-          <p:cNvPr id="5" name="Espaço Reservado para Data 4">
-            <a:extLst>
-              <a:ext uri="{FF2B5EF4-FFF2-40B4-BE49-F238E27FC236}">
-                <a16:creationId xmlns:a16="http://schemas.microsoft.com/office/drawing/2014/main" id="{74E4D313-E2C2-45F6-A5A7-4200CF250A24}"/>
-              </a:ext>
-            </a:extLst>
-          </p:cNvPr>
+            <a:endParaRPr lang="en-US" dirty="0"/>
+          </a:p>
+        </p:txBody>
+      </p:sp>
+      <p:sp>
+        <p:nvSpPr>
+          <p:cNvPr id="5" name="Date Placeholder 4"/>
           <p:cNvSpPr>
             <a:spLocks noGrp="1"/>
           </p:cNvSpPr>
@@ -1404,7 +3300,7 @@
           <a:p>
             <a:fld id="{E5F489EA-7554-4283-AE26-836974D705D5}" type="datetimeFigureOut">
               <a:rPr lang="pt-BR" smtClean="0"/>
-              <a:t>06/08/2021</a:t>
+              <a:t>09/08/2021</a:t>
             </a:fld>
             <a:endParaRPr lang="pt-BR"/>
           </a:p>
@@ -1412,13 +3308,7 @@
       </p:sp>
       <p:sp>
         <p:nvSpPr>
-          <p:cNvPr id="6" name="Espaço Reservado para Rodapé 5">
-            <a:extLst>
-              <a:ext uri="{FF2B5EF4-FFF2-40B4-BE49-F238E27FC236}">
-                <a16:creationId xmlns:a16="http://schemas.microsoft.com/office/drawing/2014/main" id="{0F312144-8C2B-4034-AFCF-49E6EA5783BA}"/>
-              </a:ext>
-            </a:extLst>
-          </p:cNvPr>
+          <p:cNvPr id="6" name="Footer Placeholder 5"/>
           <p:cNvSpPr>
             <a:spLocks noGrp="1"/>
           </p:cNvSpPr>
@@ -1437,13 +3327,7 @@
       </p:sp>
       <p:sp>
         <p:nvSpPr>
-          <p:cNvPr id="7" name="Espaço Reservado para Número de Slide 6">
-            <a:extLst>
-              <a:ext uri="{FF2B5EF4-FFF2-40B4-BE49-F238E27FC236}">
-                <a16:creationId xmlns:a16="http://schemas.microsoft.com/office/drawing/2014/main" id="{0D27CA7F-C3C1-45D7-8BE5-1223894D8670}"/>
-              </a:ext>
-            </a:extLst>
-          </p:cNvPr>
+          <p:cNvPr id="7" name="Slide Number Placeholder 6"/>
           <p:cNvSpPr>
             <a:spLocks noGrp="1"/>
           </p:cNvSpPr>
@@ -1467,7 +3351,7 @@
     </p:spTree>
     <p:extLst>
       <p:ext uri="{BB962C8B-B14F-4D97-AF65-F5344CB8AC3E}">
-        <p14:creationId xmlns:p14="http://schemas.microsoft.com/office/powerpoint/2010/main" val="1541097617"/>
+        <p14:creationId xmlns:p14="http://schemas.microsoft.com/office/powerpoint/2010/main" val="2595910228"/>
       </p:ext>
     </p:extLst>
   </p:cSld>
@@ -1496,13 +3380,7 @@
       </p:grpSpPr>
       <p:sp>
         <p:nvSpPr>
-          <p:cNvPr id="2" name="Título 1">
-            <a:extLst>
-              <a:ext uri="{FF2B5EF4-FFF2-40B4-BE49-F238E27FC236}">
-                <a16:creationId xmlns:a16="http://schemas.microsoft.com/office/drawing/2014/main" id="{E84603FF-7059-42B3-AAB7-F48D9DC2A14D}"/>
-              </a:ext>
-            </a:extLst>
-          </p:cNvPr>
+          <p:cNvPr id="2" name="Title 1"/>
           <p:cNvSpPr>
             <a:spLocks noGrp="1"/>
           </p:cNvSpPr>
@@ -1510,51 +3388,51 @@
             <p:ph type="title"/>
           </p:nvPr>
         </p:nvSpPr>
+        <p:spPr/>
+        <p:txBody>
+          <a:bodyPr/>
+          <a:lstStyle>
+            <a:lvl1pPr>
+              <a:defRPr/>
+            </a:lvl1pPr>
+          </a:lstStyle>
+          <a:p>
+            <a:r>
+              <a:rPr lang="pt-BR"/>
+              <a:t>Clique para editar o título Mestre</a:t>
+            </a:r>
+            <a:endParaRPr lang="en-US" dirty="0"/>
+          </a:p>
+        </p:txBody>
+      </p:sp>
+      <p:sp>
+        <p:nvSpPr>
+          <p:cNvPr id="3" name="Text Placeholder 2"/>
+          <p:cNvSpPr>
+            <a:spLocks noGrp="1"/>
+          </p:cNvSpPr>
+          <p:nvPr>
+            <p:ph type="body" idx="1"/>
+          </p:nvPr>
+        </p:nvSpPr>
         <p:spPr>
           <a:xfrm>
-            <a:off x="839788" y="365125"/>
-            <a:ext cx="10515600" cy="1325563"/>
-          </a:xfrm>
-        </p:spPr>
-        <p:txBody>
-          <a:bodyPr/>
-          <a:lstStyle/>
-          <a:p>
-            <a:r>
-              <a:rPr lang="pt-BR"/>
-              <a:t>Clique para editar o título Mestre</a:t>
-            </a:r>
-          </a:p>
-        </p:txBody>
-      </p:sp>
-      <p:sp>
-        <p:nvSpPr>
-          <p:cNvPr id="3" name="Espaço Reservado para Texto 2">
-            <a:extLst>
-              <a:ext uri="{FF2B5EF4-FFF2-40B4-BE49-F238E27FC236}">
-                <a16:creationId xmlns:a16="http://schemas.microsoft.com/office/drawing/2014/main" id="{4AC6438C-7490-4CBA-B91A-5C49D1E6709B}"/>
-              </a:ext>
-            </a:extLst>
-          </p:cNvPr>
-          <p:cNvSpPr>
-            <a:spLocks noGrp="1"/>
-          </p:cNvSpPr>
-          <p:nvPr>
-            <p:ph type="body" idx="1"/>
-          </p:nvPr>
-        </p:nvSpPr>
-        <p:spPr>
-          <a:xfrm>
-            <a:off x="839788" y="1681163"/>
-            <a:ext cx="5157787" cy="823912"/>
-          </a:xfrm>
-        </p:spPr>
-        <p:txBody>
-          <a:bodyPr anchor="b"/>
+            <a:off x="972080" y="685800"/>
+            <a:ext cx="4649787" cy="576262"/>
+          </a:xfrm>
+        </p:spPr>
+        <p:txBody>
+          <a:bodyPr anchor="b">
+            <a:noAutofit/>
+          </a:bodyPr>
           <a:lstStyle>
             <a:lvl1pPr marL="0" indent="0">
               <a:buNone/>
-              <a:defRPr sz="2400" b="1"/>
+              <a:defRPr sz="2800" b="0">
+                <a:solidFill>
+                  <a:schemeClr val="tx1"/>
+                </a:solidFill>
+              </a:defRPr>
             </a:lvl1pPr>
             <a:lvl2pPr marL="457200" indent="0">
               <a:buNone/>
@@ -1600,13 +3478,7 @@
       </p:sp>
       <p:sp>
         <p:nvSpPr>
-          <p:cNvPr id="4" name="Espaço Reservado para Conteúdo 3">
-            <a:extLst>
-              <a:ext uri="{FF2B5EF4-FFF2-40B4-BE49-F238E27FC236}">
-                <a16:creationId xmlns:a16="http://schemas.microsoft.com/office/drawing/2014/main" id="{8ED90F33-366C-494C-B165-76E613E767E2}"/>
-              </a:ext>
-            </a:extLst>
-          </p:cNvPr>
+          <p:cNvPr id="4" name="Content Placeholder 3"/>
           <p:cNvSpPr>
             <a:spLocks noGrp="1"/>
           </p:cNvSpPr>
@@ -1616,12 +3488,14 @@
         </p:nvSpPr>
         <p:spPr>
           <a:xfrm>
-            <a:off x="839788" y="2505075"/>
-            <a:ext cx="5157787" cy="3684588"/>
-          </a:xfrm>
-        </p:spPr>
-        <p:txBody>
-          <a:bodyPr/>
+            <a:off x="684211" y="1270529"/>
+            <a:ext cx="4937655" cy="3030538"/>
+          </a:xfrm>
+        </p:spPr>
+        <p:txBody>
+          <a:bodyPr anchor="t">
+            <a:normAutofit/>
+          </a:bodyPr>
           <a:lstStyle/>
           <a:p>
             <a:pPr lvl="0"/>
@@ -1657,18 +3531,13 @@
               <a:rPr lang="pt-BR"/>
               <a:t>Quinto nível</a:t>
             </a:r>
-          </a:p>
-        </p:txBody>
-      </p:sp>
-      <p:sp>
-        <p:nvSpPr>
-          <p:cNvPr id="5" name="Espaço Reservado para Texto 4">
-            <a:extLst>
-              <a:ext uri="{FF2B5EF4-FFF2-40B4-BE49-F238E27FC236}">
-                <a16:creationId xmlns:a16="http://schemas.microsoft.com/office/drawing/2014/main" id="{6F99A7E5-51A1-4EC1-A8B5-993DC7762027}"/>
-              </a:ext>
-            </a:extLst>
-          </p:cNvPr>
+            <a:endParaRPr lang="en-US" dirty="0"/>
+          </a:p>
+        </p:txBody>
+      </p:sp>
+      <p:sp>
+        <p:nvSpPr>
+          <p:cNvPr id="5" name="Text Placeholder 4"/>
           <p:cNvSpPr>
             <a:spLocks noGrp="1"/>
           </p:cNvSpPr>
@@ -1678,16 +3547,22 @@
         </p:nvSpPr>
         <p:spPr>
           <a:xfrm>
-            <a:off x="6172200" y="1681163"/>
-            <a:ext cx="5183188" cy="823912"/>
-          </a:xfrm>
-        </p:spPr>
-        <p:txBody>
-          <a:bodyPr anchor="b"/>
+            <a:off x="6079066" y="685800"/>
+            <a:ext cx="4665134" cy="576262"/>
+          </a:xfrm>
+        </p:spPr>
+        <p:txBody>
+          <a:bodyPr anchor="b">
+            <a:noAutofit/>
+          </a:bodyPr>
           <a:lstStyle>
             <a:lvl1pPr marL="0" indent="0">
               <a:buNone/>
-              <a:defRPr sz="2400" b="1"/>
+              <a:defRPr sz="2800" b="0">
+                <a:solidFill>
+                  <a:schemeClr val="tx1"/>
+                </a:solidFill>
+              </a:defRPr>
             </a:lvl1pPr>
             <a:lvl2pPr marL="457200" indent="0">
               <a:buNone/>
@@ -1733,13 +3608,7 @@
       </p:sp>
       <p:sp>
         <p:nvSpPr>
-          <p:cNvPr id="6" name="Espaço Reservado para Conteúdo 5">
-            <a:extLst>
-              <a:ext uri="{FF2B5EF4-FFF2-40B4-BE49-F238E27FC236}">
-                <a16:creationId xmlns:a16="http://schemas.microsoft.com/office/drawing/2014/main" id="{1ED652D1-4B32-4258-B48A-476FF845A73B}"/>
-              </a:ext>
-            </a:extLst>
-          </p:cNvPr>
+          <p:cNvPr id="6" name="Content Placeholder 5"/>
           <p:cNvSpPr>
             <a:spLocks noGrp="1"/>
           </p:cNvSpPr>
@@ -1749,12 +3618,14 @@
         </p:nvSpPr>
         <p:spPr>
           <a:xfrm>
-            <a:off x="6172200" y="2505075"/>
-            <a:ext cx="5183188" cy="3684588"/>
-          </a:xfrm>
-        </p:spPr>
-        <p:txBody>
-          <a:bodyPr/>
+            <a:off x="5806545" y="1262062"/>
+            <a:ext cx="4929188" cy="3030538"/>
+          </a:xfrm>
+        </p:spPr>
+        <p:txBody>
+          <a:bodyPr anchor="t">
+            <a:normAutofit/>
+          </a:bodyPr>
           <a:lstStyle/>
           <a:p>
             <a:pPr lvl="0"/>
@@ -1790,18 +3661,13 @@
               <a:rPr lang="pt-BR"/>
               <a:t>Quinto nível</a:t>
             </a:r>
-          </a:p>
-        </p:txBody>
-      </p:sp>
-      <p:sp>
-        <p:nvSpPr>
-          <p:cNvPr id="7" name="Espaço Reservado para Data 6">
-            <a:extLst>
-              <a:ext uri="{FF2B5EF4-FFF2-40B4-BE49-F238E27FC236}">
-                <a16:creationId xmlns:a16="http://schemas.microsoft.com/office/drawing/2014/main" id="{3E2366EF-CB11-4500-A620-76A4FF6061B9}"/>
-              </a:ext>
-            </a:extLst>
-          </p:cNvPr>
+            <a:endParaRPr lang="en-US" dirty="0"/>
+          </a:p>
+        </p:txBody>
+      </p:sp>
+      <p:sp>
+        <p:nvSpPr>
+          <p:cNvPr id="7" name="Date Placeholder 6"/>
           <p:cNvSpPr>
             <a:spLocks noGrp="1"/>
           </p:cNvSpPr>
@@ -1816,7 +3682,7 @@
           <a:p>
             <a:fld id="{E5F489EA-7554-4283-AE26-836974D705D5}" type="datetimeFigureOut">
               <a:rPr lang="pt-BR" smtClean="0"/>
-              <a:t>06/08/2021</a:t>
+              <a:t>09/08/2021</a:t>
             </a:fld>
             <a:endParaRPr lang="pt-BR"/>
           </a:p>
@@ -1824,13 +3690,7 @@
       </p:sp>
       <p:sp>
         <p:nvSpPr>
-          <p:cNvPr id="8" name="Espaço Reservado para Rodapé 7">
-            <a:extLst>
-              <a:ext uri="{FF2B5EF4-FFF2-40B4-BE49-F238E27FC236}">
-                <a16:creationId xmlns:a16="http://schemas.microsoft.com/office/drawing/2014/main" id="{11856638-843A-4D7F-8E91-E53469C740F4}"/>
-              </a:ext>
-            </a:extLst>
-          </p:cNvPr>
+          <p:cNvPr id="8" name="Footer Placeholder 7"/>
           <p:cNvSpPr>
             <a:spLocks noGrp="1"/>
           </p:cNvSpPr>
@@ -1849,13 +3709,7 @@
       </p:sp>
       <p:sp>
         <p:nvSpPr>
-          <p:cNvPr id="9" name="Espaço Reservado para Número de Slide 8">
-            <a:extLst>
-              <a:ext uri="{FF2B5EF4-FFF2-40B4-BE49-F238E27FC236}">
-                <a16:creationId xmlns:a16="http://schemas.microsoft.com/office/drawing/2014/main" id="{D7F2D672-7976-477C-B49D-8279CBDA3915}"/>
-              </a:ext>
-            </a:extLst>
-          </p:cNvPr>
+          <p:cNvPr id="9" name="Slide Number Placeholder 8"/>
           <p:cNvSpPr>
             <a:spLocks noGrp="1"/>
           </p:cNvSpPr>
@@ -1879,7 +3733,7 @@
     </p:spTree>
     <p:extLst>
       <p:ext uri="{BB962C8B-B14F-4D97-AF65-F5344CB8AC3E}">
-        <p14:creationId xmlns:p14="http://schemas.microsoft.com/office/powerpoint/2010/main" val="2385447162"/>
+        <p14:creationId xmlns:p14="http://schemas.microsoft.com/office/powerpoint/2010/main" val="213381430"/>
       </p:ext>
     </p:extLst>
   </p:cSld>
@@ -1908,13 +3762,7 @@
       </p:grpSpPr>
       <p:sp>
         <p:nvSpPr>
-          <p:cNvPr id="2" name="Título 1">
-            <a:extLst>
-              <a:ext uri="{FF2B5EF4-FFF2-40B4-BE49-F238E27FC236}">
-                <a16:creationId xmlns:a16="http://schemas.microsoft.com/office/drawing/2014/main" id="{0DCBB9FC-7F79-4323-A4B3-5EC165927946}"/>
-              </a:ext>
-            </a:extLst>
-          </p:cNvPr>
+          <p:cNvPr id="2" name="Title 1"/>
           <p:cNvSpPr>
             <a:spLocks noGrp="1"/>
           </p:cNvSpPr>
@@ -1931,18 +3779,13 @@
               <a:rPr lang="pt-BR"/>
               <a:t>Clique para editar o título Mestre</a:t>
             </a:r>
-          </a:p>
-        </p:txBody>
-      </p:sp>
-      <p:sp>
-        <p:nvSpPr>
-          <p:cNvPr id="3" name="Espaço Reservado para Data 2">
-            <a:extLst>
-              <a:ext uri="{FF2B5EF4-FFF2-40B4-BE49-F238E27FC236}">
-                <a16:creationId xmlns:a16="http://schemas.microsoft.com/office/drawing/2014/main" id="{FAFD7EC0-89CB-4379-9BEA-395464F564CB}"/>
-              </a:ext>
-            </a:extLst>
-          </p:cNvPr>
+            <a:endParaRPr lang="en-US" dirty="0"/>
+          </a:p>
+        </p:txBody>
+      </p:sp>
+      <p:sp>
+        <p:nvSpPr>
+          <p:cNvPr id="3" name="Date Placeholder 2"/>
           <p:cNvSpPr>
             <a:spLocks noGrp="1"/>
           </p:cNvSpPr>
@@ -1957,7 +3800,7 @@
           <a:p>
             <a:fld id="{E5F489EA-7554-4283-AE26-836974D705D5}" type="datetimeFigureOut">
               <a:rPr lang="pt-BR" smtClean="0"/>
-              <a:t>06/08/2021</a:t>
+              <a:t>09/08/2021</a:t>
             </a:fld>
             <a:endParaRPr lang="pt-BR"/>
           </a:p>
@@ -1965,13 +3808,7 @@
       </p:sp>
       <p:sp>
         <p:nvSpPr>
-          <p:cNvPr id="4" name="Espaço Reservado para Rodapé 3">
-            <a:extLst>
-              <a:ext uri="{FF2B5EF4-FFF2-40B4-BE49-F238E27FC236}">
-                <a16:creationId xmlns:a16="http://schemas.microsoft.com/office/drawing/2014/main" id="{1702E79D-1782-485C-AE4F-41F4076406A1}"/>
-              </a:ext>
-            </a:extLst>
-          </p:cNvPr>
+          <p:cNvPr id="4" name="Footer Placeholder 3"/>
           <p:cNvSpPr>
             <a:spLocks noGrp="1"/>
           </p:cNvSpPr>
@@ -1990,13 +3827,7 @@
       </p:sp>
       <p:sp>
         <p:nvSpPr>
-          <p:cNvPr id="5" name="Espaço Reservado para Número de Slide 4">
-            <a:extLst>
-              <a:ext uri="{FF2B5EF4-FFF2-40B4-BE49-F238E27FC236}">
-                <a16:creationId xmlns:a16="http://schemas.microsoft.com/office/drawing/2014/main" id="{B5B927A6-524A-4C0C-9C2D-6492EE27C029}"/>
-              </a:ext>
-            </a:extLst>
-          </p:cNvPr>
+          <p:cNvPr id="5" name="Slide Number Placeholder 4"/>
           <p:cNvSpPr>
             <a:spLocks noGrp="1"/>
           </p:cNvSpPr>
@@ -2020,7 +3851,7 @@
     </p:spTree>
     <p:extLst>
       <p:ext uri="{BB962C8B-B14F-4D97-AF65-F5344CB8AC3E}">
-        <p14:creationId xmlns:p14="http://schemas.microsoft.com/office/powerpoint/2010/main" val="2475279712"/>
+        <p14:creationId xmlns:p14="http://schemas.microsoft.com/office/powerpoint/2010/main" val="3743065293"/>
       </p:ext>
     </p:extLst>
   </p:cSld>
@@ -2049,13 +3880,7 @@
       </p:grpSpPr>
       <p:sp>
         <p:nvSpPr>
-          <p:cNvPr id="2" name="Espaço Reservado para Data 1">
-            <a:extLst>
-              <a:ext uri="{FF2B5EF4-FFF2-40B4-BE49-F238E27FC236}">
-                <a16:creationId xmlns:a16="http://schemas.microsoft.com/office/drawing/2014/main" id="{057D4C91-21E0-42AC-96D8-573F6DF18528}"/>
-              </a:ext>
-            </a:extLst>
-          </p:cNvPr>
+          <p:cNvPr id="2" name="Date Placeholder 1"/>
           <p:cNvSpPr>
             <a:spLocks noGrp="1"/>
           </p:cNvSpPr>
@@ -2070,7 +3895,7 @@
           <a:p>
             <a:fld id="{E5F489EA-7554-4283-AE26-836974D705D5}" type="datetimeFigureOut">
               <a:rPr lang="pt-BR" smtClean="0"/>
-              <a:t>06/08/2021</a:t>
+              <a:t>09/08/2021</a:t>
             </a:fld>
             <a:endParaRPr lang="pt-BR"/>
           </a:p>
@@ -2078,13 +3903,7 @@
       </p:sp>
       <p:sp>
         <p:nvSpPr>
-          <p:cNvPr id="3" name="Espaço Reservado para Rodapé 2">
-            <a:extLst>
-              <a:ext uri="{FF2B5EF4-FFF2-40B4-BE49-F238E27FC236}">
-                <a16:creationId xmlns:a16="http://schemas.microsoft.com/office/drawing/2014/main" id="{0F6FCE1C-5188-474F-BEA4-6D0625101ABB}"/>
-              </a:ext>
-            </a:extLst>
-          </p:cNvPr>
+          <p:cNvPr id="3" name="Footer Placeholder 2"/>
           <p:cNvSpPr>
             <a:spLocks noGrp="1"/>
           </p:cNvSpPr>
@@ -2103,13 +3922,7 @@
       </p:sp>
       <p:sp>
         <p:nvSpPr>
-          <p:cNvPr id="4" name="Espaço Reservado para Número de Slide 3">
-            <a:extLst>
-              <a:ext uri="{FF2B5EF4-FFF2-40B4-BE49-F238E27FC236}">
-                <a16:creationId xmlns:a16="http://schemas.microsoft.com/office/drawing/2014/main" id="{05B584ED-B185-433B-AF49-C8B6B127015A}"/>
-              </a:ext>
-            </a:extLst>
-          </p:cNvPr>
+          <p:cNvPr id="4" name="Slide Number Placeholder 3"/>
           <p:cNvSpPr>
             <a:spLocks noGrp="1"/>
           </p:cNvSpPr>
@@ -2133,7 +3946,7 @@
     </p:spTree>
     <p:extLst>
       <p:ext uri="{BB962C8B-B14F-4D97-AF65-F5344CB8AC3E}">
-        <p14:creationId xmlns:p14="http://schemas.microsoft.com/office/powerpoint/2010/main" val="1589230057"/>
+        <p14:creationId xmlns:p14="http://schemas.microsoft.com/office/powerpoint/2010/main" val="3857750857"/>
       </p:ext>
     </p:extLst>
   </p:cSld>
@@ -2162,13 +3975,7 @@
       </p:grpSpPr>
       <p:sp>
         <p:nvSpPr>
-          <p:cNvPr id="2" name="Título 1">
-            <a:extLst>
-              <a:ext uri="{FF2B5EF4-FFF2-40B4-BE49-F238E27FC236}">
-                <a16:creationId xmlns:a16="http://schemas.microsoft.com/office/drawing/2014/main" id="{10C61657-C4B8-42AA-B6F2-43FF935087A8}"/>
-              </a:ext>
-            </a:extLst>
-          </p:cNvPr>
+          <p:cNvPr id="2" name="Title 1"/>
           <p:cNvSpPr>
             <a:spLocks noGrp="1"/>
           </p:cNvSpPr>
@@ -2178,15 +3985,17 @@
         </p:nvSpPr>
         <p:spPr>
           <a:xfrm>
-            <a:off x="839788" y="457200"/>
-            <a:ext cx="3932237" cy="1600200"/>
-          </a:xfrm>
-        </p:spPr>
-        <p:txBody>
-          <a:bodyPr anchor="b"/>
+            <a:off x="7085012" y="685800"/>
+            <a:ext cx="3657600" cy="1371600"/>
+          </a:xfrm>
+        </p:spPr>
+        <p:txBody>
+          <a:bodyPr anchor="b">
+            <a:normAutofit/>
+          </a:bodyPr>
           <a:lstStyle>
-            <a:lvl1pPr>
-              <a:defRPr sz="3200"/>
+            <a:lvl1pPr algn="l">
+              <a:defRPr sz="2400" b="0"/>
             </a:lvl1pPr>
           </a:lstStyle>
           <a:p>
@@ -2194,18 +4003,13 @@
               <a:rPr lang="pt-BR"/>
               <a:t>Clique para editar o título Mestre</a:t>
             </a:r>
-          </a:p>
-        </p:txBody>
-      </p:sp>
-      <p:sp>
-        <p:nvSpPr>
-          <p:cNvPr id="3" name="Espaço Reservado para Conteúdo 2">
-            <a:extLst>
-              <a:ext uri="{FF2B5EF4-FFF2-40B4-BE49-F238E27FC236}">
-                <a16:creationId xmlns:a16="http://schemas.microsoft.com/office/drawing/2014/main" id="{B3D66EDE-C899-4EAE-9344-666C62A490FD}"/>
-              </a:ext>
-            </a:extLst>
-          </p:cNvPr>
+            <a:endParaRPr lang="en-US" dirty="0"/>
+          </a:p>
+        </p:txBody>
+      </p:sp>
+      <p:sp>
+        <p:nvSpPr>
+          <p:cNvPr id="3" name="Content Placeholder 2"/>
           <p:cNvSpPr>
             <a:spLocks noGrp="1"/>
           </p:cNvSpPr>
@@ -2215,41 +4019,15 @@
         </p:nvSpPr>
         <p:spPr>
           <a:xfrm>
-            <a:off x="5183188" y="987425"/>
-            <a:ext cx="6172200" cy="4873625"/>
-          </a:xfrm>
-        </p:spPr>
-        <p:txBody>
-          <a:bodyPr/>
-          <a:lstStyle>
-            <a:lvl1pPr>
-              <a:defRPr sz="3200"/>
-            </a:lvl1pPr>
-            <a:lvl2pPr>
-              <a:defRPr sz="2800"/>
-            </a:lvl2pPr>
-            <a:lvl3pPr>
-              <a:defRPr sz="2400"/>
-            </a:lvl3pPr>
-            <a:lvl4pPr>
-              <a:defRPr sz="2000"/>
-            </a:lvl4pPr>
-            <a:lvl5pPr>
-              <a:defRPr sz="2000"/>
-            </a:lvl5pPr>
-            <a:lvl6pPr>
-              <a:defRPr sz="2000"/>
-            </a:lvl6pPr>
-            <a:lvl7pPr>
-              <a:defRPr sz="2000"/>
-            </a:lvl7pPr>
-            <a:lvl8pPr>
-              <a:defRPr sz="2000"/>
-            </a:lvl8pPr>
-            <a:lvl9pPr>
-              <a:defRPr sz="2000"/>
-            </a:lvl9pPr>
-          </a:lstStyle>
+            <a:off x="684212" y="685800"/>
+            <a:ext cx="5943601" cy="5308600"/>
+          </a:xfrm>
+        </p:spPr>
+        <p:txBody>
+          <a:bodyPr anchor="ctr">
+            <a:normAutofit/>
+          </a:bodyPr>
+          <a:lstStyle/>
           <a:p>
             <a:pPr lvl="0"/>
             <a:r>
@@ -2284,18 +4062,13 @@
               <a:rPr lang="pt-BR"/>
               <a:t>Quinto nível</a:t>
             </a:r>
-          </a:p>
-        </p:txBody>
-      </p:sp>
-      <p:sp>
-        <p:nvSpPr>
-          <p:cNvPr id="4" name="Espaço Reservado para Texto 3">
-            <a:extLst>
-              <a:ext uri="{FF2B5EF4-FFF2-40B4-BE49-F238E27FC236}">
-                <a16:creationId xmlns:a16="http://schemas.microsoft.com/office/drawing/2014/main" id="{C0BB0030-3164-4431-9AF0-80C96737F171}"/>
-              </a:ext>
-            </a:extLst>
-          </p:cNvPr>
+            <a:endParaRPr lang="en-US" dirty="0"/>
+          </a:p>
+        </p:txBody>
+      </p:sp>
+      <p:sp>
+        <p:nvSpPr>
+          <p:cNvPr id="4" name="Text Placeholder 3"/>
           <p:cNvSpPr>
             <a:spLocks noGrp="1"/>
           </p:cNvSpPr>
@@ -2305,12 +4078,14 @@
         </p:nvSpPr>
         <p:spPr>
           <a:xfrm>
-            <a:off x="839788" y="2057400"/>
-            <a:ext cx="3932237" cy="3811588"/>
-          </a:xfrm>
-        </p:spPr>
-        <p:txBody>
-          <a:bodyPr/>
+            <a:off x="7085012" y="2209799"/>
+            <a:ext cx="3657600" cy="2091267"/>
+          </a:xfrm>
+        </p:spPr>
+        <p:txBody>
+          <a:bodyPr anchor="t">
+            <a:normAutofit/>
+          </a:bodyPr>
           <a:lstStyle>
             <a:lvl1pPr marL="0" indent="0">
               <a:buNone/>
@@ -2318,35 +4093,35 @@
             </a:lvl1pPr>
             <a:lvl2pPr marL="457200" indent="0">
               <a:buNone/>
-              <a:defRPr sz="1400"/>
+              <a:defRPr sz="1200"/>
             </a:lvl2pPr>
             <a:lvl3pPr marL="914400" indent="0">
               <a:buNone/>
-              <a:defRPr sz="1200"/>
+              <a:defRPr sz="1000"/>
             </a:lvl3pPr>
             <a:lvl4pPr marL="1371600" indent="0">
               <a:buNone/>
-              <a:defRPr sz="1000"/>
+              <a:defRPr sz="900"/>
             </a:lvl4pPr>
             <a:lvl5pPr marL="1828800" indent="0">
               <a:buNone/>
-              <a:defRPr sz="1000"/>
+              <a:defRPr sz="900"/>
             </a:lvl5pPr>
             <a:lvl6pPr marL="2286000" indent="0">
               <a:buNone/>
-              <a:defRPr sz="1000"/>
+              <a:defRPr sz="900"/>
             </a:lvl6pPr>
             <a:lvl7pPr marL="2743200" indent="0">
               <a:buNone/>
-              <a:defRPr sz="1000"/>
+              <a:defRPr sz="900"/>
             </a:lvl7pPr>
             <a:lvl8pPr marL="3200400" indent="0">
               <a:buNone/>
-              <a:defRPr sz="1000"/>
+              <a:defRPr sz="900"/>
             </a:lvl8pPr>
             <a:lvl9pPr marL="3657600" indent="0">
               <a:buNone/>
-              <a:defRPr sz="1000"/>
+              <a:defRPr sz="900"/>
             </a:lvl9pPr>
           </a:lstStyle>
           <a:p>
@@ -2360,13 +4135,7 @@
       </p:sp>
       <p:sp>
         <p:nvSpPr>
-          <p:cNvPr id="5" name="Espaço Reservado para Data 4">
-            <a:extLst>
-              <a:ext uri="{FF2B5EF4-FFF2-40B4-BE49-F238E27FC236}">
-                <a16:creationId xmlns:a16="http://schemas.microsoft.com/office/drawing/2014/main" id="{E2738658-4285-49BE-A7B2-04E7D4F5B055}"/>
-              </a:ext>
-            </a:extLst>
-          </p:cNvPr>
+          <p:cNvPr id="5" name="Date Placeholder 4"/>
           <p:cNvSpPr>
             <a:spLocks noGrp="1"/>
           </p:cNvSpPr>
@@ -2381,7 +4150,7 @@
           <a:p>
             <a:fld id="{E5F489EA-7554-4283-AE26-836974D705D5}" type="datetimeFigureOut">
               <a:rPr lang="pt-BR" smtClean="0"/>
-              <a:t>06/08/2021</a:t>
+              <a:t>09/08/2021</a:t>
             </a:fld>
             <a:endParaRPr lang="pt-BR"/>
           </a:p>
@@ -2389,13 +4158,7 @@
       </p:sp>
       <p:sp>
         <p:nvSpPr>
-          <p:cNvPr id="6" name="Espaço Reservado para Rodapé 5">
-            <a:extLst>
-              <a:ext uri="{FF2B5EF4-FFF2-40B4-BE49-F238E27FC236}">
-                <a16:creationId xmlns:a16="http://schemas.microsoft.com/office/drawing/2014/main" id="{26E9B7FA-96CC-4A9B-BB71-D931BDFF6980}"/>
-              </a:ext>
-            </a:extLst>
-          </p:cNvPr>
+          <p:cNvPr id="6" name="Footer Placeholder 5"/>
           <p:cNvSpPr>
             <a:spLocks noGrp="1"/>
           </p:cNvSpPr>
@@ -2414,13 +4177,7 @@
       </p:sp>
       <p:sp>
         <p:nvSpPr>
-          <p:cNvPr id="7" name="Espaço Reservado para Número de Slide 6">
-            <a:extLst>
-              <a:ext uri="{FF2B5EF4-FFF2-40B4-BE49-F238E27FC236}">
-                <a16:creationId xmlns:a16="http://schemas.microsoft.com/office/drawing/2014/main" id="{669312CC-7A30-427A-A256-89551B5A0AE9}"/>
-              </a:ext>
-            </a:extLst>
-          </p:cNvPr>
+          <p:cNvPr id="7" name="Slide Number Placeholder 6"/>
           <p:cNvSpPr>
             <a:spLocks noGrp="1"/>
           </p:cNvSpPr>
@@ -2444,7 +4201,7 @@
     </p:spTree>
     <p:extLst>
       <p:ext uri="{BB962C8B-B14F-4D97-AF65-F5344CB8AC3E}">
-        <p14:creationId xmlns:p14="http://schemas.microsoft.com/office/powerpoint/2010/main" val="3454540422"/>
+        <p14:creationId xmlns:p14="http://schemas.microsoft.com/office/powerpoint/2010/main" val="1768319693"/>
       </p:ext>
     </p:extLst>
   </p:cSld>
@@ -2473,13 +4230,7 @@
       </p:grpSpPr>
       <p:sp>
         <p:nvSpPr>
-          <p:cNvPr id="2" name="Título 1">
-            <a:extLst>
-              <a:ext uri="{FF2B5EF4-FFF2-40B4-BE49-F238E27FC236}">
-                <a16:creationId xmlns:a16="http://schemas.microsoft.com/office/drawing/2014/main" id="{8908DEB5-2C66-4B43-943F-5B81B8E1A16A}"/>
-              </a:ext>
-            </a:extLst>
-          </p:cNvPr>
+          <p:cNvPr id="2" name="Title 1"/>
           <p:cNvSpPr>
             <a:spLocks noGrp="1"/>
           </p:cNvSpPr>
@@ -2489,15 +4240,17 @@
         </p:nvSpPr>
         <p:spPr>
           <a:xfrm>
-            <a:off x="839788" y="457200"/>
-            <a:ext cx="3932237" cy="1600200"/>
-          </a:xfrm>
-        </p:spPr>
-        <p:txBody>
-          <a:bodyPr anchor="b"/>
+            <a:off x="4722812" y="1447800"/>
+            <a:ext cx="6019800" cy="1143000"/>
+          </a:xfrm>
+        </p:spPr>
+        <p:txBody>
+          <a:bodyPr anchor="b">
+            <a:normAutofit/>
+          </a:bodyPr>
           <a:lstStyle>
-            <a:lvl1pPr>
-              <a:defRPr sz="3200"/>
+            <a:lvl1pPr algn="l">
+              <a:defRPr sz="2800" b="0"/>
             </a:lvl1pPr>
           </a:lstStyle>
           <a:p>
@@ -2505,20 +4258,15 @@
               <a:rPr lang="pt-BR"/>
               <a:t>Clique para editar o título Mestre</a:t>
             </a:r>
-          </a:p>
-        </p:txBody>
-      </p:sp>
-      <p:sp>
-        <p:nvSpPr>
-          <p:cNvPr id="3" name="Espaço Reservado para Imagem 2">
-            <a:extLst>
-              <a:ext uri="{FF2B5EF4-FFF2-40B4-BE49-F238E27FC236}">
-                <a16:creationId xmlns:a16="http://schemas.microsoft.com/office/drawing/2014/main" id="{05C73F0A-BF4C-4A7E-BAB4-34BF898F8587}"/>
-              </a:ext>
-            </a:extLst>
-          </p:cNvPr>
-          <p:cNvSpPr>
-            <a:spLocks noGrp="1"/>
+            <a:endParaRPr lang="en-US" dirty="0"/>
+          </a:p>
+        </p:txBody>
+      </p:sp>
+      <p:sp>
+        <p:nvSpPr>
+          <p:cNvPr id="14" name="Picture Placeholder 2"/>
+          <p:cNvSpPr>
+            <a:spLocks noGrp="1" noChangeAspect="1"/>
           </p:cNvSpPr>
           <p:nvPr>
             <p:ph type="pic" idx="1"/>
@@ -2526,118 +4274,140 @@
         </p:nvSpPr>
         <p:spPr>
           <a:xfrm>
-            <a:off x="5183188" y="987425"/>
-            <a:ext cx="6172200" cy="4873625"/>
-          </a:xfrm>
-        </p:spPr>
-        <p:txBody>
-          <a:bodyPr/>
+            <a:off x="989012" y="914400"/>
+            <a:ext cx="3280974" cy="4572000"/>
+          </a:xfrm>
+          <a:prstGeom prst="snip2DiagRect">
+            <a:avLst>
+              <a:gd name="adj1" fmla="val 10815"/>
+              <a:gd name="adj2" fmla="val 0"/>
+            </a:avLst>
+          </a:prstGeom>
+          <a:ln w="15875">
+            <a:solidFill>
+              <a:schemeClr val="tx1">
+                <a:alpha val="40000"/>
+              </a:schemeClr>
+            </a:solidFill>
+          </a:ln>
+          <a:effectLst>
+            <a:innerShdw blurRad="57150" dist="38100" dir="14460000">
+              <a:srgbClr val="000000">
+                <a:alpha val="70000"/>
+              </a:srgbClr>
+            </a:innerShdw>
+          </a:effectLst>
+        </p:spPr>
+        <p:txBody>
+          <a:bodyPr anchor="t">
+            <a:normAutofit/>
+          </a:bodyPr>
           <a:lstStyle>
-            <a:lvl1pPr marL="0" indent="0">
-              <a:buNone/>
-              <a:defRPr sz="3200"/>
-            </a:lvl1pPr>
-            <a:lvl2pPr marL="457200" indent="0">
-              <a:buNone/>
-              <a:defRPr sz="2800"/>
-            </a:lvl2pPr>
-            <a:lvl3pPr marL="914400" indent="0">
-              <a:buNone/>
-              <a:defRPr sz="2400"/>
-            </a:lvl3pPr>
-            <a:lvl4pPr marL="1371600" indent="0">
-              <a:buNone/>
-              <a:defRPr sz="2000"/>
-            </a:lvl4pPr>
-            <a:lvl5pPr marL="1828800" indent="0">
-              <a:buNone/>
-              <a:defRPr sz="2000"/>
-            </a:lvl5pPr>
-            <a:lvl6pPr marL="2286000" indent="0">
-              <a:buNone/>
-              <a:defRPr sz="2000"/>
-            </a:lvl6pPr>
-            <a:lvl7pPr marL="2743200" indent="0">
-              <a:buNone/>
-              <a:defRPr sz="2000"/>
-            </a:lvl7pPr>
-            <a:lvl8pPr marL="3200400" indent="0">
-              <a:buNone/>
-              <a:defRPr sz="2000"/>
-            </a:lvl8pPr>
-            <a:lvl9pPr marL="3657600" indent="0">
-              <a:buNone/>
-              <a:defRPr sz="2000"/>
-            </a:lvl9pPr>
-          </a:lstStyle>
-          <a:p>
-            <a:endParaRPr lang="pt-BR"/>
-          </a:p>
-        </p:txBody>
-      </p:sp>
-      <p:sp>
-        <p:nvSpPr>
-          <p:cNvPr id="4" name="Espaço Reservado para Texto 3">
-            <a:extLst>
-              <a:ext uri="{FF2B5EF4-FFF2-40B4-BE49-F238E27FC236}">
-                <a16:creationId xmlns:a16="http://schemas.microsoft.com/office/drawing/2014/main" id="{09C06D9E-2DBD-4C90-9CC1-0DF7ABD23F33}"/>
-              </a:ext>
-            </a:extLst>
-          </p:cNvPr>
-          <p:cNvSpPr>
-            <a:spLocks noGrp="1"/>
-          </p:cNvSpPr>
-          <p:nvPr>
-            <p:ph type="body" sz="half" idx="2"/>
-          </p:nvPr>
-        </p:nvSpPr>
-        <p:spPr>
-          <a:xfrm>
-            <a:off x="839788" y="2057400"/>
-            <a:ext cx="3932237" cy="3811588"/>
-          </a:xfrm>
-        </p:spPr>
-        <p:txBody>
-          <a:bodyPr/>
-          <a:lstStyle>
-            <a:lvl1pPr marL="0" indent="0">
+            <a:lvl1pPr marL="0" indent="0" algn="ctr">
               <a:buNone/>
               <a:defRPr sz="1600"/>
             </a:lvl1pPr>
             <a:lvl2pPr marL="457200" indent="0">
               <a:buNone/>
-              <a:defRPr sz="1400"/>
+              <a:defRPr sz="1600"/>
             </a:lvl2pPr>
             <a:lvl3pPr marL="914400" indent="0">
               <a:buNone/>
-              <a:defRPr sz="1200"/>
+              <a:defRPr sz="1600"/>
             </a:lvl3pPr>
             <a:lvl4pPr marL="1371600" indent="0">
               <a:buNone/>
-              <a:defRPr sz="1000"/>
+              <a:defRPr sz="1600"/>
             </a:lvl4pPr>
             <a:lvl5pPr marL="1828800" indent="0">
               <a:buNone/>
-              <a:defRPr sz="1000"/>
+              <a:defRPr sz="1600"/>
             </a:lvl5pPr>
             <a:lvl6pPr marL="2286000" indent="0">
               <a:buNone/>
-              <a:defRPr sz="1000"/>
+              <a:defRPr sz="1600"/>
             </a:lvl6pPr>
             <a:lvl7pPr marL="2743200" indent="0">
               <a:buNone/>
-              <a:defRPr sz="1000"/>
+              <a:defRPr sz="1600"/>
             </a:lvl7pPr>
             <a:lvl8pPr marL="3200400" indent="0">
               <a:buNone/>
-              <a:defRPr sz="1000"/>
+              <a:defRPr sz="1600"/>
             </a:lvl8pPr>
             <a:lvl9pPr marL="3657600" indent="0">
               <a:buNone/>
-              <a:defRPr sz="1000"/>
+              <a:defRPr sz="1600"/>
             </a:lvl9pPr>
           </a:lstStyle>
           <a:p>
+            <a:r>
+              <a:rPr lang="pt-BR"/>
+              <a:t>Clique no ícone para adicionar uma imagem</a:t>
+            </a:r>
+            <a:endParaRPr lang="en-US" dirty="0"/>
+          </a:p>
+        </p:txBody>
+      </p:sp>
+      <p:sp>
+        <p:nvSpPr>
+          <p:cNvPr id="4" name="Text Placeholder 3"/>
+          <p:cNvSpPr>
+            <a:spLocks noGrp="1"/>
+          </p:cNvSpPr>
+          <p:nvPr>
+            <p:ph type="body" sz="half" idx="2"/>
+          </p:nvPr>
+        </p:nvSpPr>
+        <p:spPr>
+          <a:xfrm>
+            <a:off x="4722812" y="2777066"/>
+            <a:ext cx="6021388" cy="2048933"/>
+          </a:xfrm>
+        </p:spPr>
+        <p:txBody>
+          <a:bodyPr anchor="t">
+            <a:normAutofit/>
+          </a:bodyPr>
+          <a:lstStyle>
+            <a:lvl1pPr marL="0" indent="0">
+              <a:buNone/>
+              <a:defRPr sz="1800"/>
+            </a:lvl1pPr>
+            <a:lvl2pPr marL="457200" indent="0">
+              <a:buNone/>
+              <a:defRPr sz="1200"/>
+            </a:lvl2pPr>
+            <a:lvl3pPr marL="914400" indent="0">
+              <a:buNone/>
+              <a:defRPr sz="1000"/>
+            </a:lvl3pPr>
+            <a:lvl4pPr marL="1371600" indent="0">
+              <a:buNone/>
+              <a:defRPr sz="900"/>
+            </a:lvl4pPr>
+            <a:lvl5pPr marL="1828800" indent="0">
+              <a:buNone/>
+              <a:defRPr sz="900"/>
+            </a:lvl5pPr>
+            <a:lvl6pPr marL="2286000" indent="0">
+              <a:buNone/>
+              <a:defRPr sz="900"/>
+            </a:lvl6pPr>
+            <a:lvl7pPr marL="2743200" indent="0">
+              <a:buNone/>
+              <a:defRPr sz="900"/>
+            </a:lvl7pPr>
+            <a:lvl8pPr marL="3200400" indent="0">
+              <a:buNone/>
+              <a:defRPr sz="900"/>
+            </a:lvl8pPr>
+            <a:lvl9pPr marL="3657600" indent="0">
+              <a:buNone/>
+              <a:defRPr sz="900"/>
+            </a:lvl9pPr>
+          </a:lstStyle>
+          <a:p>
             <a:pPr lvl="0"/>
             <a:r>
               <a:rPr lang="pt-BR"/>
@@ -2648,13 +4418,7 @@
       </p:sp>
       <p:sp>
         <p:nvSpPr>
-          <p:cNvPr id="5" name="Espaço Reservado para Data 4">
-            <a:extLst>
-              <a:ext uri="{FF2B5EF4-FFF2-40B4-BE49-F238E27FC236}">
-                <a16:creationId xmlns:a16="http://schemas.microsoft.com/office/drawing/2014/main" id="{C3A42FD4-79E5-4F2B-AD94-C68FA693AEA1}"/>
-              </a:ext>
-            </a:extLst>
-          </p:cNvPr>
+          <p:cNvPr id="5" name="Date Placeholder 4"/>
           <p:cNvSpPr>
             <a:spLocks noGrp="1"/>
           </p:cNvSpPr>
@@ -2669,7 +4433,7 @@
           <a:p>
             <a:fld id="{E5F489EA-7554-4283-AE26-836974D705D5}" type="datetimeFigureOut">
               <a:rPr lang="pt-BR" smtClean="0"/>
-              <a:t>06/08/2021</a:t>
+              <a:t>09/08/2021</a:t>
             </a:fld>
             <a:endParaRPr lang="pt-BR"/>
           </a:p>
@@ -2677,13 +4441,7 @@
       </p:sp>
       <p:sp>
         <p:nvSpPr>
-          <p:cNvPr id="6" name="Espaço Reservado para Rodapé 5">
-            <a:extLst>
-              <a:ext uri="{FF2B5EF4-FFF2-40B4-BE49-F238E27FC236}">
-                <a16:creationId xmlns:a16="http://schemas.microsoft.com/office/drawing/2014/main" id="{8FD30209-71CB-4B09-8790-70A3751E8AA0}"/>
-              </a:ext>
-            </a:extLst>
-          </p:cNvPr>
+          <p:cNvPr id="6" name="Footer Placeholder 5"/>
           <p:cNvSpPr>
             <a:spLocks noGrp="1"/>
           </p:cNvSpPr>
@@ -2702,13 +4460,7 @@
       </p:sp>
       <p:sp>
         <p:nvSpPr>
-          <p:cNvPr id="7" name="Espaço Reservado para Número de Slide 6">
-            <a:extLst>
-              <a:ext uri="{FF2B5EF4-FFF2-40B4-BE49-F238E27FC236}">
-                <a16:creationId xmlns:a16="http://schemas.microsoft.com/office/drawing/2014/main" id="{80AE856F-2F62-4A43-9DCA-A5CDFD888DC8}"/>
-              </a:ext>
-            </a:extLst>
-          </p:cNvPr>
+          <p:cNvPr id="7" name="Slide Number Placeholder 6"/>
           <p:cNvSpPr>
             <a:spLocks noGrp="1"/>
           </p:cNvSpPr>
@@ -2732,7 +4484,7 @@
     </p:spTree>
     <p:extLst>
       <p:ext uri="{BB962C8B-B14F-4D97-AF65-F5344CB8AC3E}">
-        <p14:creationId xmlns:p14="http://schemas.microsoft.com/office/powerpoint/2010/main" val="1426246342"/>
+        <p14:creationId xmlns:p14="http://schemas.microsoft.com/office/powerpoint/2010/main" val="3466404783"/>
       </p:ext>
     </p:extLst>
   </p:cSld>
@@ -2746,8 +4498,8 @@
 <p:sldMaster xmlns:a="http://schemas.openxmlformats.org/drawingml/2006/main" xmlns:r="http://schemas.openxmlformats.org/officeDocument/2006/relationships" xmlns:p="http://schemas.openxmlformats.org/presentationml/2006/main">
   <p:cSld>
     <p:bg>
-      <p:bgRef idx="1001">
-        <a:schemeClr val="bg1"/>
+      <p:bgRef idx="1002">
+        <a:schemeClr val="bg2"/>
       </p:bgRef>
     </p:bg>
     <p:spTree>
@@ -2764,15 +4516,199 @@
           <a:chExt cx="0" cy="0"/>
         </a:xfrm>
       </p:grpSpPr>
-      <p:sp>
-        <p:nvSpPr>
-          <p:cNvPr id="2" name="Espaço Reservado para Título 1">
-            <a:extLst>
-              <a:ext uri="{FF2B5EF4-FFF2-40B4-BE49-F238E27FC236}">
-                <a16:creationId xmlns:a16="http://schemas.microsoft.com/office/drawing/2014/main" id="{5A8F9A9B-04AF-42F9-B66E-EF0E92A21B23}"/>
-              </a:ext>
-            </a:extLst>
-          </p:cNvPr>
+      <p:grpSp>
+        <p:nvGrpSpPr>
+          <p:cNvPr id="7" name="Group 6"/>
+          <p:cNvGrpSpPr/>
+          <p:nvPr/>
+        </p:nvGrpSpPr>
+        <p:grpSpPr>
+          <a:xfrm>
+            <a:off x="9206969" y="2963333"/>
+            <a:ext cx="2981858" cy="3208867"/>
+            <a:chOff x="9206969" y="2963333"/>
+            <a:chExt cx="2981858" cy="3208867"/>
+          </a:xfrm>
+        </p:grpSpPr>
+        <p:cxnSp>
+          <p:nvCxnSpPr>
+            <p:cNvPr id="8" name="Straight Connector 7"/>
+            <p:cNvCxnSpPr/>
+            <p:nvPr/>
+          </p:nvCxnSpPr>
+          <p:spPr>
+            <a:xfrm flipH="1">
+              <a:off x="11276012" y="2963333"/>
+              <a:ext cx="912814" cy="912812"/>
+            </a:xfrm>
+            <a:prstGeom prst="line">
+              <a:avLst/>
+            </a:prstGeom>
+            <a:ln w="9525">
+              <a:solidFill>
+                <a:schemeClr val="tx1"/>
+              </a:solidFill>
+            </a:ln>
+          </p:spPr>
+          <p:style>
+            <a:lnRef idx="2">
+              <a:schemeClr val="accent1"/>
+            </a:lnRef>
+            <a:fillRef idx="0">
+              <a:schemeClr val="accent1"/>
+            </a:fillRef>
+            <a:effectRef idx="1">
+              <a:schemeClr val="accent1"/>
+            </a:effectRef>
+            <a:fontRef idx="minor">
+              <a:schemeClr val="tx1"/>
+            </a:fontRef>
+          </p:style>
+        </p:cxnSp>
+        <p:cxnSp>
+          <p:nvCxnSpPr>
+            <p:cNvPr id="9" name="Straight Connector 8"/>
+            <p:cNvCxnSpPr/>
+            <p:nvPr/>
+          </p:nvCxnSpPr>
+          <p:spPr>
+            <a:xfrm flipH="1">
+              <a:off x="9206969" y="3190344"/>
+              <a:ext cx="2981857" cy="2981856"/>
+            </a:xfrm>
+            <a:prstGeom prst="line">
+              <a:avLst/>
+            </a:prstGeom>
+            <a:ln w="9525">
+              <a:solidFill>
+                <a:schemeClr val="tx1"/>
+              </a:solidFill>
+            </a:ln>
+          </p:spPr>
+          <p:style>
+            <a:lnRef idx="2">
+              <a:schemeClr val="accent1"/>
+            </a:lnRef>
+            <a:fillRef idx="0">
+              <a:schemeClr val="accent1"/>
+            </a:fillRef>
+            <a:effectRef idx="1">
+              <a:schemeClr val="accent1"/>
+            </a:effectRef>
+            <a:fontRef idx="minor">
+              <a:schemeClr val="tx1"/>
+            </a:fontRef>
+          </p:style>
+        </p:cxnSp>
+        <p:cxnSp>
+          <p:nvCxnSpPr>
+            <p:cNvPr id="10" name="Straight Connector 9"/>
+            <p:cNvCxnSpPr/>
+            <p:nvPr/>
+          </p:nvCxnSpPr>
+          <p:spPr>
+            <a:xfrm flipH="1">
+              <a:off x="10292292" y="3285067"/>
+              <a:ext cx="1896534" cy="1896533"/>
+            </a:xfrm>
+            <a:prstGeom prst="line">
+              <a:avLst/>
+            </a:prstGeom>
+            <a:ln w="9525">
+              <a:solidFill>
+                <a:schemeClr val="tx1"/>
+              </a:solidFill>
+            </a:ln>
+          </p:spPr>
+          <p:style>
+            <a:lnRef idx="2">
+              <a:schemeClr val="accent1"/>
+            </a:lnRef>
+            <a:fillRef idx="0">
+              <a:schemeClr val="accent1"/>
+            </a:fillRef>
+            <a:effectRef idx="1">
+              <a:schemeClr val="accent1"/>
+            </a:effectRef>
+            <a:fontRef idx="minor">
+              <a:schemeClr val="tx1"/>
+            </a:fontRef>
+          </p:style>
+        </p:cxnSp>
+        <p:cxnSp>
+          <p:nvCxnSpPr>
+            <p:cNvPr id="11" name="Straight Connector 10"/>
+            <p:cNvCxnSpPr/>
+            <p:nvPr/>
+          </p:nvCxnSpPr>
+          <p:spPr>
+            <a:xfrm flipH="1">
+              <a:off x="10443103" y="3131080"/>
+              <a:ext cx="1745722" cy="1745720"/>
+            </a:xfrm>
+            <a:prstGeom prst="line">
+              <a:avLst/>
+            </a:prstGeom>
+            <a:ln w="28575">
+              <a:solidFill>
+                <a:schemeClr val="tx1"/>
+              </a:solidFill>
+            </a:ln>
+          </p:spPr>
+          <p:style>
+            <a:lnRef idx="2">
+              <a:schemeClr val="accent1"/>
+            </a:lnRef>
+            <a:fillRef idx="0">
+              <a:schemeClr val="accent1"/>
+            </a:fillRef>
+            <a:effectRef idx="1">
+              <a:schemeClr val="accent1"/>
+            </a:effectRef>
+            <a:fontRef idx="minor">
+              <a:schemeClr val="tx1"/>
+            </a:fontRef>
+          </p:style>
+        </p:cxnSp>
+        <p:cxnSp>
+          <p:nvCxnSpPr>
+            <p:cNvPr id="12" name="Straight Connector 11"/>
+            <p:cNvCxnSpPr/>
+            <p:nvPr/>
+          </p:nvCxnSpPr>
+          <p:spPr>
+            <a:xfrm flipH="1">
+              <a:off x="10918826" y="3683001"/>
+              <a:ext cx="1270001" cy="1269999"/>
+            </a:xfrm>
+            <a:prstGeom prst="line">
+              <a:avLst/>
+            </a:prstGeom>
+            <a:ln w="28575">
+              <a:solidFill>
+                <a:schemeClr val="tx1"/>
+              </a:solidFill>
+            </a:ln>
+          </p:spPr>
+          <p:style>
+            <a:lnRef idx="2">
+              <a:schemeClr val="accent1"/>
+            </a:lnRef>
+            <a:fillRef idx="0">
+              <a:schemeClr val="accent1"/>
+            </a:fillRef>
+            <a:effectRef idx="1">
+              <a:schemeClr val="accent1"/>
+            </a:effectRef>
+            <a:fontRef idx="minor">
+              <a:schemeClr val="tx1"/>
+            </a:fontRef>
+          </p:style>
+        </p:cxnSp>
+      </p:grpSp>
+      <p:sp>
+        <p:nvSpPr>
+          <p:cNvPr id="2" name="Title Placeholder 1"/>
           <p:cNvSpPr>
             <a:spLocks noGrp="1"/>
           </p:cNvSpPr>
@@ -2782,12 +4718,13 @@
         </p:nvSpPr>
         <p:spPr>
           <a:xfrm>
-            <a:off x="838200" y="365125"/>
-            <a:ext cx="10515600" cy="1325563"/>
+            <a:off x="684212" y="4487332"/>
+            <a:ext cx="8534400" cy="1507067"/>
           </a:xfrm>
           <a:prstGeom prst="rect">
             <a:avLst/>
           </a:prstGeom>
+          <a:effectLst/>
         </p:spPr>
         <p:txBody>
           <a:bodyPr vert="horz" lIns="91440" tIns="45720" rIns="91440" bIns="45720" rtlCol="0" anchor="ctr">
@@ -2799,18 +4736,13 @@
               <a:rPr lang="pt-BR"/>
               <a:t>Clique para editar o título Mestre</a:t>
             </a:r>
-          </a:p>
-        </p:txBody>
-      </p:sp>
-      <p:sp>
-        <p:nvSpPr>
-          <p:cNvPr id="3" name="Espaço Reservado para Texto 2">
-            <a:extLst>
-              <a:ext uri="{FF2B5EF4-FFF2-40B4-BE49-F238E27FC236}">
-                <a16:creationId xmlns:a16="http://schemas.microsoft.com/office/drawing/2014/main" id="{37C4DC9B-4CAE-470F-88C8-35F237189295}"/>
-              </a:ext>
-            </a:extLst>
-          </p:cNvPr>
+            <a:endParaRPr lang="en-US" dirty="0"/>
+          </a:p>
+        </p:txBody>
+      </p:sp>
+      <p:sp>
+        <p:nvSpPr>
+          <p:cNvPr id="3" name="Text Placeholder 2"/>
           <p:cNvSpPr>
             <a:spLocks noGrp="1"/>
           </p:cNvSpPr>
@@ -2820,15 +4752,15 @@
         </p:nvSpPr>
         <p:spPr>
           <a:xfrm>
-            <a:off x="838200" y="1825625"/>
-            <a:ext cx="10515600" cy="4351338"/>
+            <a:off x="684212" y="685800"/>
+            <a:ext cx="8534400" cy="3615267"/>
           </a:xfrm>
           <a:prstGeom prst="rect">
             <a:avLst/>
           </a:prstGeom>
         </p:spPr>
         <p:txBody>
-          <a:bodyPr vert="horz" lIns="91440" tIns="45720" rIns="91440" bIns="45720" rtlCol="0">
+          <a:bodyPr vert="horz" lIns="91440" tIns="45720" rIns="91440" bIns="45720" rtlCol="0" anchor="ctr">
             <a:normAutofit/>
           </a:bodyPr>
           <a:lstStyle/>
@@ -2866,18 +4798,13 @@
               <a:rPr lang="pt-BR"/>
               <a:t>Quinto nível</a:t>
             </a:r>
-          </a:p>
-        </p:txBody>
-      </p:sp>
-      <p:sp>
-        <p:nvSpPr>
-          <p:cNvPr id="4" name="Espaço Reservado para Data 3">
-            <a:extLst>
-              <a:ext uri="{FF2B5EF4-FFF2-40B4-BE49-F238E27FC236}">
-                <a16:creationId xmlns:a16="http://schemas.microsoft.com/office/drawing/2014/main" id="{0F22B945-50E9-40EF-8166-7615ED3A49F1}"/>
-              </a:ext>
-            </a:extLst>
-          </p:cNvPr>
+            <a:endParaRPr lang="en-US" dirty="0"/>
+          </a:p>
+        </p:txBody>
+      </p:sp>
+      <p:sp>
+        <p:nvSpPr>
+          <p:cNvPr id="4" name="Date Placeholder 3"/>
           <p:cNvSpPr>
             <a:spLocks noGrp="1"/>
           </p:cNvSpPr>
@@ -2887,30 +4814,32 @@
         </p:nvSpPr>
         <p:spPr>
           <a:xfrm>
-            <a:off x="838200" y="6356350"/>
-            <a:ext cx="2743200" cy="365125"/>
+            <a:off x="9904412" y="6172200"/>
+            <a:ext cx="1600200" cy="365125"/>
           </a:xfrm>
           <a:prstGeom prst="rect">
             <a:avLst/>
           </a:prstGeom>
         </p:spPr>
         <p:txBody>
-          <a:bodyPr vert="horz" lIns="91440" tIns="45720" rIns="91440" bIns="45720" rtlCol="0" anchor="ctr"/>
+          <a:bodyPr vert="horz" lIns="91440" tIns="45720" rIns="91440" bIns="45720" rtlCol="0" anchor="t"/>
           <a:lstStyle>
-            <a:lvl1pPr algn="l">
-              <a:defRPr sz="1200">
-                <a:solidFill>
-                  <a:schemeClr val="tx1">
-                    <a:tint val="75000"/>
+            <a:lvl1pPr algn="r">
+              <a:defRPr sz="1000" b="0" i="0">
+                <a:solidFill>
+                  <a:schemeClr val="bg2">
+                    <a:lumMod val="50000"/>
                   </a:schemeClr>
                 </a:solidFill>
+                <a:effectLst/>
+                <a:latin typeface="+mn-lt"/>
               </a:defRPr>
             </a:lvl1pPr>
           </a:lstStyle>
           <a:p>
             <a:fld id="{E5F489EA-7554-4283-AE26-836974D705D5}" type="datetimeFigureOut">
               <a:rPr lang="pt-BR" smtClean="0"/>
-              <a:t>06/08/2021</a:t>
+              <a:t>09/08/2021</a:t>
             </a:fld>
             <a:endParaRPr lang="pt-BR"/>
           </a:p>
@@ -2918,13 +4847,7 @@
       </p:sp>
       <p:sp>
         <p:nvSpPr>
-          <p:cNvPr id="5" name="Espaço Reservado para Rodapé 4">
-            <a:extLst>
-              <a:ext uri="{FF2B5EF4-FFF2-40B4-BE49-F238E27FC236}">
-                <a16:creationId xmlns:a16="http://schemas.microsoft.com/office/drawing/2014/main" id="{DA9C1D75-0506-455A-8590-C6D91ED54833}"/>
-              </a:ext>
-            </a:extLst>
-          </p:cNvPr>
+          <p:cNvPr id="5" name="Footer Placeholder 4"/>
           <p:cNvSpPr>
             <a:spLocks noGrp="1"/>
           </p:cNvSpPr>
@@ -2934,23 +4857,25 @@
         </p:nvSpPr>
         <p:spPr>
           <a:xfrm>
-            <a:off x="4038600" y="6356350"/>
-            <a:ext cx="4114800" cy="365125"/>
+            <a:off x="684212" y="6172200"/>
+            <a:ext cx="7543800" cy="365125"/>
           </a:xfrm>
           <a:prstGeom prst="rect">
             <a:avLst/>
           </a:prstGeom>
         </p:spPr>
         <p:txBody>
-          <a:bodyPr vert="horz" lIns="91440" tIns="45720" rIns="91440" bIns="45720" rtlCol="0" anchor="ctr"/>
+          <a:bodyPr vert="horz" lIns="91440" tIns="45720" rIns="91440" bIns="45720" rtlCol="0" anchor="t"/>
           <a:lstStyle>
-            <a:lvl1pPr algn="ctr">
-              <a:defRPr sz="1200">
-                <a:solidFill>
-                  <a:schemeClr val="tx1">
-                    <a:tint val="75000"/>
+            <a:lvl1pPr algn="l">
+              <a:defRPr sz="1000" b="0" i="0">
+                <a:solidFill>
+                  <a:schemeClr val="bg2">
+                    <a:lumMod val="50000"/>
                   </a:schemeClr>
                 </a:solidFill>
+                <a:effectLst/>
+                <a:latin typeface="+mn-lt"/>
               </a:defRPr>
             </a:lvl1pPr>
           </a:lstStyle>
@@ -2961,13 +4886,7 @@
       </p:sp>
       <p:sp>
         <p:nvSpPr>
-          <p:cNvPr id="6" name="Espaço Reservado para Número de Slide 5">
-            <a:extLst>
-              <a:ext uri="{FF2B5EF4-FFF2-40B4-BE49-F238E27FC236}">
-                <a16:creationId xmlns:a16="http://schemas.microsoft.com/office/drawing/2014/main" id="{D3A3B1F3-0DB0-4BAF-BDEE-CECE671CCA46}"/>
-              </a:ext>
-            </a:extLst>
-          </p:cNvPr>
+          <p:cNvPr id="6" name="Slide Number Placeholder 5"/>
           <p:cNvSpPr>
             <a:spLocks noGrp="1"/>
           </p:cNvSpPr>
@@ -2977,23 +4896,25 @@
         </p:nvSpPr>
         <p:spPr>
           <a:xfrm>
-            <a:off x="8610600" y="6356350"/>
-            <a:ext cx="2743200" cy="365125"/>
+            <a:off x="10363200" y="5578475"/>
+            <a:ext cx="1142245" cy="669925"/>
           </a:xfrm>
           <a:prstGeom prst="rect">
             <a:avLst/>
           </a:prstGeom>
         </p:spPr>
         <p:txBody>
-          <a:bodyPr vert="horz" lIns="91440" tIns="45720" rIns="91440" bIns="45720" rtlCol="0" anchor="ctr"/>
+          <a:bodyPr vert="horz" lIns="91440" tIns="45720" rIns="91440" bIns="45720" rtlCol="0" anchor="b"/>
           <a:lstStyle>
             <a:lvl1pPr algn="r">
-              <a:defRPr sz="1200">
-                <a:solidFill>
-                  <a:schemeClr val="tx1">
-                    <a:tint val="75000"/>
+              <a:defRPr sz="3200" b="0" i="0">
+                <a:solidFill>
+                  <a:schemeClr val="bg2">
+                    <a:lumMod val="50000"/>
                   </a:schemeClr>
                 </a:solidFill>
+                <a:effectLst/>
+                <a:latin typeface="+mn-lt"/>
               </a:defRPr>
             </a:lvl1pPr>
           </a:lstStyle>
@@ -3009,55 +4930,340 @@
     </p:spTree>
     <p:extLst>
       <p:ext uri="{BB962C8B-B14F-4D97-AF65-F5344CB8AC3E}">
-        <p14:creationId xmlns:p14="http://schemas.microsoft.com/office/powerpoint/2010/main" val="3311407704"/>
+        <p14:creationId xmlns:p14="http://schemas.microsoft.com/office/powerpoint/2010/main" val="524056840"/>
       </p:ext>
     </p:extLst>
   </p:cSld>
-  <p:clrMap bg1="lt1" tx1="dk1" bg2="lt2" tx2="dk2" accent1="accent1" accent2="accent2" accent3="accent3" accent4="accent4" accent5="accent5" accent6="accent6" hlink="hlink" folHlink="folHlink"/>
+  <p:clrMap bg1="dk1" tx1="lt1" bg2="dk2" tx2="lt2" accent1="accent1" accent2="accent2" accent3="accent3" accent4="accent4" accent5="accent5" accent6="accent6" hlink="hlink" folHlink="folHlink"/>
   <p:sldLayoutIdLst>
-    <p:sldLayoutId id="2147483649" r:id="rId1"/>
-    <p:sldLayoutId id="2147483650" r:id="rId2"/>
-    <p:sldLayoutId id="2147483651" r:id="rId3"/>
-    <p:sldLayoutId id="2147483652" r:id="rId4"/>
-    <p:sldLayoutId id="2147483653" r:id="rId5"/>
-    <p:sldLayoutId id="2147483654" r:id="rId6"/>
-    <p:sldLayoutId id="2147483655" r:id="rId7"/>
-    <p:sldLayoutId id="2147483656" r:id="rId8"/>
-    <p:sldLayoutId id="2147483657" r:id="rId9"/>
-    <p:sldLayoutId id="2147483658" r:id="rId10"/>
-    <p:sldLayoutId id="2147483659" r:id="rId11"/>
+    <p:sldLayoutId id="2147483709" r:id="rId1"/>
+    <p:sldLayoutId id="2147483710" r:id="rId2"/>
+    <p:sldLayoutId id="2147483711" r:id="rId3"/>
+    <p:sldLayoutId id="2147483712" r:id="rId4"/>
+    <p:sldLayoutId id="2147483713" r:id="rId5"/>
+    <p:sldLayoutId id="2147483714" r:id="rId6"/>
+    <p:sldLayoutId id="2147483715" r:id="rId7"/>
+    <p:sldLayoutId id="2147483716" r:id="rId8"/>
+    <p:sldLayoutId id="2147483717" r:id="rId9"/>
+    <p:sldLayoutId id="2147483718" r:id="rId10"/>
+    <p:sldLayoutId id="2147483719" r:id="rId11"/>
+    <p:sldLayoutId id="2147483720" r:id="rId12"/>
+    <p:sldLayoutId id="2147483721" r:id="rId13"/>
+    <p:sldLayoutId id="2147483722" r:id="rId14"/>
+    <p:sldLayoutId id="2147483723" r:id="rId15"/>
+    <p:sldLayoutId id="2147483724" r:id="rId16"/>
+    <p:sldLayoutId id="2147483725" r:id="rId17"/>
   </p:sldLayoutIdLst>
   <p:txStyles>
     <p:titleStyle>
-      <a:lvl1pPr algn="l" defTabSz="914400" rtl="0" eaLnBrk="1" latinLnBrk="0" hangingPunct="1">
-        <a:lnSpc>
-          <a:spcPct val="90000"/>
-        </a:lnSpc>
+      <a:lvl1pPr algn="l" defTabSz="457200" rtl="0" eaLnBrk="1" latinLnBrk="0" hangingPunct="1">
         <a:spcBef>
           <a:spcPct val="0"/>
         </a:spcBef>
         <a:buNone/>
-        <a:defRPr sz="4400" kern="1200">
+        <a:defRPr sz="3600" kern="1200" cap="all">
+          <a:ln w="3175" cmpd="sng">
+            <a:noFill/>
+          </a:ln>
           <a:solidFill>
             <a:schemeClr val="tx1"/>
           </a:solidFill>
+          <a:effectLst/>
           <a:latin typeface="+mj-lt"/>
           <a:ea typeface="+mj-ea"/>
           <a:cs typeface="+mj-cs"/>
         </a:defRPr>
       </a:lvl1pPr>
+      <a:lvl2pPr eaLnBrk="1" hangingPunct="1">
+        <a:defRPr>
+          <a:solidFill>
+            <a:schemeClr val="tx2"/>
+          </a:solidFill>
+        </a:defRPr>
+      </a:lvl2pPr>
+      <a:lvl3pPr eaLnBrk="1" hangingPunct="1">
+        <a:defRPr>
+          <a:solidFill>
+            <a:schemeClr val="tx2"/>
+          </a:solidFill>
+        </a:defRPr>
+      </a:lvl3pPr>
+      <a:lvl4pPr eaLnBrk="1" hangingPunct="1">
+        <a:defRPr>
+          <a:solidFill>
+            <a:schemeClr val="tx2"/>
+          </a:solidFill>
+        </a:defRPr>
+      </a:lvl4pPr>
+      <a:lvl5pPr eaLnBrk="1" hangingPunct="1">
+        <a:defRPr>
+          <a:solidFill>
+            <a:schemeClr val="tx2"/>
+          </a:solidFill>
+        </a:defRPr>
+      </a:lvl5pPr>
+      <a:lvl6pPr eaLnBrk="1" hangingPunct="1">
+        <a:defRPr>
+          <a:solidFill>
+            <a:schemeClr val="tx2"/>
+          </a:solidFill>
+        </a:defRPr>
+      </a:lvl6pPr>
+      <a:lvl7pPr eaLnBrk="1" hangingPunct="1">
+        <a:defRPr>
+          <a:solidFill>
+            <a:schemeClr val="tx2"/>
+          </a:solidFill>
+        </a:defRPr>
+      </a:lvl7pPr>
+      <a:lvl8pPr eaLnBrk="1" hangingPunct="1">
+        <a:defRPr>
+          <a:solidFill>
+            <a:schemeClr val="tx2"/>
+          </a:solidFill>
+        </a:defRPr>
+      </a:lvl8pPr>
+      <a:lvl9pPr eaLnBrk="1" hangingPunct="1">
+        <a:defRPr>
+          <a:solidFill>
+            <a:schemeClr val="tx2"/>
+          </a:solidFill>
+        </a:defRPr>
+      </a:lvl9pPr>
     </p:titleStyle>
     <p:bodyStyle>
-      <a:lvl1pPr marL="228600" indent="-228600" algn="l" defTabSz="914400" rtl="0" eaLnBrk="1" latinLnBrk="0" hangingPunct="1">
-        <a:lnSpc>
-          <a:spcPct val="90000"/>
-        </a:lnSpc>
+      <a:lvl1pPr marL="285750" indent="-285750" algn="l" defTabSz="457200" rtl="0" eaLnBrk="1" latinLnBrk="0" hangingPunct="1">
         <a:spcBef>
-          <a:spcPts val="1000"/>
+          <a:spcPct val="20000"/>
         </a:spcBef>
-        <a:buFont typeface="Arial" panose="020B0604020202020204" pitchFamily="34" charset="0"/>
-        <a:buChar char="•"/>
-        <a:defRPr sz="2800" kern="1200">
+        <a:spcAft>
+          <a:spcPts val="600"/>
+        </a:spcAft>
+        <a:buClr>
+          <a:schemeClr val="tx1"/>
+        </a:buClr>
+        <a:buSzPct val="80000"/>
+        <a:buFont typeface="Wingdings 3" panose="05040102010807070707" pitchFamily="18" charset="2"/>
+        <a:buChar char=""/>
+        <a:defRPr sz="2000" kern="1200" cap="none">
+          <a:solidFill>
+            <a:schemeClr val="bg2">
+              <a:lumMod val="75000"/>
+            </a:schemeClr>
+          </a:solidFill>
+          <a:effectLst/>
+          <a:latin typeface="+mn-lt"/>
+          <a:ea typeface="+mn-ea"/>
+          <a:cs typeface="+mn-cs"/>
+        </a:defRPr>
+      </a:lvl1pPr>
+      <a:lvl2pPr marL="742950" indent="-285750" algn="l" defTabSz="457200" rtl="0" eaLnBrk="1" latinLnBrk="0" hangingPunct="1">
+        <a:spcBef>
+          <a:spcPct val="20000"/>
+        </a:spcBef>
+        <a:spcAft>
+          <a:spcPts val="600"/>
+        </a:spcAft>
+        <a:buClr>
+          <a:schemeClr val="tx1"/>
+        </a:buClr>
+        <a:buSzPct val="80000"/>
+        <a:buFont typeface="Wingdings 3" panose="05040102010807070707" pitchFamily="18" charset="2"/>
+        <a:buChar char=""/>
+        <a:defRPr sz="1800" kern="1200" cap="none">
+          <a:solidFill>
+            <a:schemeClr val="bg2">
+              <a:lumMod val="75000"/>
+            </a:schemeClr>
+          </a:solidFill>
+          <a:effectLst/>
+          <a:latin typeface="+mn-lt"/>
+          <a:ea typeface="+mn-ea"/>
+          <a:cs typeface="+mn-cs"/>
+        </a:defRPr>
+      </a:lvl2pPr>
+      <a:lvl3pPr marL="1200150" indent="-285750" algn="l" defTabSz="457200" rtl="0" eaLnBrk="1" latinLnBrk="0" hangingPunct="1">
+        <a:spcBef>
+          <a:spcPct val="20000"/>
+        </a:spcBef>
+        <a:spcAft>
+          <a:spcPts val="600"/>
+        </a:spcAft>
+        <a:buClr>
+          <a:schemeClr val="tx1"/>
+        </a:buClr>
+        <a:buSzPct val="80000"/>
+        <a:buFont typeface="Wingdings 3" panose="05040102010807070707" pitchFamily="18" charset="2"/>
+        <a:buChar char=""/>
+        <a:defRPr sz="1600" kern="1200" cap="none">
+          <a:solidFill>
+            <a:schemeClr val="bg2">
+              <a:lumMod val="75000"/>
+            </a:schemeClr>
+          </a:solidFill>
+          <a:effectLst/>
+          <a:latin typeface="+mn-lt"/>
+          <a:ea typeface="+mn-ea"/>
+          <a:cs typeface="+mn-cs"/>
+        </a:defRPr>
+      </a:lvl3pPr>
+      <a:lvl4pPr marL="1543050" indent="-171450" algn="l" defTabSz="457200" rtl="0" eaLnBrk="1" latinLnBrk="0" hangingPunct="1">
+        <a:spcBef>
+          <a:spcPct val="20000"/>
+        </a:spcBef>
+        <a:spcAft>
+          <a:spcPts val="600"/>
+        </a:spcAft>
+        <a:buClr>
+          <a:schemeClr val="tx1"/>
+        </a:buClr>
+        <a:buSzPct val="80000"/>
+        <a:buFont typeface="Wingdings 3" panose="05040102010807070707" pitchFamily="18" charset="2"/>
+        <a:buChar char=""/>
+        <a:defRPr sz="1400" kern="1200" cap="none">
+          <a:solidFill>
+            <a:schemeClr val="bg2">
+              <a:lumMod val="75000"/>
+            </a:schemeClr>
+          </a:solidFill>
+          <a:effectLst/>
+          <a:latin typeface="+mn-lt"/>
+          <a:ea typeface="+mn-ea"/>
+          <a:cs typeface="+mn-cs"/>
+        </a:defRPr>
+      </a:lvl4pPr>
+      <a:lvl5pPr marL="2000250" indent="-171450" algn="l" defTabSz="457200" rtl="0" eaLnBrk="1" latinLnBrk="0" hangingPunct="1">
+        <a:spcBef>
+          <a:spcPct val="20000"/>
+        </a:spcBef>
+        <a:spcAft>
+          <a:spcPts val="600"/>
+        </a:spcAft>
+        <a:buClr>
+          <a:schemeClr val="tx1"/>
+        </a:buClr>
+        <a:buSzPct val="80000"/>
+        <a:buFont typeface="Wingdings 3" panose="05040102010807070707" pitchFamily="18" charset="2"/>
+        <a:buChar char=""/>
+        <a:defRPr sz="1400" kern="1200" cap="none">
+          <a:solidFill>
+            <a:schemeClr val="bg2">
+              <a:lumMod val="75000"/>
+            </a:schemeClr>
+          </a:solidFill>
+          <a:effectLst/>
+          <a:latin typeface="+mn-lt"/>
+          <a:ea typeface="+mn-ea"/>
+          <a:cs typeface="+mn-cs"/>
+        </a:defRPr>
+      </a:lvl5pPr>
+      <a:lvl6pPr marL="2514600" indent="-228600" algn="l" defTabSz="457200" rtl="0" eaLnBrk="1" latinLnBrk="0" hangingPunct="1">
+        <a:spcBef>
+          <a:spcPct val="20000"/>
+        </a:spcBef>
+        <a:spcAft>
+          <a:spcPts val="600"/>
+        </a:spcAft>
+        <a:buClr>
+          <a:schemeClr val="tx1"/>
+        </a:buClr>
+        <a:buSzPct val="80000"/>
+        <a:buFont typeface="Wingdings 3" panose="05040102010807070707" pitchFamily="18" charset="2"/>
+        <a:buChar char=""/>
+        <a:defRPr sz="1400" kern="1200" cap="none">
+          <a:solidFill>
+            <a:schemeClr val="bg2">
+              <a:lumMod val="75000"/>
+            </a:schemeClr>
+          </a:solidFill>
+          <a:effectLst/>
+          <a:latin typeface="+mn-lt"/>
+          <a:ea typeface="+mn-ea"/>
+          <a:cs typeface="+mn-cs"/>
+        </a:defRPr>
+      </a:lvl6pPr>
+      <a:lvl7pPr marL="2971800" indent="-228600" algn="l" defTabSz="457200" rtl="0" eaLnBrk="1" latinLnBrk="0" hangingPunct="1">
+        <a:spcBef>
+          <a:spcPct val="20000"/>
+        </a:spcBef>
+        <a:spcAft>
+          <a:spcPts val="600"/>
+        </a:spcAft>
+        <a:buClr>
+          <a:schemeClr val="tx1"/>
+        </a:buClr>
+        <a:buSzPct val="80000"/>
+        <a:buFont typeface="Wingdings 3" panose="05040102010807070707" pitchFamily="18" charset="2"/>
+        <a:buChar char=""/>
+        <a:defRPr sz="1400" kern="1200" cap="none">
+          <a:solidFill>
+            <a:schemeClr val="bg2">
+              <a:lumMod val="75000"/>
+            </a:schemeClr>
+          </a:solidFill>
+          <a:effectLst/>
+          <a:latin typeface="+mn-lt"/>
+          <a:ea typeface="+mn-ea"/>
+          <a:cs typeface="+mn-cs"/>
+        </a:defRPr>
+      </a:lvl7pPr>
+      <a:lvl8pPr marL="3429000" indent="-228600" algn="l" defTabSz="457200" rtl="0" eaLnBrk="1" latinLnBrk="0" hangingPunct="1">
+        <a:spcBef>
+          <a:spcPct val="20000"/>
+        </a:spcBef>
+        <a:spcAft>
+          <a:spcPts val="600"/>
+        </a:spcAft>
+        <a:buClr>
+          <a:schemeClr val="tx1"/>
+        </a:buClr>
+        <a:buSzPct val="80000"/>
+        <a:buFont typeface="Wingdings 3" panose="05040102010807070707" pitchFamily="18" charset="2"/>
+        <a:buChar char=""/>
+        <a:defRPr sz="1400" kern="1200" cap="none">
+          <a:solidFill>
+            <a:schemeClr val="bg2">
+              <a:lumMod val="75000"/>
+            </a:schemeClr>
+          </a:solidFill>
+          <a:effectLst/>
+          <a:latin typeface="+mn-lt"/>
+          <a:ea typeface="+mn-ea"/>
+          <a:cs typeface="+mn-cs"/>
+        </a:defRPr>
+      </a:lvl8pPr>
+      <a:lvl9pPr marL="3886200" indent="-228600" algn="l" defTabSz="457200" rtl="0" eaLnBrk="1" latinLnBrk="0" hangingPunct="1">
+        <a:spcBef>
+          <a:spcPct val="20000"/>
+        </a:spcBef>
+        <a:spcAft>
+          <a:spcPts val="600"/>
+        </a:spcAft>
+        <a:buClr>
+          <a:schemeClr val="tx1"/>
+        </a:buClr>
+        <a:buSzPct val="80000"/>
+        <a:buFont typeface="Wingdings 3" panose="05040102010807070707" pitchFamily="18" charset="2"/>
+        <a:buChar char=""/>
+        <a:defRPr sz="1400" kern="1200" cap="none">
+          <a:solidFill>
+            <a:schemeClr val="bg2">
+              <a:lumMod val="75000"/>
+            </a:schemeClr>
+          </a:solidFill>
+          <a:effectLst/>
+          <a:latin typeface="+mn-lt"/>
+          <a:ea typeface="+mn-ea"/>
+          <a:cs typeface="+mn-cs"/>
+        </a:defRPr>
+      </a:lvl9pPr>
+    </p:bodyStyle>
+    <p:otherStyle>
+      <a:defPPr>
+        <a:defRPr lang="en-US"/>
+      </a:defPPr>
+      <a:lvl1pPr marL="0" algn="l" defTabSz="457200" rtl="0" eaLnBrk="1" latinLnBrk="0" hangingPunct="1">
+        <a:defRPr sz="1800" kern="1200">
           <a:solidFill>
             <a:schemeClr val="tx1"/>
           </a:solidFill>
@@ -3066,16 +5272,8 @@
           <a:cs typeface="+mn-cs"/>
         </a:defRPr>
       </a:lvl1pPr>
-      <a:lvl2pPr marL="685800" indent="-228600" algn="l" defTabSz="914400" rtl="0" eaLnBrk="1" latinLnBrk="0" hangingPunct="1">
-        <a:lnSpc>
-          <a:spcPct val="90000"/>
-        </a:lnSpc>
-        <a:spcBef>
-          <a:spcPts val="500"/>
-        </a:spcBef>
-        <a:buFont typeface="Arial" panose="020B0604020202020204" pitchFamily="34" charset="0"/>
-        <a:buChar char="•"/>
-        <a:defRPr sz="2400" kern="1200">
+      <a:lvl2pPr marL="457200" algn="l" defTabSz="457200" rtl="0" eaLnBrk="1" latinLnBrk="0" hangingPunct="1">
+        <a:defRPr sz="1800" kern="1200">
           <a:solidFill>
             <a:schemeClr val="tx1"/>
           </a:solidFill>
@@ -3084,16 +5282,8 @@
           <a:cs typeface="+mn-cs"/>
         </a:defRPr>
       </a:lvl2pPr>
-      <a:lvl3pPr marL="1143000" indent="-228600" algn="l" defTabSz="914400" rtl="0" eaLnBrk="1" latinLnBrk="0" hangingPunct="1">
-        <a:lnSpc>
-          <a:spcPct val="90000"/>
-        </a:lnSpc>
-        <a:spcBef>
-          <a:spcPts val="500"/>
-        </a:spcBef>
-        <a:buFont typeface="Arial" panose="020B0604020202020204" pitchFamily="34" charset="0"/>
-        <a:buChar char="•"/>
-        <a:defRPr sz="2000" kern="1200">
+      <a:lvl3pPr marL="914400" algn="l" defTabSz="457200" rtl="0" eaLnBrk="1" latinLnBrk="0" hangingPunct="1">
+        <a:defRPr sz="1800" kern="1200">
           <a:solidFill>
             <a:schemeClr val="tx1"/>
           </a:solidFill>
@@ -3102,15 +5292,7 @@
           <a:cs typeface="+mn-cs"/>
         </a:defRPr>
       </a:lvl3pPr>
-      <a:lvl4pPr marL="1600200" indent="-228600" algn="l" defTabSz="914400" rtl="0" eaLnBrk="1" latinLnBrk="0" hangingPunct="1">
-        <a:lnSpc>
-          <a:spcPct val="90000"/>
-        </a:lnSpc>
-        <a:spcBef>
-          <a:spcPts val="500"/>
-        </a:spcBef>
-        <a:buFont typeface="Arial" panose="020B0604020202020204" pitchFamily="34" charset="0"/>
-        <a:buChar char="•"/>
+      <a:lvl4pPr marL="1371600" algn="l" defTabSz="457200" rtl="0" eaLnBrk="1" latinLnBrk="0" hangingPunct="1">
         <a:defRPr sz="1800" kern="1200">
           <a:solidFill>
             <a:schemeClr val="tx1"/>
@@ -3120,15 +5302,7 @@
           <a:cs typeface="+mn-cs"/>
         </a:defRPr>
       </a:lvl4pPr>
-      <a:lvl5pPr marL="2057400" indent="-228600" algn="l" defTabSz="914400" rtl="0" eaLnBrk="1" latinLnBrk="0" hangingPunct="1">
-        <a:lnSpc>
-          <a:spcPct val="90000"/>
-        </a:lnSpc>
-        <a:spcBef>
-          <a:spcPts val="500"/>
-        </a:spcBef>
-        <a:buFont typeface="Arial" panose="020B0604020202020204" pitchFamily="34" charset="0"/>
-        <a:buChar char="•"/>
+      <a:lvl5pPr marL="1828800" algn="l" defTabSz="457200" rtl="0" eaLnBrk="1" latinLnBrk="0" hangingPunct="1">
         <a:defRPr sz="1800" kern="1200">
           <a:solidFill>
             <a:schemeClr val="tx1"/>
@@ -3138,15 +5312,7 @@
           <a:cs typeface="+mn-cs"/>
         </a:defRPr>
       </a:lvl5pPr>
-      <a:lvl6pPr marL="2514600" indent="-228600" algn="l" defTabSz="914400" rtl="0" eaLnBrk="1" latinLnBrk="0" hangingPunct="1">
-        <a:lnSpc>
-          <a:spcPct val="90000"/>
-        </a:lnSpc>
-        <a:spcBef>
-          <a:spcPts val="500"/>
-        </a:spcBef>
-        <a:buFont typeface="Arial" panose="020B0604020202020204" pitchFamily="34" charset="0"/>
-        <a:buChar char="•"/>
+      <a:lvl6pPr marL="2286000" algn="l" defTabSz="457200" rtl="0" eaLnBrk="1" latinLnBrk="0" hangingPunct="1">
         <a:defRPr sz="1800" kern="1200">
           <a:solidFill>
             <a:schemeClr val="tx1"/>
@@ -3156,15 +5322,7 @@
           <a:cs typeface="+mn-cs"/>
         </a:defRPr>
       </a:lvl6pPr>
-      <a:lvl7pPr marL="2971800" indent="-228600" algn="l" defTabSz="914400" rtl="0" eaLnBrk="1" latinLnBrk="0" hangingPunct="1">
-        <a:lnSpc>
-          <a:spcPct val="90000"/>
-        </a:lnSpc>
-        <a:spcBef>
-          <a:spcPts val="500"/>
-        </a:spcBef>
-        <a:buFont typeface="Arial" panose="020B0604020202020204" pitchFamily="34" charset="0"/>
-        <a:buChar char="•"/>
+      <a:lvl7pPr marL="2743200" algn="l" defTabSz="457200" rtl="0" eaLnBrk="1" latinLnBrk="0" hangingPunct="1">
         <a:defRPr sz="1800" kern="1200">
           <a:solidFill>
             <a:schemeClr val="tx1"/>
@@ -3174,15 +5332,7 @@
           <a:cs typeface="+mn-cs"/>
         </a:defRPr>
       </a:lvl7pPr>
-      <a:lvl8pPr marL="3429000" indent="-228600" algn="l" defTabSz="914400" rtl="0" eaLnBrk="1" latinLnBrk="0" hangingPunct="1">
-        <a:lnSpc>
-          <a:spcPct val="90000"/>
-        </a:lnSpc>
-        <a:spcBef>
-          <a:spcPts val="500"/>
-        </a:spcBef>
-        <a:buFont typeface="Arial" panose="020B0604020202020204" pitchFamily="34" charset="0"/>
-        <a:buChar char="•"/>
+      <a:lvl8pPr marL="3200400" algn="l" defTabSz="457200" rtl="0" eaLnBrk="1" latinLnBrk="0" hangingPunct="1">
         <a:defRPr sz="1800" kern="1200">
           <a:solidFill>
             <a:schemeClr val="tx1"/>
@@ -3192,110 +5342,7 @@
           <a:cs typeface="+mn-cs"/>
         </a:defRPr>
       </a:lvl8pPr>
-      <a:lvl9pPr marL="3886200" indent="-228600" algn="l" defTabSz="914400" rtl="0" eaLnBrk="1" latinLnBrk="0" hangingPunct="1">
-        <a:lnSpc>
-          <a:spcPct val="90000"/>
-        </a:lnSpc>
-        <a:spcBef>
-          <a:spcPts val="500"/>
-        </a:spcBef>
-        <a:buFont typeface="Arial" panose="020B0604020202020204" pitchFamily="34" charset="0"/>
-        <a:buChar char="•"/>
-        <a:defRPr sz="1800" kern="1200">
-          <a:solidFill>
-            <a:schemeClr val="tx1"/>
-          </a:solidFill>
-          <a:latin typeface="+mn-lt"/>
-          <a:ea typeface="+mn-ea"/>
-          <a:cs typeface="+mn-cs"/>
-        </a:defRPr>
-      </a:lvl9pPr>
-    </p:bodyStyle>
-    <p:otherStyle>
-      <a:defPPr>
-        <a:defRPr lang="pt-BR"/>
-      </a:defPPr>
-      <a:lvl1pPr marL="0" algn="l" defTabSz="914400" rtl="0" eaLnBrk="1" latinLnBrk="0" hangingPunct="1">
-        <a:defRPr sz="1800" kern="1200">
-          <a:solidFill>
-            <a:schemeClr val="tx1"/>
-          </a:solidFill>
-          <a:latin typeface="+mn-lt"/>
-          <a:ea typeface="+mn-ea"/>
-          <a:cs typeface="+mn-cs"/>
-        </a:defRPr>
-      </a:lvl1pPr>
-      <a:lvl2pPr marL="457200" algn="l" defTabSz="914400" rtl="0" eaLnBrk="1" latinLnBrk="0" hangingPunct="1">
-        <a:defRPr sz="1800" kern="1200">
-          <a:solidFill>
-            <a:schemeClr val="tx1"/>
-          </a:solidFill>
-          <a:latin typeface="+mn-lt"/>
-          <a:ea typeface="+mn-ea"/>
-          <a:cs typeface="+mn-cs"/>
-        </a:defRPr>
-      </a:lvl2pPr>
-      <a:lvl3pPr marL="914400" algn="l" defTabSz="914400" rtl="0" eaLnBrk="1" latinLnBrk="0" hangingPunct="1">
-        <a:defRPr sz="1800" kern="1200">
-          <a:solidFill>
-            <a:schemeClr val="tx1"/>
-          </a:solidFill>
-          <a:latin typeface="+mn-lt"/>
-          <a:ea typeface="+mn-ea"/>
-          <a:cs typeface="+mn-cs"/>
-        </a:defRPr>
-      </a:lvl3pPr>
-      <a:lvl4pPr marL="1371600" algn="l" defTabSz="914400" rtl="0" eaLnBrk="1" latinLnBrk="0" hangingPunct="1">
-        <a:defRPr sz="1800" kern="1200">
-          <a:solidFill>
-            <a:schemeClr val="tx1"/>
-          </a:solidFill>
-          <a:latin typeface="+mn-lt"/>
-          <a:ea typeface="+mn-ea"/>
-          <a:cs typeface="+mn-cs"/>
-        </a:defRPr>
-      </a:lvl4pPr>
-      <a:lvl5pPr marL="1828800" algn="l" defTabSz="914400" rtl="0" eaLnBrk="1" latinLnBrk="0" hangingPunct="1">
-        <a:defRPr sz="1800" kern="1200">
-          <a:solidFill>
-            <a:schemeClr val="tx1"/>
-          </a:solidFill>
-          <a:latin typeface="+mn-lt"/>
-          <a:ea typeface="+mn-ea"/>
-          <a:cs typeface="+mn-cs"/>
-        </a:defRPr>
-      </a:lvl5pPr>
-      <a:lvl6pPr marL="2286000" algn="l" defTabSz="914400" rtl="0" eaLnBrk="1" latinLnBrk="0" hangingPunct="1">
-        <a:defRPr sz="1800" kern="1200">
-          <a:solidFill>
-            <a:schemeClr val="tx1"/>
-          </a:solidFill>
-          <a:latin typeface="+mn-lt"/>
-          <a:ea typeface="+mn-ea"/>
-          <a:cs typeface="+mn-cs"/>
-        </a:defRPr>
-      </a:lvl6pPr>
-      <a:lvl7pPr marL="2743200" algn="l" defTabSz="914400" rtl="0" eaLnBrk="1" latinLnBrk="0" hangingPunct="1">
-        <a:defRPr sz="1800" kern="1200">
-          <a:solidFill>
-            <a:schemeClr val="tx1"/>
-          </a:solidFill>
-          <a:latin typeface="+mn-lt"/>
-          <a:ea typeface="+mn-ea"/>
-          <a:cs typeface="+mn-cs"/>
-        </a:defRPr>
-      </a:lvl7pPr>
-      <a:lvl8pPr marL="3200400" algn="l" defTabSz="914400" rtl="0" eaLnBrk="1" latinLnBrk="0" hangingPunct="1">
-        <a:defRPr sz="1800" kern="1200">
-          <a:solidFill>
-            <a:schemeClr val="tx1"/>
-          </a:solidFill>
-          <a:latin typeface="+mn-lt"/>
-          <a:ea typeface="+mn-ea"/>
-          <a:cs typeface="+mn-cs"/>
-        </a:defRPr>
-      </a:lvl8pPr>
-      <a:lvl9pPr marL="3657600" algn="l" defTabSz="914400" rtl="0" eaLnBrk="1" latinLnBrk="0" hangingPunct="1">
+      <a:lvl9pPr marL="3657600" algn="l" defTabSz="457200" rtl="0" eaLnBrk="1" latinLnBrk="0" hangingPunct="1">
         <a:defRPr sz="1800" kern="1200">
           <a:solidFill>
             <a:schemeClr val="tx1"/>
@@ -3313,6 +5360,28 @@
 <file path=ppt/slides/slide1.xml><?xml version="1.0" encoding="utf-8"?>
 <p:sld xmlns:a="http://schemas.openxmlformats.org/drawingml/2006/main" xmlns:r="http://schemas.openxmlformats.org/officeDocument/2006/relationships" xmlns:p="http://schemas.openxmlformats.org/presentationml/2006/main">
   <p:cSld>
+    <p:bg>
+      <p:bgPr>
+        <a:gradFill rotWithShape="1">
+          <a:gsLst>
+            <a:gs pos="0">
+              <a:schemeClr val="tx1">
+                <a:lumMod val="85000"/>
+              </a:schemeClr>
+            </a:gs>
+            <a:gs pos="100000">
+              <a:schemeClr val="bg2">
+                <a:shade val="96000"/>
+                <a:satMod val="120000"/>
+                <a:lumMod val="90000"/>
+              </a:schemeClr>
+            </a:gs>
+          </a:gsLst>
+          <a:lin ang="6120000" scaled="1"/>
+        </a:gradFill>
+        <a:effectLst/>
+      </p:bgPr>
+    </p:bg>
     <p:spTree>
       <p:nvGrpSpPr>
         <p:cNvPr id="1" name=""/>
@@ -3345,7 +5414,7 @@
         </p:nvSpPr>
         <p:spPr>
           <a:xfrm>
-            <a:off x="1466850" y="604044"/>
+            <a:off x="1139047" y="537363"/>
             <a:ext cx="9144000" cy="2387600"/>
           </a:xfrm>
         </p:spPr>
@@ -3411,7 +5480,7 @@
         </p:nvSpPr>
         <p:spPr>
           <a:xfrm>
-            <a:off x="1466850" y="3570288"/>
+            <a:off x="1078662" y="3566069"/>
             <a:ext cx="7093789" cy="1284517"/>
           </a:xfrm>
         </p:spPr>
@@ -3467,7 +5536,7 @@
         </p:nvSpPr>
         <p:spPr>
           <a:xfrm>
-            <a:off x="1466850" y="4800600"/>
+            <a:off x="1078662" y="4850586"/>
             <a:ext cx="2749471" cy="1754326"/>
           </a:xfrm>
           <a:prstGeom prst="rect">
@@ -3547,7 +5616,7 @@
         </p:nvSpPr>
         <p:spPr>
           <a:xfrm rot="5400000">
-            <a:off x="5775447" y="-5792926"/>
+            <a:off x="5775447" y="-5879190"/>
             <a:ext cx="641106" cy="12192000"/>
           </a:xfrm>
           <a:prstGeom prst="rect">
@@ -3556,6 +5625,9 @@
           <a:solidFill>
             <a:srgbClr val="465775"/>
           </a:solidFill>
+          <a:ln>
+            <a:noFill/>
+          </a:ln>
         </p:spPr>
         <p:style>
           <a:lnRef idx="2">
@@ -3598,6 +5670,26 @@
 <file path=ppt/slides/slide2.xml><?xml version="1.0" encoding="utf-8"?>
 <p:sld xmlns:a="http://schemas.openxmlformats.org/drawingml/2006/main" xmlns:r="http://schemas.openxmlformats.org/officeDocument/2006/relationships" xmlns:p="http://schemas.openxmlformats.org/presentationml/2006/main">
   <p:cSld>
+    <p:bg>
+      <p:bgPr>
+        <a:gradFill rotWithShape="1">
+          <a:gsLst>
+            <a:gs pos="10000">
+              <a:schemeClr val="tx1"/>
+            </a:gs>
+            <a:gs pos="100000">
+              <a:schemeClr val="bg2">
+                <a:shade val="96000"/>
+                <a:satMod val="120000"/>
+                <a:lumMod val="90000"/>
+              </a:schemeClr>
+            </a:gs>
+          </a:gsLst>
+          <a:lin ang="6120000" scaled="1"/>
+        </a:gradFill>
+        <a:effectLst/>
+      </p:bgPr>
+    </p:bg>
     <p:spTree>
       <p:nvGrpSpPr>
         <p:cNvPr id="1" name=""/>
@@ -3617,7 +5709,7 @@
           <p:cNvPr id="2" name="Título 1">
             <a:extLst>
               <a:ext uri="{FF2B5EF4-FFF2-40B4-BE49-F238E27FC236}">
-                <a16:creationId xmlns:a16="http://schemas.microsoft.com/office/drawing/2014/main" id="{7709C20A-E89F-4709-8863-249116F1ECE4}"/>
+                <a16:creationId xmlns:a16="http://schemas.microsoft.com/office/drawing/2014/main" id="{BDA7D771-34F3-4F4C-AAEB-3B58490D2B4D}"/>
               </a:ext>
             </a:extLst>
           </p:cNvPr>
@@ -3630,8 +5722,8 @@
         </p:nvSpPr>
         <p:spPr>
           <a:xfrm>
-            <a:off x="838200" y="500062"/>
-            <a:ext cx="10515600" cy="1325563"/>
+            <a:off x="1159403" y="426605"/>
+            <a:ext cx="8534400" cy="1507067"/>
           </a:xfrm>
         </p:spPr>
         <p:txBody>
@@ -3646,90 +5738,17 @@
                 <a:latin typeface="Arial" panose="020B0604020202020204" pitchFamily="34" charset="0"/>
                 <a:cs typeface="Arial" panose="020B0604020202020204" pitchFamily="34" charset="0"/>
               </a:rPr>
-              <a:t>Objetivo do projeto</a:t>
-            </a:r>
-          </a:p>
-        </p:txBody>
-      </p:sp>
-      <p:sp>
-        <p:nvSpPr>
-          <p:cNvPr id="3" name="Espaço Reservado para Conteúdo 2">
+              <a:t>Tecnologias Usadas</a:t>
+            </a:r>
+          </a:p>
+        </p:txBody>
+      </p:sp>
+      <p:sp>
+        <p:nvSpPr>
+          <p:cNvPr id="6" name="Retângulo 5">
             <a:extLst>
               <a:ext uri="{FF2B5EF4-FFF2-40B4-BE49-F238E27FC236}">
-                <a16:creationId xmlns:a16="http://schemas.microsoft.com/office/drawing/2014/main" id="{050D06FC-3946-4607-B095-FCEBB648D854}"/>
-              </a:ext>
-            </a:extLst>
-          </p:cNvPr>
-          <p:cNvSpPr>
-            <a:spLocks noGrp="1"/>
-          </p:cNvSpPr>
-          <p:nvPr>
-            <p:ph idx="1"/>
-          </p:nvPr>
-        </p:nvSpPr>
-        <p:spPr/>
-        <p:txBody>
-          <a:bodyPr/>
-          <a:lstStyle/>
-          <a:p>
-            <a:pPr marL="0" indent="0">
-              <a:buNone/>
-            </a:pPr>
-            <a:r>
-              <a:rPr lang="pt-BR" dirty="0">
-                <a:latin typeface="Arial" panose="020B0604020202020204" pitchFamily="34" charset="0"/>
-                <a:cs typeface="Arial" panose="020B0604020202020204" pitchFamily="34" charset="0"/>
-              </a:rPr>
-              <a:t>O Projeto Inicial </a:t>
-            </a:r>
-            <a:r>
-              <a:rPr lang="pt-BR" dirty="0" err="1">
-                <a:latin typeface="Arial" panose="020B0604020202020204" pitchFamily="34" charset="0"/>
-                <a:ea typeface="Gulim" panose="020B0600000101010101" pitchFamily="34" charset="-127"/>
-                <a:cs typeface="Arial" panose="020B0604020202020204" pitchFamily="34" charset="0"/>
-              </a:rPr>
-              <a:t>Patri</a:t>
-            </a:r>
-            <a:r>
-              <a:rPr lang="pt-BR" dirty="0">
-                <a:latin typeface="Arial" panose="020B0604020202020204" pitchFamily="34" charset="0"/>
-                <a:cs typeface="Arial" panose="020B0604020202020204" pitchFamily="34" charset="0"/>
-              </a:rPr>
-              <a:t> tem o intuito de fazer um</a:t>
-            </a:r>
-            <a:r>
-              <a:rPr lang="pt-BR" dirty="0"/>
-              <a:t> </a:t>
-            </a:r>
-          </a:p>
-          <a:p>
-            <a:pPr marL="0" indent="0">
-              <a:buNone/>
-            </a:pPr>
-            <a:r>
-              <a:rPr lang="pt-BR" b="1" i="0" dirty="0">
-                <a:effectLst/>
-                <a:latin typeface="Arial" panose="020B0604020202020204" pitchFamily="34" charset="0"/>
-                <a:cs typeface="Arial" panose="020B0604020202020204" pitchFamily="34" charset="0"/>
-              </a:rPr>
-              <a:t>Sistema de gerenciar o patrimônio de uma escola para </a:t>
-            </a:r>
-            <a:r>
-              <a:rPr lang="pt-BR" b="1" dirty="0">
-                <a:latin typeface="Arial" panose="020B0604020202020204" pitchFamily="34" charset="0"/>
-                <a:cs typeface="Arial" panose="020B0604020202020204" pitchFamily="34" charset="0"/>
-              </a:rPr>
-              <a:t>cadastrar as salas e equipamentos.</a:t>
-            </a:r>
-          </a:p>
-        </p:txBody>
-      </p:sp>
-      <p:sp>
-        <p:nvSpPr>
-          <p:cNvPr id="4" name="Retângulo 3">
-            <a:extLst>
-              <a:ext uri="{FF2B5EF4-FFF2-40B4-BE49-F238E27FC236}">
-                <a16:creationId xmlns:a16="http://schemas.microsoft.com/office/drawing/2014/main" id="{0E66D8EB-1992-4786-A420-6628609FCA6A}"/>
+                <a16:creationId xmlns:a16="http://schemas.microsoft.com/office/drawing/2014/main" id="{A3217067-6B34-4124-91D5-096009B83032}"/>
               </a:ext>
             </a:extLst>
           </p:cNvPr>
@@ -3747,6 +5766,9 @@
           <a:solidFill>
             <a:srgbClr val="465775"/>
           </a:solidFill>
+          <a:ln>
+            <a:noFill/>
+          </a:ln>
         </p:spPr>
         <p:style>
           <a:lnRef idx="2">
@@ -3773,10 +5795,233 @@
           </a:p>
         </p:txBody>
       </p:sp>
+      <p:pic>
+        <p:nvPicPr>
+          <p:cNvPr id="7" name="Imagem 6">
+            <a:extLst>
+              <a:ext uri="{FF2B5EF4-FFF2-40B4-BE49-F238E27FC236}">
+                <a16:creationId xmlns:a16="http://schemas.microsoft.com/office/drawing/2014/main" id="{DB7D438A-9A3E-4C26-8858-6B2892533B72}"/>
+              </a:ext>
+            </a:extLst>
+          </p:cNvPr>
+          <p:cNvPicPr>
+            <a:picLocks noChangeAspect="1"/>
+          </p:cNvPicPr>
+          <p:nvPr/>
+        </p:nvPicPr>
+        <p:blipFill>
+          <a:blip r:embed="rId2">
+            <a:extLst>
+              <a:ext uri="{28A0092B-C50C-407E-A947-70E740481C1C}">
+                <a14:useLocalDpi xmlns:a14="http://schemas.microsoft.com/office/drawing/2010/main" val="0"/>
+              </a:ext>
+            </a:extLst>
+          </a:blip>
+          <a:stretch>
+            <a:fillRect/>
+          </a:stretch>
+        </p:blipFill>
+        <p:spPr>
+          <a:xfrm>
+            <a:off x="1921108" y="2800898"/>
+            <a:ext cx="2399593" cy="1256204"/>
+          </a:xfrm>
+          <a:prstGeom prst="rect">
+            <a:avLst/>
+          </a:prstGeom>
+        </p:spPr>
+      </p:pic>
+      <p:pic>
+        <p:nvPicPr>
+          <p:cNvPr id="9" name="Imagem 8">
+            <a:extLst>
+              <a:ext uri="{FF2B5EF4-FFF2-40B4-BE49-F238E27FC236}">
+                <a16:creationId xmlns:a16="http://schemas.microsoft.com/office/drawing/2014/main" id="{94DA7BB2-23B9-4F07-91A5-94B35A23D599}"/>
+              </a:ext>
+            </a:extLst>
+          </p:cNvPr>
+          <p:cNvPicPr>
+            <a:picLocks noChangeAspect="1"/>
+          </p:cNvPicPr>
+          <p:nvPr/>
+        </p:nvPicPr>
+        <p:blipFill>
+          <a:blip r:embed="rId3">
+            <a:extLst>
+              <a:ext uri="{28A0092B-C50C-407E-A947-70E740481C1C}">
+                <a14:useLocalDpi xmlns:a14="http://schemas.microsoft.com/office/drawing/2010/main" val="0"/>
+              </a:ext>
+            </a:extLst>
+          </a:blip>
+          <a:stretch>
+            <a:fillRect/>
+          </a:stretch>
+        </p:blipFill>
+        <p:spPr>
+          <a:xfrm>
+            <a:off x="5600703" y="2549106"/>
+            <a:ext cx="1703717" cy="1703717"/>
+          </a:xfrm>
+          <a:prstGeom prst="rect">
+            <a:avLst/>
+          </a:prstGeom>
+        </p:spPr>
+      </p:pic>
+      <p:sp>
+        <p:nvSpPr>
+          <p:cNvPr id="10" name="CaixaDeTexto 9">
+            <a:extLst>
+              <a:ext uri="{FF2B5EF4-FFF2-40B4-BE49-F238E27FC236}">
+                <a16:creationId xmlns:a16="http://schemas.microsoft.com/office/drawing/2014/main" id="{808D3DF0-A06F-48BD-971D-167D160152BE}"/>
+              </a:ext>
+            </a:extLst>
+          </p:cNvPr>
+          <p:cNvSpPr txBox="1"/>
+          <p:nvPr/>
+        </p:nvSpPr>
+        <p:spPr>
+          <a:xfrm>
+            <a:off x="1802921" y="4252823"/>
+            <a:ext cx="1668727" cy="369332"/>
+          </a:xfrm>
+          <a:prstGeom prst="rect">
+            <a:avLst/>
+          </a:prstGeom>
+          <a:noFill/>
+        </p:spPr>
+        <p:txBody>
+          <a:bodyPr wrap="none" rtlCol="0">
+            <a:spAutoFit/>
+          </a:bodyPr>
+          <a:lstStyle/>
+          <a:p>
+            <a:r>
+              <a:rPr lang="pt-BR" dirty="0"/>
+              <a:t>Banco de dados</a:t>
+            </a:r>
+          </a:p>
+        </p:txBody>
+      </p:sp>
+      <p:sp>
+        <p:nvSpPr>
+          <p:cNvPr id="11" name="CaixaDeTexto 10">
+            <a:extLst>
+              <a:ext uri="{FF2B5EF4-FFF2-40B4-BE49-F238E27FC236}">
+                <a16:creationId xmlns:a16="http://schemas.microsoft.com/office/drawing/2014/main" id="{9340E495-22C7-4E72-851E-73DEC0A838F8}"/>
+              </a:ext>
+            </a:extLst>
+          </p:cNvPr>
+          <p:cNvSpPr txBox="1"/>
+          <p:nvPr/>
+        </p:nvSpPr>
+        <p:spPr>
+          <a:xfrm>
+            <a:off x="5928218" y="4252823"/>
+            <a:ext cx="1048685" cy="369332"/>
+          </a:xfrm>
+          <a:prstGeom prst="rect">
+            <a:avLst/>
+          </a:prstGeom>
+          <a:noFill/>
+        </p:spPr>
+        <p:txBody>
+          <a:bodyPr wrap="none" rtlCol="0">
+            <a:spAutoFit/>
+          </a:bodyPr>
+          <a:lstStyle/>
+          <a:p>
+            <a:r>
+              <a:rPr lang="pt-BR" dirty="0"/>
+              <a:t>Back-</a:t>
+            </a:r>
+            <a:r>
+              <a:rPr lang="pt-BR" dirty="0" err="1"/>
+              <a:t>End</a:t>
+            </a:r>
+            <a:endParaRPr lang="pt-BR" dirty="0"/>
+          </a:p>
+        </p:txBody>
+      </p:sp>
+      <p:pic>
+        <p:nvPicPr>
+          <p:cNvPr id="13" name="Imagem 12">
+            <a:extLst>
+              <a:ext uri="{FF2B5EF4-FFF2-40B4-BE49-F238E27FC236}">
+                <a16:creationId xmlns:a16="http://schemas.microsoft.com/office/drawing/2014/main" id="{19C9F014-403D-4253-BE5F-B510C5EA97D6}"/>
+              </a:ext>
+            </a:extLst>
+          </p:cNvPr>
+          <p:cNvPicPr>
+            <a:picLocks noChangeAspect="1"/>
+          </p:cNvPicPr>
+          <p:nvPr/>
+        </p:nvPicPr>
+        <p:blipFill>
+          <a:blip r:embed="rId4">
+            <a:extLst>
+              <a:ext uri="{28A0092B-C50C-407E-A947-70E740481C1C}">
+                <a14:useLocalDpi xmlns:a14="http://schemas.microsoft.com/office/drawing/2010/main" val="0"/>
+              </a:ext>
+            </a:extLst>
+          </a:blip>
+          <a:stretch>
+            <a:fillRect/>
+          </a:stretch>
+        </p:blipFill>
+        <p:spPr>
+          <a:xfrm>
+            <a:off x="8783176" y="2518371"/>
+            <a:ext cx="1821257" cy="1821257"/>
+          </a:xfrm>
+          <a:prstGeom prst="rect">
+            <a:avLst/>
+          </a:prstGeom>
+        </p:spPr>
+      </p:pic>
+      <p:sp>
+        <p:nvSpPr>
+          <p:cNvPr id="14" name="CaixaDeTexto 13">
+            <a:extLst>
+              <a:ext uri="{FF2B5EF4-FFF2-40B4-BE49-F238E27FC236}">
+                <a16:creationId xmlns:a16="http://schemas.microsoft.com/office/drawing/2014/main" id="{B609C1C9-FC0E-4D1B-861F-87071F4DB974}"/>
+              </a:ext>
+            </a:extLst>
+          </p:cNvPr>
+          <p:cNvSpPr txBox="1"/>
+          <p:nvPr/>
+        </p:nvSpPr>
+        <p:spPr>
+          <a:xfrm>
+            <a:off x="9137914" y="4252823"/>
+            <a:ext cx="1111779" cy="369332"/>
+          </a:xfrm>
+          <a:prstGeom prst="rect">
+            <a:avLst/>
+          </a:prstGeom>
+          <a:noFill/>
+        </p:spPr>
+        <p:txBody>
+          <a:bodyPr wrap="none" rtlCol="0">
+            <a:spAutoFit/>
+          </a:bodyPr>
+          <a:lstStyle/>
+          <a:p>
+            <a:r>
+              <a:rPr lang="pt-BR" dirty="0"/>
+              <a:t>Front-</a:t>
+            </a:r>
+            <a:r>
+              <a:rPr lang="pt-BR" dirty="0" err="1"/>
+              <a:t>End</a:t>
+            </a:r>
+            <a:endParaRPr lang="pt-BR" dirty="0"/>
+          </a:p>
+        </p:txBody>
+      </p:sp>
     </p:spTree>
     <p:extLst>
       <p:ext uri="{BB962C8B-B14F-4D97-AF65-F5344CB8AC3E}">
-        <p14:creationId xmlns:p14="http://schemas.microsoft.com/office/powerpoint/2010/main" val="1315015346"/>
+        <p14:creationId xmlns:p14="http://schemas.microsoft.com/office/powerpoint/2010/main" val="3859195528"/>
       </p:ext>
     </p:extLst>
   </p:cSld>
@@ -3789,6 +6034,26 @@
 <file path=ppt/slides/slide3.xml><?xml version="1.0" encoding="utf-8"?>
 <p:sld xmlns:a="http://schemas.openxmlformats.org/drawingml/2006/main" xmlns:r="http://schemas.openxmlformats.org/officeDocument/2006/relationships" xmlns:p="http://schemas.openxmlformats.org/presentationml/2006/main">
   <p:cSld>
+    <p:bg>
+      <p:bgPr>
+        <a:gradFill rotWithShape="1">
+          <a:gsLst>
+            <a:gs pos="10000">
+              <a:schemeClr val="tx1"/>
+            </a:gs>
+            <a:gs pos="100000">
+              <a:schemeClr val="bg2">
+                <a:shade val="96000"/>
+                <a:satMod val="120000"/>
+                <a:lumMod val="90000"/>
+              </a:schemeClr>
+            </a:gs>
+          </a:gsLst>
+          <a:lin ang="6120000" scaled="1"/>
+        </a:gradFill>
+        <a:effectLst/>
+      </p:bgPr>
+    </p:bg>
     <p:spTree>
       <p:nvGrpSpPr>
         <p:cNvPr id="1" name=""/>
@@ -3808,7 +6073,7 @@
           <p:cNvPr id="2" name="Título 1">
             <a:extLst>
               <a:ext uri="{FF2B5EF4-FFF2-40B4-BE49-F238E27FC236}">
-                <a16:creationId xmlns:a16="http://schemas.microsoft.com/office/drawing/2014/main" id="{BDA7D771-34F3-4F4C-AAEB-3B58490D2B4D}"/>
+                <a16:creationId xmlns:a16="http://schemas.microsoft.com/office/drawing/2014/main" id="{7709C20A-E89F-4709-8863-249116F1ECE4}"/>
               </a:ext>
             </a:extLst>
           </p:cNvPr>
@@ -3819,7 +6084,12 @@
             <p:ph type="title"/>
           </p:nvPr>
         </p:nvSpPr>
-        <p:spPr/>
+        <p:spPr>
+          <a:xfrm>
+            <a:off x="838200" y="500062"/>
+            <a:ext cx="10515600" cy="1325563"/>
+          </a:xfrm>
+        </p:spPr>
         <p:txBody>
           <a:bodyPr/>
           <a:lstStyle/>
@@ -3828,21 +6098,112 @@
               <a:rPr lang="pt-BR" b="1" dirty="0">
                 <a:solidFill>
                   <a:srgbClr val="465775"/>
+                </a:solidFill>
+                <a:latin typeface="+mn-lt"/>
+                <a:cs typeface="Arial" panose="020B0604020202020204" pitchFamily="34" charset="0"/>
+              </a:rPr>
+              <a:t>projeto</a:t>
+            </a:r>
+          </a:p>
+        </p:txBody>
+      </p:sp>
+      <p:sp>
+        <p:nvSpPr>
+          <p:cNvPr id="3" name="Espaço Reservado para Conteúdo 2">
+            <a:extLst>
+              <a:ext uri="{FF2B5EF4-FFF2-40B4-BE49-F238E27FC236}">
+                <a16:creationId xmlns:a16="http://schemas.microsoft.com/office/drawing/2014/main" id="{050D06FC-3946-4607-B095-FCEBB648D854}"/>
+              </a:ext>
+            </a:extLst>
+          </p:cNvPr>
+          <p:cNvSpPr>
+            <a:spLocks noGrp="1"/>
+          </p:cNvSpPr>
+          <p:nvPr>
+            <p:ph idx="1"/>
+          </p:nvPr>
+        </p:nvSpPr>
+        <p:spPr>
+          <a:xfrm>
+            <a:off x="838200" y="1298275"/>
+            <a:ext cx="8534400" cy="3615267"/>
+          </a:xfrm>
+        </p:spPr>
+        <p:txBody>
+          <a:bodyPr>
+            <a:normAutofit/>
+          </a:bodyPr>
+          <a:lstStyle/>
+          <a:p>
+            <a:pPr marL="0" indent="0">
+              <a:buNone/>
+            </a:pPr>
+            <a:r>
+              <a:rPr lang="pt-BR" sz="2800" dirty="0">
+                <a:solidFill>
+                  <a:schemeClr val="tx1"/>
                 </a:solidFill>
                 <a:latin typeface="Arial" panose="020B0604020202020204" pitchFamily="34" charset="0"/>
                 <a:cs typeface="Arial" panose="020B0604020202020204" pitchFamily="34" charset="0"/>
               </a:rPr>
-              <a:t>Tecnologias</a:t>
-            </a:r>
-          </a:p>
-        </p:txBody>
-      </p:sp>
-      <p:sp>
-        <p:nvSpPr>
-          <p:cNvPr id="6" name="Retângulo 5">
+              <a:t>O Projeto </a:t>
+            </a:r>
+            <a:r>
+              <a:rPr lang="pt-BR" sz="2800" dirty="0" err="1">
+                <a:solidFill>
+                  <a:schemeClr val="tx1"/>
+                </a:solidFill>
+                <a:latin typeface="Arial" panose="020B0604020202020204" pitchFamily="34" charset="0"/>
+                <a:ea typeface="Gulim" panose="020B0600000101010101" pitchFamily="34" charset="-127"/>
+                <a:cs typeface="Arial" panose="020B0604020202020204" pitchFamily="34" charset="0"/>
+              </a:rPr>
+              <a:t>Patri</a:t>
+            </a:r>
+            <a:r>
+              <a:rPr lang="pt-BR" sz="2800" dirty="0">
+                <a:solidFill>
+                  <a:schemeClr val="tx1"/>
+                </a:solidFill>
+                <a:latin typeface="Arial" panose="020B0604020202020204" pitchFamily="34" charset="0"/>
+                <a:ea typeface="Gulim" panose="020B0600000101010101" pitchFamily="34" charset="-127"/>
+                <a:cs typeface="Arial" panose="020B0604020202020204" pitchFamily="34" charset="0"/>
+              </a:rPr>
+              <a:t> e</a:t>
+            </a:r>
+            <a:r>
+              <a:rPr lang="pt-BR" sz="2800" dirty="0">
+                <a:solidFill>
+                  <a:schemeClr val="tx1"/>
+                </a:solidFill>
+                <a:latin typeface="Arial" panose="020B0604020202020204" pitchFamily="34" charset="0"/>
+                <a:cs typeface="Arial" panose="020B0604020202020204" pitchFamily="34" charset="0"/>
+              </a:rPr>
+              <a:t> </a:t>
+            </a:r>
+            <a:r>
+              <a:rPr lang="pt-BR" sz="2800" dirty="0">
+                <a:solidFill>
+                  <a:schemeClr val="tx1"/>
+                </a:solidFill>
+              </a:rPr>
+              <a:t>uma aplicação para gerenciamento do patrimônio de uma escola</a:t>
+            </a:r>
+            <a:endParaRPr lang="pt-BR" sz="2800" dirty="0">
+              <a:solidFill>
+                <a:schemeClr val="tx1"/>
+              </a:solidFill>
+              <a:latin typeface="Gill Sans MT "/>
+              <a:cs typeface="Arial" panose="020B0604020202020204" pitchFamily="34" charset="0"/>
+            </a:endParaRPr>
+          </a:p>
+        </p:txBody>
+      </p:sp>
+      <p:sp>
+        <p:nvSpPr>
+          <p:cNvPr id="4" name="Retângulo 3">
             <a:extLst>
               <a:ext uri="{FF2B5EF4-FFF2-40B4-BE49-F238E27FC236}">
-                <a16:creationId xmlns:a16="http://schemas.microsoft.com/office/drawing/2014/main" id="{A3217067-6B34-4124-91D5-096009B83032}"/>
+                <a16:creationId xmlns:a16="http://schemas.microsoft.com/office/drawing/2014/main" id="{0E66D8EB-1992-4786-A420-6628609FCA6A}"/>
               </a:ext>
             </a:extLst>
           </p:cNvPr>
@@ -3860,6 +6221,9 @@
           <a:solidFill>
             <a:srgbClr val="465775"/>
           </a:solidFill>
+          <a:ln>
+            <a:noFill/>
+          </a:ln>
         </p:spPr>
         <p:style>
           <a:lnRef idx="2">
@@ -3889,7 +6253,7 @@
     </p:spTree>
     <p:extLst>
       <p:ext uri="{BB962C8B-B14F-4D97-AF65-F5344CB8AC3E}">
-        <p14:creationId xmlns:p14="http://schemas.microsoft.com/office/powerpoint/2010/main" val="3859195528"/>
+        <p14:creationId xmlns:p14="http://schemas.microsoft.com/office/powerpoint/2010/main" val="1315015346"/>
       </p:ext>
     </p:extLst>
   </p:cSld>
@@ -3902,6 +6266,26 @@
 <file path=ppt/slides/slide4.xml><?xml version="1.0" encoding="utf-8"?>
 <p:sld xmlns:a="http://schemas.openxmlformats.org/drawingml/2006/main" xmlns:r="http://schemas.openxmlformats.org/officeDocument/2006/relationships" xmlns:p="http://schemas.openxmlformats.org/presentationml/2006/main">
   <p:cSld>
+    <p:bg>
+      <p:bgPr>
+        <a:gradFill rotWithShape="1">
+          <a:gsLst>
+            <a:gs pos="10000">
+              <a:schemeClr val="tx1"/>
+            </a:gs>
+            <a:gs pos="100000">
+              <a:schemeClr val="bg2">
+                <a:shade val="96000"/>
+                <a:satMod val="120000"/>
+                <a:lumMod val="90000"/>
+              </a:schemeClr>
+            </a:gs>
+          </a:gsLst>
+          <a:lin ang="6120000" scaled="1"/>
+        </a:gradFill>
+        <a:effectLst/>
+      </p:bgPr>
+    </p:bg>
     <p:spTree>
       <p:nvGrpSpPr>
         <p:cNvPr id="1" name=""/>
@@ -3932,7 +6316,12 @@
             <p:ph type="title"/>
           </p:nvPr>
         </p:nvSpPr>
-        <p:spPr/>
+        <p:spPr>
+          <a:xfrm>
+            <a:off x="838200" y="182752"/>
+            <a:ext cx="8534400" cy="1507067"/>
+          </a:xfrm>
+        </p:spPr>
         <p:txBody>
           <a:bodyPr>
             <a:normAutofit/>
@@ -3966,8 +6355,8 @@
         </p:nvSpPr>
         <p:spPr>
           <a:xfrm>
-            <a:off x="838200" y="2000605"/>
-            <a:ext cx="10035824" cy="1815882"/>
+            <a:off x="641106" y="2153156"/>
+            <a:ext cx="184731" cy="523220"/>
           </a:xfrm>
           <a:prstGeom prst="rect">
             <a:avLst/>
@@ -3980,50 +6369,7 @@
           </a:bodyPr>
           <a:lstStyle/>
           <a:p>
-            <a:r>
-              <a:rPr lang="pt-BR" sz="2800" dirty="0"/>
-              <a:t>Foi desenvolvida a parte de modelagem</a:t>
-            </a:r>
-          </a:p>
-          <a:p>
-            <a:pPr marL="457200" indent="-457200">
-              <a:buFont typeface="Arial" panose="020B0604020202020204" pitchFamily="34" charset="0"/>
-              <a:buChar char="•"/>
-            </a:pPr>
-            <a:r>
-              <a:rPr lang="pt-BR" sz="2800" b="1" dirty="0">
-                <a:latin typeface="Arial" panose="020B0604020202020204" pitchFamily="34" charset="0"/>
-                <a:cs typeface="Arial" panose="020B0604020202020204" pitchFamily="34" charset="0"/>
-              </a:rPr>
-              <a:t>Conceitual, Lógica e Física.</a:t>
-            </a:r>
-          </a:p>
-          <a:p>
-            <a:pPr marL="457200" indent="-457200">
-              <a:buFont typeface="Arial" panose="020B0604020202020204" pitchFamily="34" charset="0"/>
-              <a:buChar char="•"/>
-            </a:pPr>
-            <a:endParaRPr lang="pt-BR" sz="2800" b="1" dirty="0">
-              <a:latin typeface="Arial" panose="020B0604020202020204" pitchFamily="34" charset="0"/>
-              <a:cs typeface="Arial" panose="020B0604020202020204" pitchFamily="34" charset="0"/>
-            </a:endParaRPr>
-          </a:p>
-          <a:p>
-            <a:r>
-              <a:rPr lang="pt-BR" sz="2800" dirty="0"/>
-              <a:t>Na modelagem foi usado a </a:t>
-            </a:r>
-            <a:r>
-              <a:rPr lang="pt-BR" sz="2800" b="1" i="0" dirty="0">
-                <a:effectLst/>
-                <a:latin typeface="Roboto" panose="020B0604020202020204" pitchFamily="2" charset="0"/>
-              </a:rPr>
-              <a:t>cardinalidade de relacionamento </a:t>
-            </a:r>
-            <a:r>
-              <a:rPr lang="pt-BR" sz="2800" b="1" dirty="0"/>
-              <a:t>N:1</a:t>
-            </a:r>
+            <a:endParaRPr lang="pt-BR" sz="2800" b="1" dirty="0"/>
           </a:p>
         </p:txBody>
       </p:sp>
@@ -4050,6 +6396,9 @@
           <a:solidFill>
             <a:srgbClr val="465775"/>
           </a:solidFill>
+          <a:ln>
+            <a:noFill/>
+          </a:ln>
         </p:spPr>
         <p:style>
           <a:lnRef idx="2">
@@ -4076,6 +6425,107 @@
           </a:p>
         </p:txBody>
       </p:sp>
+      <p:pic>
+        <p:nvPicPr>
+          <p:cNvPr id="4" name="Imagem 3">
+            <a:extLst>
+              <a:ext uri="{FF2B5EF4-FFF2-40B4-BE49-F238E27FC236}">
+                <a16:creationId xmlns:a16="http://schemas.microsoft.com/office/drawing/2014/main" id="{37D98EB4-1996-46C3-BA86-593FF024D792}"/>
+              </a:ext>
+            </a:extLst>
+          </p:cNvPr>
+          <p:cNvPicPr>
+            <a:picLocks noChangeAspect="1"/>
+          </p:cNvPicPr>
+          <p:nvPr/>
+        </p:nvPicPr>
+        <p:blipFill>
+          <a:blip r:embed="rId2">
+            <a:extLst>
+              <a:ext uri="{28A0092B-C50C-407E-A947-70E740481C1C}">
+                <a14:useLocalDpi xmlns:a14="http://schemas.microsoft.com/office/drawing/2010/main" val="0"/>
+              </a:ext>
+            </a:extLst>
+          </a:blip>
+          <a:stretch>
+            <a:fillRect/>
+          </a:stretch>
+        </p:blipFill>
+        <p:spPr>
+          <a:xfrm>
+            <a:off x="6425545" y="1945975"/>
+            <a:ext cx="3293853" cy="3293853"/>
+          </a:xfrm>
+          <a:prstGeom prst="rect">
+            <a:avLst/>
+          </a:prstGeom>
+        </p:spPr>
+      </p:pic>
+      <p:sp>
+        <p:nvSpPr>
+          <p:cNvPr id="5" name="CaixaDeTexto 4">
+            <a:extLst>
+              <a:ext uri="{FF2B5EF4-FFF2-40B4-BE49-F238E27FC236}">
+                <a16:creationId xmlns:a16="http://schemas.microsoft.com/office/drawing/2014/main" id="{65940730-E6FB-4D82-9FBB-7CECF8DA9E27}"/>
+              </a:ext>
+            </a:extLst>
+          </p:cNvPr>
+          <p:cNvSpPr txBox="1"/>
+          <p:nvPr/>
+        </p:nvSpPr>
+        <p:spPr>
+          <a:xfrm>
+            <a:off x="747384" y="2091600"/>
+            <a:ext cx="4454344" cy="2585323"/>
+          </a:xfrm>
+          <a:prstGeom prst="rect">
+            <a:avLst/>
+          </a:prstGeom>
+          <a:noFill/>
+        </p:spPr>
+        <p:txBody>
+          <a:bodyPr wrap="square" rtlCol="0">
+            <a:spAutoFit/>
+          </a:bodyPr>
+          <a:lstStyle/>
+          <a:p>
+            <a:r>
+              <a:rPr lang="pt-BR" b="0" i="0" dirty="0">
+                <a:effectLst/>
+              </a:rPr>
+              <a:t>Banco de dados é um conjunto de dados coletados que se relacionam</a:t>
+            </a:r>
+          </a:p>
+          <a:p>
+            <a:r>
+              <a:rPr lang="pt-BR" b="0" i="0" dirty="0">
+                <a:effectLst/>
+              </a:rPr>
+              <a:t>entre si de forma organizada e </a:t>
+            </a:r>
+          </a:p>
+          <a:p>
+            <a:r>
+              <a:rPr lang="pt-BR" b="0" i="0" dirty="0">
+                <a:effectLst/>
+              </a:rPr>
+              <a:t>fornecem informações sobre algo.</a:t>
+            </a:r>
+          </a:p>
+          <a:p>
+            <a:endParaRPr lang="pt-BR" dirty="0"/>
+          </a:p>
+          <a:p>
+            <a:r>
+              <a:rPr lang="pt-BR" dirty="0"/>
+              <a:t>Nessa aplicação o banco de dados teve a função de armazenar dados sobre equipamentos e salas.</a:t>
+            </a:r>
+          </a:p>
+          <a:p>
+            <a:endParaRPr lang="pt-BR" dirty="0"/>
+          </a:p>
+        </p:txBody>
+      </p:sp>
     </p:spTree>
     <p:extLst>
       <p:ext uri="{BB962C8B-B14F-4D97-AF65-F5344CB8AC3E}">
@@ -4092,6 +6542,26 @@
 <file path=ppt/slides/slide5.xml><?xml version="1.0" encoding="utf-8"?>
 <p:sld xmlns:a="http://schemas.openxmlformats.org/drawingml/2006/main" xmlns:r="http://schemas.openxmlformats.org/officeDocument/2006/relationships" xmlns:p="http://schemas.openxmlformats.org/presentationml/2006/main">
   <p:cSld>
+    <p:bg>
+      <p:bgPr>
+        <a:gradFill rotWithShape="1">
+          <a:gsLst>
+            <a:gs pos="10000">
+              <a:schemeClr val="tx1"/>
+            </a:gs>
+            <a:gs pos="100000">
+              <a:schemeClr val="bg2">
+                <a:shade val="96000"/>
+                <a:satMod val="120000"/>
+                <a:lumMod val="90000"/>
+              </a:schemeClr>
+            </a:gs>
+          </a:gsLst>
+          <a:lin ang="6120000" scaled="1"/>
+        </a:gradFill>
+        <a:effectLst/>
+      </p:bgPr>
+    </p:bg>
     <p:spTree>
       <p:nvGrpSpPr>
         <p:cNvPr id="1" name=""/>
@@ -4121,7 +6591,7 @@
         <p:spPr>
           <a:xfrm>
             <a:off x="865393" y="580126"/>
-            <a:ext cx="2919323" cy="769441"/>
+            <a:ext cx="3870509" cy="769441"/>
           </a:xfrm>
           <a:prstGeom prst="rect">
             <a:avLst/>
@@ -4139,28 +6609,11 @@
                 <a:solidFill>
                   <a:srgbClr val="465775"/>
                 </a:solidFill>
-                <a:latin typeface="Arial" panose="020B0604020202020204" pitchFamily="34" charset="0"/>
-                <a:cs typeface="Arial" panose="020B0604020202020204" pitchFamily="34" charset="0"/>
+                <a:latin typeface="Aharoni" panose="02010803020104030203" pitchFamily="2" charset="-79"/>
+                <a:cs typeface="Aharoni" panose="02010803020104030203" pitchFamily="2" charset="-79"/>
               </a:rPr>
-              <a:t>Front-</a:t>
-            </a:r>
-            <a:r>
-              <a:rPr lang="pt-BR" sz="4400" b="1" dirty="0" err="1">
-                <a:solidFill>
-                  <a:srgbClr val="465775"/>
-                </a:solidFill>
-                <a:latin typeface="Arial" panose="020B0604020202020204" pitchFamily="34" charset="0"/>
-                <a:cs typeface="Arial" panose="020B0604020202020204" pitchFamily="34" charset="0"/>
-              </a:rPr>
-              <a:t>end</a:t>
-            </a:r>
-            <a:endParaRPr lang="pt-BR" sz="4400" b="1" dirty="0">
-              <a:solidFill>
-                <a:srgbClr val="465775"/>
-              </a:solidFill>
-              <a:latin typeface="Arial" panose="020B0604020202020204" pitchFamily="34" charset="0"/>
-              <a:cs typeface="Arial" panose="020B0604020202020204" pitchFamily="34" charset="0"/>
-            </a:endParaRPr>
+              <a:t>FRONT-END</a:t>
+            </a:r>
           </a:p>
         </p:txBody>
       </p:sp>
@@ -4214,8 +6667,8 @@
         </p:nvSpPr>
         <p:spPr>
           <a:xfrm>
-            <a:off x="865393" y="2061258"/>
-            <a:ext cx="4443238" cy="1200329"/>
+            <a:off x="787755" y="2113016"/>
+            <a:ext cx="4250071" cy="2308324"/>
           </a:xfrm>
           <a:prstGeom prst="rect">
             <a:avLst/>
@@ -4229,57 +6682,60 @@
           <a:lstStyle/>
           <a:p>
             <a:r>
-              <a:rPr lang="pt-BR" sz="2400" dirty="0">
-                <a:solidFill>
-                  <a:srgbClr val="000000"/>
-                </a:solidFill>
+              <a:rPr lang="pt-BR" dirty="0"/>
+              <a:t>Fronte-</a:t>
+            </a:r>
+            <a:r>
+              <a:rPr lang="pt-BR" dirty="0" err="1"/>
+              <a:t>End</a:t>
+            </a:r>
+            <a:r>
+              <a:rPr lang="pt-BR" dirty="0"/>
+              <a:t> e a interface de navegação que o usuário vai ter </a:t>
+            </a:r>
+            <a:r>
+              <a:rPr lang="pt-BR" b="0" i="0" dirty="0">
                 <a:effectLst/>
-                <a:latin typeface="Arial" panose="020B0604020202020204" pitchFamily="34" charset="0"/>
-                <a:ea typeface="Calibri" panose="020F0502020204030204" pitchFamily="34" charset="0"/>
-                <a:cs typeface="Arial" panose="020B0604020202020204" pitchFamily="34" charset="0"/>
               </a:rPr>
-              <a:t>O Front-</a:t>
-            </a:r>
-            <a:r>
-              <a:rPr lang="pt-BR" sz="2400" dirty="0" err="1">
-                <a:solidFill>
-                  <a:srgbClr val="000000"/>
-                </a:solidFill>
-                <a:effectLst/>
-                <a:latin typeface="Arial" panose="020B0604020202020204" pitchFamily="34" charset="0"/>
-                <a:ea typeface="Calibri" panose="020F0502020204030204" pitchFamily="34" charset="0"/>
-                <a:cs typeface="Arial" panose="020B0604020202020204" pitchFamily="34" charset="0"/>
-              </a:rPr>
-              <a:t>end</a:t>
-            </a:r>
-            <a:r>
-              <a:rPr lang="pt-BR" sz="2400" dirty="0">
-                <a:solidFill>
-                  <a:srgbClr val="000000"/>
-                </a:solidFill>
-                <a:effectLst/>
-                <a:latin typeface="Arial" panose="020B0604020202020204" pitchFamily="34" charset="0"/>
-                <a:ea typeface="Calibri" panose="020F0502020204030204" pitchFamily="34" charset="0"/>
-                <a:cs typeface="Arial" panose="020B0604020202020204" pitchFamily="34" charset="0"/>
-              </a:rPr>
-              <a:t> da aplicação e toda a interface utilizada </a:t>
-            </a:r>
-          </a:p>
-          <a:p>
-            <a:r>
-              <a:rPr lang="pt-BR" sz="2400" dirty="0">
-                <a:solidFill>
-                  <a:srgbClr val="000000"/>
-                </a:solidFill>
-                <a:effectLst/>
-                <a:latin typeface="Arial" panose="020B0604020202020204" pitchFamily="34" charset="0"/>
-                <a:ea typeface="Calibri" panose="020F0502020204030204" pitchFamily="34" charset="0"/>
-                <a:cs typeface="Arial" panose="020B0604020202020204" pitchFamily="34" charset="0"/>
-              </a:rPr>
-              <a:t>pelo usuário final.</a:t>
-            </a:r>
-            <a:endParaRPr lang="pt-BR" sz="2400" dirty="0">
-              <a:latin typeface="Arial" panose="020B0604020202020204" pitchFamily="34" charset="0"/>
+              <a:t>interação</a:t>
+            </a:r>
+            <a:r>
+              <a:rPr lang="pt-BR" dirty="0"/>
+              <a:t> direta.</a:t>
+            </a:r>
+          </a:p>
+          <a:p>
+            <a:endParaRPr lang="pt-BR" b="0" i="0" dirty="0">
+              <a:effectLst/>
+            </a:endParaRPr>
+          </a:p>
+          <a:p>
+            <a:r>
+              <a:rPr lang="pt-BR" dirty="0"/>
+              <a:t>No Front-</a:t>
+            </a:r>
+            <a:r>
+              <a:rPr lang="pt-BR" dirty="0" err="1"/>
+              <a:t>End</a:t>
+            </a:r>
+            <a:r>
+              <a:rPr lang="pt-BR" dirty="0"/>
+              <a:t> utilizamos um layout mais clean.</a:t>
+            </a:r>
+            <a:endParaRPr lang="pt-BR" b="0" i="0" dirty="0">
+              <a:effectLst/>
+            </a:endParaRPr>
+          </a:p>
+          <a:p>
+            <a:endParaRPr lang="pt-BR" dirty="0">
+              <a:solidFill>
+                <a:srgbClr val="202124"/>
+              </a:solidFill>
+              <a:cs typeface="Arial" panose="020B0604020202020204" pitchFamily="34" charset="0"/>
+            </a:endParaRPr>
+          </a:p>
+          <a:p>
+            <a:endParaRPr lang="pt-BR" dirty="0">
               <a:cs typeface="Arial" panose="020B0604020202020204" pitchFamily="34" charset="0"/>
             </a:endParaRPr>
           </a:p>
@@ -4308,6 +6764,9 @@
           <a:solidFill>
             <a:srgbClr val="465775"/>
           </a:solidFill>
+          <a:ln>
+            <a:noFill/>
+          </a:ln>
         </p:spPr>
         <p:style>
           <a:lnRef idx="2">
@@ -4350,6 +6809,26 @@
 <file path=ppt/slides/slide6.xml><?xml version="1.0" encoding="utf-8"?>
 <p:sld xmlns:a="http://schemas.openxmlformats.org/drawingml/2006/main" xmlns:r="http://schemas.openxmlformats.org/officeDocument/2006/relationships" xmlns:p="http://schemas.openxmlformats.org/presentationml/2006/main">
   <p:cSld>
+    <p:bg>
+      <p:bgPr>
+        <a:gradFill rotWithShape="1">
+          <a:gsLst>
+            <a:gs pos="10000">
+              <a:schemeClr val="tx1"/>
+            </a:gs>
+            <a:gs pos="100000">
+              <a:schemeClr val="bg2">
+                <a:shade val="96000"/>
+                <a:satMod val="120000"/>
+                <a:lumMod val="90000"/>
+              </a:schemeClr>
+            </a:gs>
+          </a:gsLst>
+          <a:lin ang="6120000" scaled="1"/>
+        </a:gradFill>
+        <a:effectLst/>
+      </p:bgPr>
+    </p:bg>
     <p:spTree>
       <p:nvGrpSpPr>
         <p:cNvPr id="1" name=""/>
@@ -4366,97 +6845,134 @@
       </p:grpSpPr>
       <p:sp>
         <p:nvSpPr>
-          <p:cNvPr id="2" name="Título 1">
+          <p:cNvPr id="4" name="CaixaDeTexto 3">
             <a:extLst>
               <a:ext uri="{FF2B5EF4-FFF2-40B4-BE49-F238E27FC236}">
-                <a16:creationId xmlns:a16="http://schemas.microsoft.com/office/drawing/2014/main" id="{4144E547-EF4A-43F0-88D2-C312A9F302FE}"/>
+                <a16:creationId xmlns:a16="http://schemas.microsoft.com/office/drawing/2014/main" id="{8085EE1B-3ABF-4FD7-9604-CD53C66181E6}"/>
               </a:ext>
             </a:extLst>
           </p:cNvPr>
-          <p:cNvSpPr>
-            <a:spLocks noGrp="1"/>
-          </p:cNvSpPr>
-          <p:nvPr>
-            <p:ph type="title"/>
-          </p:nvPr>
-        </p:nvSpPr>
-        <p:spPr/>
-        <p:txBody>
-          <a:bodyPr/>
-          <a:lstStyle/>
-          <a:p>
-            <a:r>
-              <a:rPr lang="pt-BR" b="1" dirty="0">
+          <p:cNvSpPr txBox="1"/>
+          <p:nvPr/>
+        </p:nvSpPr>
+        <p:spPr>
+          <a:xfrm>
+            <a:off x="750498" y="560717"/>
+            <a:ext cx="2452916" cy="646331"/>
+          </a:xfrm>
+          <a:prstGeom prst="rect">
+            <a:avLst/>
+          </a:prstGeom>
+          <a:noFill/>
+        </p:spPr>
+        <p:txBody>
+          <a:bodyPr wrap="none" rtlCol="0">
+            <a:spAutoFit/>
+          </a:bodyPr>
+          <a:lstStyle/>
+          <a:p>
+            <a:r>
+              <a:rPr lang="pt-BR" sz="3600" dirty="0">
                 <a:solidFill>
                   <a:srgbClr val="465775"/>
                 </a:solidFill>
-                <a:latin typeface="Arial" panose="020B0604020202020204" pitchFamily="34" charset="0"/>
-                <a:cs typeface="Arial" panose="020B0604020202020204" pitchFamily="34" charset="0"/>
+                <a:latin typeface="Aharoni" panose="02010803020104030203" pitchFamily="2" charset="-79"/>
+                <a:cs typeface="Aharoni" panose="02010803020104030203" pitchFamily="2" charset="-79"/>
               </a:rPr>
-              <a:t>Funcionalidade</a:t>
-            </a:r>
-            <a:r>
-              <a:rPr lang="pt-BR" dirty="0">
-                <a:solidFill>
-                  <a:srgbClr val="465775"/>
-                </a:solidFill>
-                <a:latin typeface="Arial" panose="020B0604020202020204" pitchFamily="34" charset="0"/>
-                <a:cs typeface="Arial" panose="020B0604020202020204" pitchFamily="34" charset="0"/>
-              </a:rPr>
-              <a:t> </a:t>
-            </a:r>
-          </a:p>
-        </p:txBody>
-      </p:sp>
-      <p:sp>
-        <p:nvSpPr>
-          <p:cNvPr id="3" name="Espaço Reservado para Conteúdo 2">
+              <a:t>BACK-END</a:t>
+            </a:r>
+          </a:p>
+        </p:txBody>
+      </p:sp>
+      <p:sp>
+        <p:nvSpPr>
+          <p:cNvPr id="5" name="CaixaDeTexto 4">
             <a:extLst>
               <a:ext uri="{FF2B5EF4-FFF2-40B4-BE49-F238E27FC236}">
-                <a16:creationId xmlns:a16="http://schemas.microsoft.com/office/drawing/2014/main" id="{99BAB959-5A0F-46B5-8FA2-0AD799D0CB64}"/>
+                <a16:creationId xmlns:a16="http://schemas.microsoft.com/office/drawing/2014/main" id="{FB2D7D58-EBC1-407F-9DA7-1EB80C8030EB}"/>
               </a:ext>
             </a:extLst>
           </p:cNvPr>
-          <p:cNvSpPr>
-            <a:spLocks noGrp="1"/>
-          </p:cNvSpPr>
-          <p:nvPr>
-            <p:ph idx="1"/>
-          </p:nvPr>
-        </p:nvSpPr>
-        <p:spPr/>
-        <p:txBody>
-          <a:bodyPr/>
-          <a:lstStyle/>
-          <a:p>
-            <a:pPr marL="342900" lvl="0" indent="-342900" algn="just">
-              <a:lnSpc>
-                <a:spcPct val="115000"/>
-              </a:lnSpc>
-              <a:buFont typeface="+mj-lt"/>
-              <a:buAutoNum type="arabicPeriod"/>
-            </a:pPr>
-            <a:r>
-              <a:rPr lang="pt-BR" sz="2000" dirty="0">
+          <p:cNvSpPr txBox="1"/>
+          <p:nvPr/>
+        </p:nvSpPr>
+        <p:spPr>
+          <a:xfrm>
+            <a:off x="750498" y="1992702"/>
+            <a:ext cx="5020926" cy="1477328"/>
+          </a:xfrm>
+          <a:prstGeom prst="rect">
+            <a:avLst/>
+          </a:prstGeom>
+          <a:noFill/>
+        </p:spPr>
+        <p:txBody>
+          <a:bodyPr wrap="none" rtlCol="0">
+            <a:spAutoFit/>
+          </a:bodyPr>
+          <a:lstStyle/>
+          <a:p>
+            <a:r>
+              <a:rPr lang="pt-BR" i="0" dirty="0">
                 <a:effectLst/>
-                <a:latin typeface="Arial" panose="020B0604020202020204" pitchFamily="34" charset="0"/>
-                <a:ea typeface="Calibri" panose="020F0502020204030204" pitchFamily="34" charset="0"/>
-                <a:cs typeface="Arial" panose="020B0604020202020204" pitchFamily="34" charset="0"/>
               </a:rPr>
-              <a:t>O administrador poderá cadastrar Salas e Equipamentos</a:t>
-            </a:r>
-          </a:p>
-          <a:p>
+              <a:t>Back-</a:t>
+            </a:r>
+            <a:r>
+              <a:rPr lang="pt-BR" i="0" dirty="0" err="1">
+                <a:effectLst/>
+              </a:rPr>
+              <a:t>end</a:t>
+            </a:r>
+            <a:r>
+              <a:rPr lang="pt-BR" i="0" dirty="0">
+                <a:effectLst/>
+              </a:rPr>
+              <a:t> é toda a parte da programação</a:t>
+            </a:r>
+          </a:p>
+          <a:p>
+            <a:r>
+              <a:rPr lang="pt-BR" i="0" dirty="0">
+                <a:effectLst/>
+              </a:rPr>
+              <a:t>voltada ao funcionamento </a:t>
+            </a:r>
+            <a:r>
+              <a:rPr lang="pt-BR" i="1" dirty="0">
+                <a:effectLst/>
+              </a:rPr>
+              <a:t>interno, </a:t>
+            </a:r>
+          </a:p>
+          <a:p>
+            <a:r>
+              <a:rPr lang="pt-BR" b="0" i="0" dirty="0">
+                <a:effectLst/>
+              </a:rPr>
+              <a:t>é tudo aquilo que está por trás da </a:t>
+            </a:r>
+          </a:p>
+          <a:p>
+            <a:r>
+              <a:rPr lang="pt-BR" b="0" i="0" dirty="0">
+                <a:effectLst/>
+              </a:rPr>
+              <a:t>interface de uma aplicação.</a:t>
+            </a:r>
             <a:endParaRPr lang="pt-BR" dirty="0"/>
           </a:p>
-        </p:txBody>
-      </p:sp>
-      <p:sp>
-        <p:nvSpPr>
-          <p:cNvPr id="4" name="Retângulo 3">
+          <a:p>
+            <a:endParaRPr lang="pt-BR" dirty="0"/>
+          </a:p>
+        </p:txBody>
+      </p:sp>
+      <p:sp>
+        <p:nvSpPr>
+          <p:cNvPr id="6" name="Retângulo 5">
             <a:extLst>
               <a:ext uri="{FF2B5EF4-FFF2-40B4-BE49-F238E27FC236}">
-                <a16:creationId xmlns:a16="http://schemas.microsoft.com/office/drawing/2014/main" id="{5A9039A0-9BAD-41A9-B7DC-28EB5EB77D87}"/>
+                <a16:creationId xmlns:a16="http://schemas.microsoft.com/office/drawing/2014/main" id="{2A0DD88E-7636-4FD3-8E25-251415C4E186}"/>
               </a:ext>
             </a:extLst>
           </p:cNvPr>
@@ -4474,6 +6990,9 @@
           <a:solidFill>
             <a:srgbClr val="465775"/>
           </a:solidFill>
+          <a:ln>
+            <a:noFill/>
+          </a:ln>
         </p:spPr>
         <p:style>
           <a:lnRef idx="2">
@@ -4500,10 +7019,46 @@
           </a:p>
         </p:txBody>
       </p:sp>
+      <p:pic>
+        <p:nvPicPr>
+          <p:cNvPr id="7" name="Imagem 6">
+            <a:extLst>
+              <a:ext uri="{FF2B5EF4-FFF2-40B4-BE49-F238E27FC236}">
+                <a16:creationId xmlns:a16="http://schemas.microsoft.com/office/drawing/2014/main" id="{58BD89CB-8371-4586-9362-BF3932B4335B}"/>
+              </a:ext>
+            </a:extLst>
+          </p:cNvPr>
+          <p:cNvPicPr>
+            <a:picLocks noChangeAspect="1"/>
+          </p:cNvPicPr>
+          <p:nvPr/>
+        </p:nvPicPr>
+        <p:blipFill>
+          <a:blip r:embed="rId2">
+            <a:extLst>
+              <a:ext uri="{28A0092B-C50C-407E-A947-70E740481C1C}">
+                <a14:useLocalDpi xmlns:a14="http://schemas.microsoft.com/office/drawing/2010/main" val="0"/>
+              </a:ext>
+            </a:extLst>
+          </a:blip>
+          <a:stretch>
+            <a:fillRect/>
+          </a:stretch>
+        </p:blipFill>
+        <p:spPr>
+          <a:xfrm>
+            <a:off x="6221805" y="2063874"/>
+            <a:ext cx="3258625" cy="3258625"/>
+          </a:xfrm>
+          <a:prstGeom prst="rect">
+            <a:avLst/>
+          </a:prstGeom>
+        </p:spPr>
+      </p:pic>
     </p:spTree>
     <p:extLst>
       <p:ext uri="{BB962C8B-B14F-4D97-AF65-F5344CB8AC3E}">
-        <p14:creationId xmlns:p14="http://schemas.microsoft.com/office/powerpoint/2010/main" val="58066696"/>
+        <p14:creationId xmlns:p14="http://schemas.microsoft.com/office/powerpoint/2010/main" val="1442891761"/>
       </p:ext>
     </p:extLst>
   </p:cSld>
@@ -4516,6 +7071,26 @@
 <file path=ppt/slides/slide7.xml><?xml version="1.0" encoding="utf-8"?>
 <p:sld xmlns:a="http://schemas.openxmlformats.org/drawingml/2006/main" xmlns:r="http://schemas.openxmlformats.org/officeDocument/2006/relationships" xmlns:p="http://schemas.openxmlformats.org/presentationml/2006/main">
   <p:cSld>
+    <p:bg>
+      <p:bgPr>
+        <a:gradFill rotWithShape="1">
+          <a:gsLst>
+            <a:gs pos="10000">
+              <a:schemeClr val="tx1"/>
+            </a:gs>
+            <a:gs pos="100000">
+              <a:schemeClr val="bg2">
+                <a:shade val="96000"/>
+                <a:satMod val="120000"/>
+                <a:lumMod val="90000"/>
+              </a:schemeClr>
+            </a:gs>
+          </a:gsLst>
+          <a:lin ang="6120000" scaled="1"/>
+        </a:gradFill>
+        <a:effectLst/>
+      </p:bgPr>
+    </p:bg>
     <p:spTree>
       <p:nvGrpSpPr>
         <p:cNvPr id="1" name=""/>
@@ -4546,7 +7121,12 @@
             <p:ph type="title"/>
           </p:nvPr>
         </p:nvSpPr>
-        <p:spPr/>
+        <p:spPr>
+          <a:xfrm>
+            <a:off x="1089654" y="260389"/>
+            <a:ext cx="8534400" cy="1507067"/>
+          </a:xfrm>
+        </p:spPr>
         <p:txBody>
           <a:bodyPr/>
           <a:lstStyle/>
@@ -4627,9 +7207,9 @@
 </file>
 
 <file path=ppt/theme/theme1.xml><?xml version="1.0" encoding="utf-8"?>
-<a:theme xmlns:a="http://schemas.openxmlformats.org/drawingml/2006/main" name="Tema do Office">
+<a:theme xmlns:a="http://schemas.openxmlformats.org/drawingml/2006/main" name="Fatia">
   <a:themeElements>
-    <a:clrScheme name="Office">
+    <a:clrScheme name="Fatia">
       <a:dk1>
         <a:sysClr val="windowText" lastClr="000000"/>
       </a:dk1>
@@ -4637,100 +7217,48 @@
         <a:sysClr val="window" lastClr="FFFFFF"/>
       </a:lt1>
       <a:dk2>
-        <a:srgbClr val="44546A"/>
+        <a:srgbClr val="146194"/>
       </a:dk2>
       <a:lt2>
-        <a:srgbClr val="E7E6E6"/>
+        <a:srgbClr val="76DBF4"/>
       </a:lt2>
       <a:accent1>
-        <a:srgbClr val="4472C4"/>
+        <a:srgbClr val="052F61"/>
       </a:accent1>
       <a:accent2>
-        <a:srgbClr val="ED7D31"/>
+        <a:srgbClr val="A50E82"/>
       </a:accent2>
       <a:accent3>
-        <a:srgbClr val="A5A5A5"/>
+        <a:srgbClr val="14967C"/>
       </a:accent3>
       <a:accent4>
-        <a:srgbClr val="FFC000"/>
+        <a:srgbClr val="6A9E1F"/>
       </a:accent4>
       <a:accent5>
-        <a:srgbClr val="5B9BD5"/>
+        <a:srgbClr val="E87D37"/>
       </a:accent5>
       <a:accent6>
-        <a:srgbClr val="70AD47"/>
+        <a:srgbClr val="C62324"/>
       </a:accent6>
       <a:hlink>
-        <a:srgbClr val="0563C1"/>
+        <a:srgbClr val="0D2E46"/>
       </a:hlink>
       <a:folHlink>
-        <a:srgbClr val="954F72"/>
+        <a:srgbClr val="356A95"/>
       </a:folHlink>
     </a:clrScheme>
-    <a:fontScheme name="Office">
+    <a:fontScheme name="Fatia">
       <a:majorFont>
-        <a:latin typeface="Calibri Light" panose="020F0302020204030204"/>
+        <a:latin typeface="Century Gothic" panose="020B0502020202020204"/>
         <a:ea typeface=""/>
         <a:cs typeface=""/>
-        <a:font script="Jpan" typeface="游ゴシック Light"/>
-        <a:font script="Hang" typeface="맑은 고딕"/>
-        <a:font script="Hans" typeface="等线 Light"/>
-        <a:font script="Hant" typeface="新細明體"/>
-        <a:font script="Arab" typeface="Times New Roman"/>
-        <a:font script="Hebr" typeface="Times New Roman"/>
-        <a:font script="Thai" typeface="Angsana New"/>
-        <a:font script="Ethi" typeface="Nyala"/>
-        <a:font script="Beng" typeface="Vrinda"/>
-        <a:font script="Gujr" typeface="Shruti"/>
-        <a:font script="Khmr" typeface="MoolBoran"/>
-        <a:font script="Knda" typeface="Tunga"/>
-        <a:font script="Guru" typeface="Raavi"/>
-        <a:font script="Cans" typeface="Euphemia"/>
-        <a:font script="Cher" typeface="Plantagenet Cherokee"/>
-        <a:font script="Yiii" typeface="Microsoft Yi Baiti"/>
-        <a:font script="Tibt" typeface="Microsoft Himalaya"/>
-        <a:font script="Thaa" typeface="MV Boli"/>
-        <a:font script="Deva" typeface="Mangal"/>
-        <a:font script="Telu" typeface="Gautami"/>
-        <a:font script="Taml" typeface="Latha"/>
-        <a:font script="Syrc" typeface="Estrangelo Edessa"/>
-        <a:font script="Orya" typeface="Kalinga"/>
-        <a:font script="Mlym" typeface="Kartika"/>
-        <a:font script="Laoo" typeface="DokChampa"/>
-        <a:font script="Sinh" typeface="Iskoola Pota"/>
-        <a:font script="Mong" typeface="Mongolian Baiti"/>
-        <a:font script="Viet" typeface="Times New Roman"/>
-        <a:font script="Uigh" typeface="Microsoft Uighur"/>
-        <a:font script="Geor" typeface="Sylfaen"/>
-        <a:font script="Armn" typeface="Arial"/>
-        <a:font script="Bugi" typeface="Leelawadee UI"/>
-        <a:font script="Bopo" typeface="Microsoft JhengHei"/>
-        <a:font script="Java" typeface="Javanese Text"/>
-        <a:font script="Lisu" typeface="Segoe UI"/>
-        <a:font script="Mymr" typeface="Myanmar Text"/>
-        <a:font script="Nkoo" typeface="Ebrima"/>
-        <a:font script="Olck" typeface="Nirmala UI"/>
-        <a:font script="Osma" typeface="Ebrima"/>
-        <a:font script="Phag" typeface="Phagspa"/>
-        <a:font script="Syrn" typeface="Estrangelo Edessa"/>
-        <a:font script="Syrj" typeface="Estrangelo Edessa"/>
-        <a:font script="Syre" typeface="Estrangelo Edessa"/>
-        <a:font script="Sora" typeface="Nirmala UI"/>
-        <a:font script="Tale" typeface="Microsoft Tai Le"/>
-        <a:font script="Talu" typeface="Microsoft New Tai Lue"/>
-        <a:font script="Tfng" typeface="Ebrima"/>
-      </a:majorFont>
-      <a:minorFont>
-        <a:latin typeface="Calibri" panose="020F0502020204030204"/>
-        <a:ea typeface=""/>
-        <a:cs typeface=""/>
-        <a:font script="Jpan" typeface="游ゴシック"/>
-        <a:font script="Hang" typeface="맑은 고딕"/>
-        <a:font script="Hans" typeface="等线"/>
-        <a:font script="Hant" typeface="新細明體"/>
-        <a:font script="Arab" typeface="Arial"/>
-        <a:font script="Hebr" typeface="Arial"/>
-        <a:font script="Thai" typeface="Cordia New"/>
+        <a:font script="Jpan" typeface="メイリオ"/>
+        <a:font script="Hang" typeface="HY중고딕"/>
+        <a:font script="Hans" typeface="幼圆"/>
+        <a:font script="Hant" typeface="微軟正黑體"/>
+        <a:font script="Arab" typeface="Tahoma"/>
+        <a:font script="Hebr" typeface="Gisha"/>
+        <a:font script="Thai" typeface="DilleniaUPC"/>
         <a:font script="Ethi" typeface="Nyala"/>
         <a:font script="Beng" typeface="Vrinda"/>
         <a:font script="Gujr" typeface="Shruti"/>
@@ -4751,29 +7279,47 @@
         <a:font script="Laoo" typeface="DokChampa"/>
         <a:font script="Sinh" typeface="Iskoola Pota"/>
         <a:font script="Mong" typeface="Mongolian Baiti"/>
-        <a:font script="Viet" typeface="Arial"/>
+        <a:font script="Viet" typeface="Tahoma"/>
         <a:font script="Uigh" typeface="Microsoft Uighur"/>
         <a:font script="Geor" typeface="Sylfaen"/>
-        <a:font script="Armn" typeface="Arial"/>
-        <a:font script="Bugi" typeface="Leelawadee UI"/>
-        <a:font script="Bopo" typeface="Microsoft JhengHei"/>
-        <a:font script="Java" typeface="Javanese Text"/>
-        <a:font script="Lisu" typeface="Segoe UI"/>
-        <a:font script="Mymr" typeface="Myanmar Text"/>
-        <a:font script="Nkoo" typeface="Ebrima"/>
-        <a:font script="Olck" typeface="Nirmala UI"/>
-        <a:font script="Osma" typeface="Ebrima"/>
-        <a:font script="Phag" typeface="Phagspa"/>
-        <a:font script="Syrn" typeface="Estrangelo Edessa"/>
-        <a:font script="Syrj" typeface="Estrangelo Edessa"/>
-        <a:font script="Syre" typeface="Estrangelo Edessa"/>
-        <a:font script="Sora" typeface="Nirmala UI"/>
-        <a:font script="Tale" typeface="Microsoft Tai Le"/>
-        <a:font script="Talu" typeface="Microsoft New Tai Lue"/>
-        <a:font script="Tfng" typeface="Ebrima"/>
+      </a:majorFont>
+      <a:minorFont>
+        <a:latin typeface="Century Gothic" panose="020B0502020202020204"/>
+        <a:ea typeface=""/>
+        <a:cs typeface=""/>
+        <a:font script="Jpan" typeface="メイリオ"/>
+        <a:font script="Hang" typeface="HY중고딕"/>
+        <a:font script="Hans" typeface="幼圆"/>
+        <a:font script="Hant" typeface="微軟正黑體"/>
+        <a:font script="Arab" typeface="Tahoma"/>
+        <a:font script="Hebr" typeface="Gisha"/>
+        <a:font script="Thai" typeface="DilleniaUPC"/>
+        <a:font script="Ethi" typeface="Nyala"/>
+        <a:font script="Beng" typeface="Vrinda"/>
+        <a:font script="Gujr" typeface="Shruti"/>
+        <a:font script="Khmr" typeface="DaunPenh"/>
+        <a:font script="Knda" typeface="Tunga"/>
+        <a:font script="Guru" typeface="Raavi"/>
+        <a:font script="Cans" typeface="Euphemia"/>
+        <a:font script="Cher" typeface="Plantagenet Cherokee"/>
+        <a:font script="Yiii" typeface="Microsoft Yi Baiti"/>
+        <a:font script="Tibt" typeface="Microsoft Himalaya"/>
+        <a:font script="Thaa" typeface="MV Boli"/>
+        <a:font script="Deva" typeface="Mangal"/>
+        <a:font script="Telu" typeface="Gautami"/>
+        <a:font script="Taml" typeface="Latha"/>
+        <a:font script="Syrc" typeface="Estrangelo Edessa"/>
+        <a:font script="Orya" typeface="Kalinga"/>
+        <a:font script="Mlym" typeface="Kartika"/>
+        <a:font script="Laoo" typeface="DokChampa"/>
+        <a:font script="Sinh" typeface="Iskoola Pota"/>
+        <a:font script="Mong" typeface="Mongolian Baiti"/>
+        <a:font script="Viet" typeface="Tahoma"/>
+        <a:font script="Uigh" typeface="Microsoft Uighur"/>
+        <a:font script="Geor" typeface="Sylfaen"/>
       </a:minorFont>
     </a:fontScheme>
-    <a:fmtScheme name="Office">
+    <a:fmtScheme name="Fatia">
       <a:fillStyleLst>
         <a:solidFill>
           <a:schemeClr val="phClr"/>
@@ -4782,23 +7328,16 @@
           <a:gsLst>
             <a:gs pos="0">
               <a:schemeClr val="phClr">
+                <a:tint val="62000"/>
+                <a:hueMod val="94000"/>
+                <a:satMod val="140000"/>
                 <a:lumMod val="110000"/>
-                <a:satMod val="105000"/>
-                <a:tint val="67000"/>
-              </a:schemeClr>
-            </a:gs>
-            <a:gs pos="50000">
-              <a:schemeClr val="phClr">
-                <a:lumMod val="105000"/>
-                <a:satMod val="103000"/>
-                <a:tint val="73000"/>
               </a:schemeClr>
             </a:gs>
             <a:gs pos="100000">
               <a:schemeClr val="phClr">
-                <a:lumMod val="105000"/>
-                <a:satMod val="109000"/>
-                <a:tint val="81000"/>
+                <a:tint val="84000"/>
+                <a:satMod val="160000"/>
               </a:schemeClr>
             </a:gs>
           </a:gsLst>
@@ -4808,23 +7347,16 @@
           <a:gsLst>
             <a:gs pos="0">
               <a:schemeClr val="phClr">
-                <a:satMod val="103000"/>
-                <a:lumMod val="102000"/>
-                <a:tint val="94000"/>
-              </a:schemeClr>
-            </a:gs>
-            <a:gs pos="50000">
-              <a:schemeClr val="phClr">
-                <a:satMod val="110000"/>
-                <a:lumMod val="100000"/>
-                <a:shade val="100000"/>
+                <a:tint val="98000"/>
+                <a:hueMod val="94000"/>
+                <a:satMod val="130000"/>
+                <a:lumMod val="128000"/>
               </a:schemeClr>
             </a:gs>
             <a:gs pos="100000">
               <a:schemeClr val="phClr">
-                <a:lumMod val="99000"/>
-                <a:satMod val="120000"/>
-                <a:shade val="78000"/>
+                <a:shade val="94000"/>
+                <a:lumMod val="88000"/>
               </a:schemeClr>
             </a:gs>
           </a:gsLst>
@@ -4832,26 +7364,29 @@
         </a:gradFill>
       </a:fillStyleLst>
       <a:lnStyleLst>
-        <a:ln w="6350" cap="flat" cmpd="sng" algn="ctr">
+        <a:ln w="9525" cap="rnd" cmpd="sng" algn="ctr">
+          <a:solidFill>
+            <a:schemeClr val="phClr">
+              <a:tint val="76000"/>
+              <a:alpha val="60000"/>
+              <a:hueMod val="94000"/>
+            </a:schemeClr>
+          </a:solidFill>
+          <a:prstDash val="solid"/>
+        </a:ln>
+        <a:ln w="15875" cap="rnd" cmpd="sng" algn="ctr">
+          <a:solidFill>
+            <a:schemeClr val="phClr">
+              <a:hueMod val="94000"/>
+            </a:schemeClr>
+          </a:solidFill>
+          <a:prstDash val="solid"/>
+        </a:ln>
+        <a:ln w="28575" cap="rnd" cmpd="sng" algn="ctr">
           <a:solidFill>
             <a:schemeClr val="phClr"/>
           </a:solidFill>
           <a:prstDash val="solid"/>
-          <a:miter lim="800000"/>
-        </a:ln>
-        <a:ln w="12700" cap="flat" cmpd="sng" algn="ctr">
-          <a:solidFill>
-            <a:schemeClr val="phClr"/>
-          </a:solidFill>
-          <a:prstDash val="solid"/>
-          <a:miter lim="800000"/>
-        </a:ln>
-        <a:ln w="19050" cap="flat" cmpd="sng" algn="ctr">
-          <a:solidFill>
-            <a:schemeClr val="phClr"/>
-          </a:solidFill>
-          <a:prstDash val="solid"/>
-          <a:miter lim="800000"/>
         </a:ln>
       </a:lnStyleLst>
       <a:effectStyleLst>
@@ -4859,54 +7394,78 @@
           <a:effectLst/>
         </a:effectStyle>
         <a:effectStyle>
-          <a:effectLst/>
+          <a:effectLst>
+            <a:innerShdw blurRad="25400" dist="12700" dir="13500000">
+              <a:srgbClr val="000000">
+                <a:alpha val="45000"/>
+              </a:srgbClr>
+            </a:innerShdw>
+          </a:effectLst>
         </a:effectStyle>
         <a:effectStyle>
           <a:effectLst>
-            <a:outerShdw blurRad="57150" dist="19050" dir="5400000" algn="ctr" rotWithShape="0">
+            <a:outerShdw blurRad="50800" dist="38100" dir="5400000" rotWithShape="0">
               <a:srgbClr val="000000">
-                <a:alpha val="63000"/>
+                <a:alpha val="46000"/>
               </a:srgbClr>
             </a:outerShdw>
           </a:effectLst>
+          <a:scene3d>
+            <a:camera prst="orthographicFront">
+              <a:rot lat="0" lon="0" rev="0"/>
+            </a:camera>
+            <a:lightRig rig="threePt" dir="t"/>
+          </a:scene3d>
+          <a:sp3d prstMaterial="plastic">
+            <a:bevelT w="25400" h="25400"/>
+          </a:sp3d>
         </a:effectStyle>
       </a:effectStyleLst>
       <a:bgFillStyleLst>
         <a:solidFill>
           <a:schemeClr val="phClr"/>
         </a:solidFill>
-        <a:solidFill>
-          <a:schemeClr val="phClr">
-            <a:tint val="95000"/>
-            <a:satMod val="170000"/>
-          </a:schemeClr>
-        </a:solidFill>
+        <a:gradFill rotWithShape="1">
+          <a:gsLst>
+            <a:gs pos="10000">
+              <a:schemeClr val="phClr">
+                <a:tint val="97000"/>
+                <a:hueMod val="92000"/>
+                <a:satMod val="169000"/>
+                <a:lumMod val="164000"/>
+              </a:schemeClr>
+            </a:gs>
+            <a:gs pos="100000">
+              <a:schemeClr val="phClr">
+                <a:shade val="96000"/>
+                <a:satMod val="120000"/>
+                <a:lumMod val="90000"/>
+              </a:schemeClr>
+            </a:gs>
+          </a:gsLst>
+          <a:lin ang="6120000" scaled="1"/>
+        </a:gradFill>
         <a:gradFill rotWithShape="1">
           <a:gsLst>
             <a:gs pos="0">
               <a:schemeClr val="phClr">
-                <a:tint val="93000"/>
-                <a:satMod val="150000"/>
-                <a:shade val="98000"/>
-                <a:lumMod val="102000"/>
-              </a:schemeClr>
-            </a:gs>
-            <a:gs pos="50000">
-              <a:schemeClr val="phClr">
-                <a:tint val="98000"/>
-                <a:satMod val="130000"/>
-                <a:shade val="90000"/>
-                <a:lumMod val="103000"/>
+                <a:tint val="97000"/>
+                <a:hueMod val="92000"/>
+                <a:satMod val="169000"/>
+                <a:lumMod val="164000"/>
               </a:schemeClr>
             </a:gs>
             <a:gs pos="100000">
               <a:schemeClr val="phClr">
-                <a:shade val="63000"/>
+                <a:shade val="96000"/>
                 <a:satMod val="120000"/>
+                <a:lumMod val="90000"/>
               </a:schemeClr>
             </a:gs>
           </a:gsLst>
-          <a:lin ang="5400000" scaled="0"/>
+          <a:path path="circle">
+            <a:fillToRect b="100000"/>
+          </a:path>
         </a:gradFill>
       </a:bgFillStyleLst>
     </a:fmtScheme>
@@ -4915,7 +7474,7 @@
   <a:extraClrSchemeLst/>
   <a:extLst>
     <a:ext uri="{05A4C25C-085E-4340-85A3-A5531E510DB2}">
-      <thm15:themeFamily xmlns:thm15="http://schemas.microsoft.com/office/thememl/2012/main" name="Office Theme" id="{62F939B6-93AF-4DB8-9C6B-D6C7DFDC589F}" vid="{4A3C46E8-61CC-4603-A589-7422A47A8E4A}"/>
+      <thm15:themeFamily xmlns:thm15="http://schemas.microsoft.com/office/thememl/2012/main" name="Slice" id="{0507925B-6AC9-4358-8E18-C330545D08F8}" vid="{13FEC7C6-62A9-40C4-99D2-581AACACAA2F}"/>
     </a:ext>
   </a:extLst>
 </a:theme>
